--- a/Evidencias Documentales/Presentacion/Presentación-Portafolio-Proyecto_Hostal_2018 .pptx
+++ b/Evidencias Documentales/Presentacion/Presentación-Portafolio-Proyecto_Hostal_2018 .pptx
@@ -9,20 +9,20 @@
     <p:sldId id="257" r:id="rId3"/>
     <p:sldId id="272" r:id="rId4"/>
     <p:sldId id="260" r:id="rId5"/>
-    <p:sldId id="277" r:id="rId6"/>
+    <p:sldId id="274" r:id="rId6"/>
     <p:sldId id="259" r:id="rId7"/>
     <p:sldId id="271" r:id="rId8"/>
-    <p:sldId id="278" r:id="rId9"/>
-    <p:sldId id="261" r:id="rId10"/>
-    <p:sldId id="267" r:id="rId11"/>
-    <p:sldId id="273" r:id="rId12"/>
-    <p:sldId id="274" r:id="rId13"/>
-    <p:sldId id="268" r:id="rId14"/>
-    <p:sldId id="275" r:id="rId15"/>
-    <p:sldId id="276" r:id="rId16"/>
-    <p:sldId id="270" r:id="rId17"/>
-    <p:sldId id="265" r:id="rId18"/>
-    <p:sldId id="266" r:id="rId19"/>
+    <p:sldId id="267" r:id="rId9"/>
+    <p:sldId id="273" r:id="rId10"/>
+    <p:sldId id="268" r:id="rId11"/>
+    <p:sldId id="279" r:id="rId12"/>
+    <p:sldId id="278" r:id="rId13"/>
+    <p:sldId id="280" r:id="rId14"/>
+    <p:sldId id="270" r:id="rId15"/>
+    <p:sldId id="265" r:id="rId16"/>
+    <p:sldId id="266" r:id="rId17"/>
+    <p:sldId id="261" r:id="rId18"/>
+    <p:sldId id="277" r:id="rId19"/>
   </p:sldIdLst>
   <p:sldSz cx="12192000" cy="6858000"/>
   <p:notesSz cx="6858000" cy="9144000"/>
@@ -260,7 +260,7 @@
           <a:p>
             <a:fld id="{C56040A3-26B0-41B9-8D0E-A6E2BE76A0F6}" type="datetimeFigureOut">
               <a:rPr lang="es-CL" smtClean="0"/>
-              <a:t>11-06-2018</a:t>
+              <a:t>12-06-2018</a:t>
             </a:fld>
             <a:endParaRPr lang="es-CL"/>
           </a:p>
@@ -430,7 +430,7 @@
           <a:p>
             <a:fld id="{C56040A3-26B0-41B9-8D0E-A6E2BE76A0F6}" type="datetimeFigureOut">
               <a:rPr lang="es-CL" smtClean="0"/>
-              <a:t>11-06-2018</a:t>
+              <a:t>12-06-2018</a:t>
             </a:fld>
             <a:endParaRPr lang="es-CL"/>
           </a:p>
@@ -610,7 +610,7 @@
           <a:p>
             <a:fld id="{C56040A3-26B0-41B9-8D0E-A6E2BE76A0F6}" type="datetimeFigureOut">
               <a:rPr lang="es-CL" smtClean="0"/>
-              <a:t>11-06-2018</a:t>
+              <a:t>12-06-2018</a:t>
             </a:fld>
             <a:endParaRPr lang="es-CL"/>
           </a:p>
@@ -780,7 +780,7 @@
           <a:p>
             <a:fld id="{C56040A3-26B0-41B9-8D0E-A6E2BE76A0F6}" type="datetimeFigureOut">
               <a:rPr lang="es-CL" smtClean="0"/>
-              <a:t>11-06-2018</a:t>
+              <a:t>12-06-2018</a:t>
             </a:fld>
             <a:endParaRPr lang="es-CL"/>
           </a:p>
@@ -1026,7 +1026,7 @@
           <a:p>
             <a:fld id="{C56040A3-26B0-41B9-8D0E-A6E2BE76A0F6}" type="datetimeFigureOut">
               <a:rPr lang="es-CL" smtClean="0"/>
-              <a:t>11-06-2018</a:t>
+              <a:t>12-06-2018</a:t>
             </a:fld>
             <a:endParaRPr lang="es-CL"/>
           </a:p>
@@ -1258,7 +1258,7 @@
           <a:p>
             <a:fld id="{C56040A3-26B0-41B9-8D0E-A6E2BE76A0F6}" type="datetimeFigureOut">
               <a:rPr lang="es-CL" smtClean="0"/>
-              <a:t>11-06-2018</a:t>
+              <a:t>12-06-2018</a:t>
             </a:fld>
             <a:endParaRPr lang="es-CL"/>
           </a:p>
@@ -1625,7 +1625,7 @@
           <a:p>
             <a:fld id="{C56040A3-26B0-41B9-8D0E-A6E2BE76A0F6}" type="datetimeFigureOut">
               <a:rPr lang="es-CL" smtClean="0"/>
-              <a:t>11-06-2018</a:t>
+              <a:t>12-06-2018</a:t>
             </a:fld>
             <a:endParaRPr lang="es-CL"/>
           </a:p>
@@ -1743,7 +1743,7 @@
           <a:p>
             <a:fld id="{C56040A3-26B0-41B9-8D0E-A6E2BE76A0F6}" type="datetimeFigureOut">
               <a:rPr lang="es-CL" smtClean="0"/>
-              <a:t>11-06-2018</a:t>
+              <a:t>12-06-2018</a:t>
             </a:fld>
             <a:endParaRPr lang="es-CL"/>
           </a:p>
@@ -1838,7 +1838,7 @@
           <a:p>
             <a:fld id="{C56040A3-26B0-41B9-8D0E-A6E2BE76A0F6}" type="datetimeFigureOut">
               <a:rPr lang="es-CL" smtClean="0"/>
-              <a:t>11-06-2018</a:t>
+              <a:t>12-06-2018</a:t>
             </a:fld>
             <a:endParaRPr lang="es-CL"/>
           </a:p>
@@ -2115,7 +2115,7 @@
           <a:p>
             <a:fld id="{C56040A3-26B0-41B9-8D0E-A6E2BE76A0F6}" type="datetimeFigureOut">
               <a:rPr lang="es-CL" smtClean="0"/>
-              <a:t>11-06-2018</a:t>
+              <a:t>12-06-2018</a:t>
             </a:fld>
             <a:endParaRPr lang="es-CL"/>
           </a:p>
@@ -2368,7 +2368,7 @@
           <a:p>
             <a:fld id="{C56040A3-26B0-41B9-8D0E-A6E2BE76A0F6}" type="datetimeFigureOut">
               <a:rPr lang="es-CL" smtClean="0"/>
-              <a:t>11-06-2018</a:t>
+              <a:t>12-06-2018</a:t>
             </a:fld>
             <a:endParaRPr lang="es-CL"/>
           </a:p>
@@ -2590,7 +2590,7 @@
           <a:p>
             <a:fld id="{C56040A3-26B0-41B9-8D0E-A6E2BE76A0F6}" type="datetimeFigureOut">
               <a:rPr lang="es-CL" smtClean="0"/>
-              <a:t>11-06-2018</a:t>
+              <a:t>12-06-2018</a:t>
             </a:fld>
             <a:endParaRPr lang="es-CL"/>
           </a:p>
@@ -3182,381 +3182,6 @@
         </p:nvSpPr>
         <p:spPr>
           <a:xfrm>
-            <a:off x="0" y="3734665"/>
-            <a:ext cx="2319131" cy="329574"/>
-          </a:xfrm>
-        </p:spPr>
-        <p:txBody>
-          <a:bodyPr>
-            <a:normAutofit fontScale="90000"/>
-          </a:bodyPr>
-          <a:lstStyle/>
-          <a:p>
-            <a:r>
-              <a:rPr lang="es-CL" dirty="0"/>
-              <a:t>Casos de Uso Generales</a:t>
-            </a:r>
-          </a:p>
-        </p:txBody>
-      </p:sp>
-      <p:pic>
-        <p:nvPicPr>
-          <p:cNvPr id="3" name="Imagen 2">
-            <a:extLst>
-              <a:ext uri="{FF2B5EF4-FFF2-40B4-BE49-F238E27FC236}">
-                <a16:creationId xmlns:a16="http://schemas.microsoft.com/office/drawing/2014/main" id="{6912C3D6-FF26-4D09-84F8-755BB00BAFA1}"/>
-              </a:ext>
-            </a:extLst>
-          </p:cNvPr>
-          <p:cNvPicPr>
-            <a:picLocks noChangeAspect="1"/>
-          </p:cNvPicPr>
-          <p:nvPr/>
-        </p:nvPicPr>
-        <p:blipFill>
-          <a:blip r:embed="rId2">
-            <a:extLst>
-              <a:ext uri="{28A0092B-C50C-407E-A947-70E740481C1C}">
-                <a14:useLocalDpi xmlns:a14="http://schemas.microsoft.com/office/drawing/2010/main" val="0"/>
-              </a:ext>
-            </a:extLst>
-          </a:blip>
-          <a:stretch>
-            <a:fillRect/>
-          </a:stretch>
-        </p:blipFill>
-        <p:spPr>
-          <a:xfrm>
-            <a:off x="2319130" y="874643"/>
-            <a:ext cx="8494643" cy="5983357"/>
-          </a:xfrm>
-          <a:prstGeom prst="rect">
-            <a:avLst/>
-          </a:prstGeom>
-        </p:spPr>
-      </p:pic>
-    </p:spTree>
-    <p:extLst>
-      <p:ext uri="{BB962C8B-B14F-4D97-AF65-F5344CB8AC3E}">
-        <p14:creationId xmlns:p14="http://schemas.microsoft.com/office/powerpoint/2010/main" val="3702887600"/>
-      </p:ext>
-    </p:extLst>
-  </p:cSld>
-  <p:clrMapOvr>
-    <a:masterClrMapping/>
-  </p:clrMapOvr>
-</p:sld>
-</file>
-
-<file path=ppt/slides/slide11.xml><?xml version="1.0" encoding="utf-8"?>
-<p:sld xmlns:a="http://schemas.openxmlformats.org/drawingml/2006/main" xmlns:r="http://schemas.openxmlformats.org/officeDocument/2006/relationships" xmlns:p="http://schemas.openxmlformats.org/presentationml/2006/main">
-  <p:cSld>
-    <p:spTree>
-      <p:nvGrpSpPr>
-        <p:cNvPr id="1" name=""/>
-        <p:cNvGrpSpPr/>
-        <p:nvPr/>
-      </p:nvGrpSpPr>
-      <p:grpSpPr>
-        <a:xfrm>
-          <a:off x="0" y="0"/>
-          <a:ext cx="0" cy="0"/>
-          <a:chOff x="0" y="0"/>
-          <a:chExt cx="0" cy="0"/>
-        </a:xfrm>
-      </p:grpSpPr>
-      <p:sp>
-        <p:nvSpPr>
-          <p:cNvPr id="4" name="Título 3"/>
-          <p:cNvSpPr>
-            <a:spLocks noGrp="1"/>
-          </p:cNvSpPr>
-          <p:nvPr>
-            <p:ph type="title"/>
-          </p:nvPr>
-        </p:nvSpPr>
-        <p:spPr>
-          <a:xfrm>
-            <a:off x="225287" y="3462618"/>
-            <a:ext cx="2319131" cy="329574"/>
-          </a:xfrm>
-        </p:spPr>
-        <p:txBody>
-          <a:bodyPr>
-            <a:noAutofit/>
-          </a:bodyPr>
-          <a:lstStyle/>
-          <a:p>
-            <a:r>
-              <a:rPr lang="es-CL" sz="3200" dirty="0"/>
-              <a:t>Diagrama de Actividad</a:t>
-            </a:r>
-          </a:p>
-        </p:txBody>
-      </p:sp>
-      <p:pic>
-        <p:nvPicPr>
-          <p:cNvPr id="7" name="Imagen 6">
-            <a:extLst>
-              <a:ext uri="{FF2B5EF4-FFF2-40B4-BE49-F238E27FC236}">
-                <a16:creationId xmlns:a16="http://schemas.microsoft.com/office/drawing/2014/main" id="{48466BA4-D49C-4E6B-919F-2FCA7A75A053}"/>
-              </a:ext>
-            </a:extLst>
-          </p:cNvPr>
-          <p:cNvPicPr>
-            <a:picLocks noChangeAspect="1"/>
-          </p:cNvPicPr>
-          <p:nvPr/>
-        </p:nvPicPr>
-        <p:blipFill>
-          <a:blip r:embed="rId2">
-            <a:extLst>
-              <a:ext uri="{28A0092B-C50C-407E-A947-70E740481C1C}">
-                <a14:useLocalDpi xmlns:a14="http://schemas.microsoft.com/office/drawing/2010/main" val="0"/>
-              </a:ext>
-            </a:extLst>
-          </a:blip>
-          <a:stretch>
-            <a:fillRect/>
-          </a:stretch>
-        </p:blipFill>
-        <p:spPr>
-          <a:xfrm>
-            <a:off x="2729948" y="878784"/>
-            <a:ext cx="6308035" cy="5979216"/>
-          </a:xfrm>
-          <a:prstGeom prst="rect">
-            <a:avLst/>
-          </a:prstGeom>
-        </p:spPr>
-      </p:pic>
-      <p:sp>
-        <p:nvSpPr>
-          <p:cNvPr id="8" name="CuadroTexto 7">
-            <a:extLst>
-              <a:ext uri="{FF2B5EF4-FFF2-40B4-BE49-F238E27FC236}">
-                <a16:creationId xmlns:a16="http://schemas.microsoft.com/office/drawing/2014/main" id="{544DCF23-8F28-4123-BF1C-57B567B703D4}"/>
-              </a:ext>
-            </a:extLst>
-          </p:cNvPr>
-          <p:cNvSpPr txBox="1"/>
-          <p:nvPr/>
-        </p:nvSpPr>
-        <p:spPr>
-          <a:xfrm>
-            <a:off x="9037983" y="3511935"/>
-            <a:ext cx="2928730" cy="646331"/>
-          </a:xfrm>
-          <a:prstGeom prst="rect">
-            <a:avLst/>
-          </a:prstGeom>
-          <a:noFill/>
-        </p:spPr>
-        <p:txBody>
-          <a:bodyPr wrap="square" rtlCol="0">
-            <a:spAutoFit/>
-          </a:bodyPr>
-          <a:lstStyle/>
-          <a:p>
-            <a:r>
-              <a:rPr lang="es-ES" dirty="0"/>
-              <a:t>Administrador- Registrar Habitación</a:t>
-            </a:r>
-          </a:p>
-        </p:txBody>
-      </p:sp>
-    </p:spTree>
-    <p:extLst>
-      <p:ext uri="{BB962C8B-B14F-4D97-AF65-F5344CB8AC3E}">
-        <p14:creationId xmlns:p14="http://schemas.microsoft.com/office/powerpoint/2010/main" val="3573124493"/>
-      </p:ext>
-    </p:extLst>
-  </p:cSld>
-  <p:clrMapOvr>
-    <a:masterClrMapping/>
-  </p:clrMapOvr>
-</p:sld>
-</file>
-
-<file path=ppt/slides/slide12.xml><?xml version="1.0" encoding="utf-8"?>
-<p:sld xmlns:a="http://schemas.openxmlformats.org/drawingml/2006/main" xmlns:r="http://schemas.openxmlformats.org/officeDocument/2006/relationships" xmlns:p="http://schemas.openxmlformats.org/presentationml/2006/main">
-  <p:cSld>
-    <p:spTree>
-      <p:nvGrpSpPr>
-        <p:cNvPr id="1" name=""/>
-        <p:cNvGrpSpPr/>
-        <p:nvPr/>
-      </p:nvGrpSpPr>
-      <p:grpSpPr>
-        <a:xfrm>
-          <a:off x="0" y="0"/>
-          <a:ext cx="0" cy="0"/>
-          <a:chOff x="0" y="0"/>
-          <a:chExt cx="0" cy="0"/>
-        </a:xfrm>
-      </p:grpSpPr>
-      <p:sp>
-        <p:nvSpPr>
-          <p:cNvPr id="4" name="Título 3"/>
-          <p:cNvSpPr>
-            <a:spLocks noGrp="1"/>
-          </p:cNvSpPr>
-          <p:nvPr>
-            <p:ph type="title"/>
-          </p:nvPr>
-        </p:nvSpPr>
-        <p:spPr>
-          <a:xfrm>
-            <a:off x="624042" y="3264213"/>
-            <a:ext cx="2319131" cy="329574"/>
-          </a:xfrm>
-        </p:spPr>
-        <p:txBody>
-          <a:bodyPr>
-            <a:noAutofit/>
-          </a:bodyPr>
-          <a:lstStyle/>
-          <a:p>
-            <a:r>
-              <a:rPr lang="es-CL" sz="3200" dirty="0"/>
-              <a:t>Diagrama de Arquitectura</a:t>
-            </a:r>
-          </a:p>
-        </p:txBody>
-      </p:sp>
-      <p:pic>
-        <p:nvPicPr>
-          <p:cNvPr id="5" name="Imagen 4" descr="C:\Users\Nibsa\Desktop\PORTAFOLIO\img PPT presentación\ddearqui.jpg">
-            <a:extLst>
-              <a:ext uri="{FF2B5EF4-FFF2-40B4-BE49-F238E27FC236}">
-                <a16:creationId xmlns:a16="http://schemas.microsoft.com/office/drawing/2014/main" id="{650F9D91-B888-480C-A268-FD7CE41EE253}"/>
-              </a:ext>
-            </a:extLst>
-          </p:cNvPr>
-          <p:cNvPicPr/>
-          <p:nvPr/>
-        </p:nvPicPr>
-        <p:blipFill>
-          <a:blip r:embed="rId2">
-            <a:extLst>
-              <a:ext uri="{28A0092B-C50C-407E-A947-70E740481C1C}">
-                <a14:useLocalDpi xmlns:a14="http://schemas.microsoft.com/office/drawing/2010/main" val="0"/>
-              </a:ext>
-            </a:extLst>
-          </a:blip>
-          <a:srcRect/>
-          <a:stretch>
-            <a:fillRect/>
-          </a:stretch>
-        </p:blipFill>
-        <p:spPr bwMode="auto">
-          <a:xfrm>
-            <a:off x="4404483" y="914400"/>
-            <a:ext cx="6674334" cy="5943600"/>
-          </a:xfrm>
-          <a:prstGeom prst="rect">
-            <a:avLst/>
-          </a:prstGeom>
-          <a:noFill/>
-          <a:ln>
-            <a:noFill/>
-          </a:ln>
-        </p:spPr>
-      </p:pic>
-      <p:sp>
-        <p:nvSpPr>
-          <p:cNvPr id="2" name="Rectángulo 1">
-            <a:extLst>
-              <a:ext uri="{FF2B5EF4-FFF2-40B4-BE49-F238E27FC236}">
-                <a16:creationId xmlns:a16="http://schemas.microsoft.com/office/drawing/2014/main" id="{6D7516D5-051B-4167-ABB0-423952ECF4E2}"/>
-              </a:ext>
-            </a:extLst>
-          </p:cNvPr>
-          <p:cNvSpPr/>
-          <p:nvPr/>
-        </p:nvSpPr>
-        <p:spPr>
-          <a:xfrm>
-            <a:off x="373442" y="4482114"/>
-            <a:ext cx="3164888" cy="1892182"/>
-          </a:xfrm>
-          <a:prstGeom prst="rect">
-            <a:avLst/>
-          </a:prstGeom>
-        </p:spPr>
-        <p:txBody>
-          <a:bodyPr wrap="square">
-            <a:spAutoFit/>
-          </a:bodyPr>
-          <a:lstStyle/>
-          <a:p>
-            <a:pPr>
-              <a:lnSpc>
-                <a:spcPct val="107000"/>
-              </a:lnSpc>
-              <a:spcAft>
-                <a:spcPts val="800"/>
-              </a:spcAft>
-            </a:pPr>
-            <a:r>
-              <a:rPr lang="es-ES" dirty="0">
-                <a:latin typeface="Calibri" panose="020F0502020204030204" pitchFamily="34" charset="0"/>
-                <a:ea typeface="Calibri" panose="020F0502020204030204" pitchFamily="34" charset="0"/>
-                <a:cs typeface="Times New Roman" panose="02020603050405020304" pitchFamily="18" charset="0"/>
-              </a:rPr>
-              <a:t>Esta herramienta visual es una vista simplificada del sistema que incluye los componentes principales del software y la conducta de esos componentes.</a:t>
-            </a:r>
-            <a:endParaRPr lang="es-ES" sz="1600" dirty="0">
-              <a:effectLst/>
-              <a:latin typeface="Calibri" panose="020F0502020204030204" pitchFamily="34" charset="0"/>
-              <a:ea typeface="Calibri" panose="020F0502020204030204" pitchFamily="34" charset="0"/>
-              <a:cs typeface="Times New Roman" panose="02020603050405020304" pitchFamily="18" charset="0"/>
-            </a:endParaRPr>
-          </a:p>
-        </p:txBody>
-      </p:sp>
-    </p:spTree>
-    <p:extLst>
-      <p:ext uri="{BB962C8B-B14F-4D97-AF65-F5344CB8AC3E}">
-        <p14:creationId xmlns:p14="http://schemas.microsoft.com/office/powerpoint/2010/main" val="2050829453"/>
-      </p:ext>
-    </p:extLst>
-  </p:cSld>
-  <p:clrMapOvr>
-    <a:masterClrMapping/>
-  </p:clrMapOvr>
-</p:sld>
-</file>
-
-<file path=ppt/slides/slide13.xml><?xml version="1.0" encoding="utf-8"?>
-<p:sld xmlns:a="http://schemas.openxmlformats.org/drawingml/2006/main" xmlns:r="http://schemas.openxmlformats.org/officeDocument/2006/relationships" xmlns:p="http://schemas.openxmlformats.org/presentationml/2006/main">
-  <p:cSld>
-    <p:spTree>
-      <p:nvGrpSpPr>
-        <p:cNvPr id="1" name=""/>
-        <p:cNvGrpSpPr/>
-        <p:nvPr/>
-      </p:nvGrpSpPr>
-      <p:grpSpPr>
-        <a:xfrm>
-          <a:off x="0" y="0"/>
-          <a:ext cx="0" cy="0"/>
-          <a:chOff x="0" y="0"/>
-          <a:chExt cx="0" cy="0"/>
-        </a:xfrm>
-      </p:grpSpPr>
-      <p:sp>
-        <p:nvSpPr>
-          <p:cNvPr id="4" name="Título 3"/>
-          <p:cNvSpPr>
-            <a:spLocks noGrp="1"/>
-          </p:cNvSpPr>
-          <p:nvPr>
-            <p:ph type="title"/>
-          </p:nvPr>
-        </p:nvSpPr>
-        <p:spPr>
-          <a:xfrm>
             <a:off x="894389" y="1020319"/>
             <a:ext cx="10051907" cy="530186"/>
           </a:xfrm>
@@ -3612,7 +3237,7 @@
           <p:nvPr>
             <p:extLst>
               <p:ext uri="{D42A27DB-BD31-4B8C-83A1-F6EECF244321}">
-                <p14:modId xmlns:p14="http://schemas.microsoft.com/office/powerpoint/2010/main" val="3207810978"/>
+                <p14:modId xmlns:p14="http://schemas.microsoft.com/office/powerpoint/2010/main" val="1220125622"/>
               </p:ext>
             </p:extLst>
           </p:nvPr>
@@ -3994,7 +3619,7 @@
                     <a:p>
                       <a:r>
                         <a:rPr lang="es-CL" dirty="0"/>
-                        <a:t>Pendiente</a:t>
+                        <a:t>Cumplido</a:t>
                       </a:r>
                     </a:p>
                   </a:txBody>
@@ -4057,7 +3682,7 @@
                     <a:p>
                       <a:r>
                         <a:rPr lang="es-CL" dirty="0"/>
-                        <a:t>Pendiente</a:t>
+                        <a:t>Cumplido</a:t>
                       </a:r>
                     </a:p>
                   </a:txBody>
@@ -4090,7 +3715,7 @@
                     <a:p>
                       <a:r>
                         <a:rPr lang="es-CL" dirty="0"/>
-                        <a:t>Separar por módulos en app Escritorio</a:t>
+                        <a:t>Pruebas de error</a:t>
                       </a:r>
                     </a:p>
                   </a:txBody>
@@ -4103,8 +3728,13 @@
                     <a:p>
                       <a:r>
                         <a:rPr lang="es-CL" dirty="0"/>
-                        <a:t>Cumplido</a:t>
+                        <a:t>Pendiente </a:t>
                       </a:r>
+                      <a:r>
+                        <a:rPr lang="es-CL"/>
+                        <a:t>la solución</a:t>
+                      </a:r>
+                      <a:endParaRPr lang="es-CL" dirty="0"/>
                     </a:p>
                   </a:txBody>
                   <a:tcPr/>
@@ -4178,6 +3808,889 @@
 </p:sld>
 </file>
 
+<file path=ppt/slides/slide11.xml><?xml version="1.0" encoding="utf-8"?>
+<p:sld xmlns:a="http://schemas.openxmlformats.org/drawingml/2006/main" xmlns:r="http://schemas.openxmlformats.org/officeDocument/2006/relationships" xmlns:p="http://schemas.openxmlformats.org/presentationml/2006/main">
+  <p:cSld>
+    <p:spTree>
+      <p:nvGrpSpPr>
+        <p:cNvPr id="1" name=""/>
+        <p:cNvGrpSpPr/>
+        <p:nvPr/>
+      </p:nvGrpSpPr>
+      <p:grpSpPr>
+        <a:xfrm>
+          <a:off x="0" y="0"/>
+          <a:ext cx="0" cy="0"/>
+          <a:chOff x="0" y="0"/>
+          <a:chExt cx="0" cy="0"/>
+        </a:xfrm>
+      </p:grpSpPr>
+      <p:sp>
+        <p:nvSpPr>
+          <p:cNvPr id="3" name="Rectángulo: esquinas redondeadas 2">
+            <a:extLst>
+              <a:ext uri="{FF2B5EF4-FFF2-40B4-BE49-F238E27FC236}">
+                <a16:creationId xmlns:a16="http://schemas.microsoft.com/office/drawing/2014/main" id="{BCEB4ADF-C478-4671-BBD2-15CCF9348FEC}"/>
+              </a:ext>
+            </a:extLst>
+          </p:cNvPr>
+          <p:cNvSpPr/>
+          <p:nvPr/>
+        </p:nvSpPr>
+        <p:spPr>
+          <a:xfrm>
+            <a:off x="5451662" y="3093693"/>
+            <a:ext cx="2319130" cy="2954544"/>
+          </a:xfrm>
+          <a:prstGeom prst="roundRect">
+            <a:avLst/>
+          </a:prstGeom>
+          <a:noFill/>
+          <a:ln>
+            <a:solidFill>
+              <a:schemeClr val="tx1"/>
+            </a:solidFill>
+          </a:ln>
+        </p:spPr>
+        <p:style>
+          <a:lnRef idx="2">
+            <a:schemeClr val="accent1">
+              <a:shade val="50000"/>
+            </a:schemeClr>
+          </a:lnRef>
+          <a:fillRef idx="1">
+            <a:schemeClr val="accent1"/>
+          </a:fillRef>
+          <a:effectRef idx="0">
+            <a:schemeClr val="accent1"/>
+          </a:effectRef>
+          <a:fontRef idx="minor">
+            <a:schemeClr val="lt1"/>
+          </a:fontRef>
+        </p:style>
+        <p:txBody>
+          <a:bodyPr rtlCol="0" anchor="ctr"/>
+          <a:lstStyle/>
+          <a:p>
+            <a:pPr algn="ctr"/>
+            <a:endParaRPr lang="es-ES"/>
+          </a:p>
+        </p:txBody>
+      </p:sp>
+      <p:sp>
+        <p:nvSpPr>
+          <p:cNvPr id="5" name="Rectángulo: esquinas redondeadas 4">
+            <a:extLst>
+              <a:ext uri="{FF2B5EF4-FFF2-40B4-BE49-F238E27FC236}">
+                <a16:creationId xmlns:a16="http://schemas.microsoft.com/office/drawing/2014/main" id="{8A528287-D9AD-4C02-9B12-B716E67D902C}"/>
+              </a:ext>
+            </a:extLst>
+          </p:cNvPr>
+          <p:cNvSpPr/>
+          <p:nvPr/>
+        </p:nvSpPr>
+        <p:spPr>
+          <a:xfrm>
+            <a:off x="8869114" y="3093693"/>
+            <a:ext cx="2319130" cy="2954544"/>
+          </a:xfrm>
+          <a:prstGeom prst="roundRect">
+            <a:avLst/>
+          </a:prstGeom>
+          <a:noFill/>
+          <a:ln>
+            <a:solidFill>
+              <a:schemeClr val="tx1"/>
+            </a:solidFill>
+          </a:ln>
+        </p:spPr>
+        <p:style>
+          <a:lnRef idx="2">
+            <a:schemeClr val="accent1">
+              <a:shade val="50000"/>
+            </a:schemeClr>
+          </a:lnRef>
+          <a:fillRef idx="1">
+            <a:schemeClr val="accent1"/>
+          </a:fillRef>
+          <a:effectRef idx="0">
+            <a:schemeClr val="accent1"/>
+          </a:effectRef>
+          <a:fontRef idx="minor">
+            <a:schemeClr val="lt1"/>
+          </a:fontRef>
+        </p:style>
+        <p:txBody>
+          <a:bodyPr rtlCol="0" anchor="ctr"/>
+          <a:lstStyle/>
+          <a:p>
+            <a:pPr algn="ctr"/>
+            <a:endParaRPr lang="es-ES"/>
+          </a:p>
+        </p:txBody>
+      </p:sp>
+      <p:sp>
+        <p:nvSpPr>
+          <p:cNvPr id="6" name="CuadroTexto 5">
+            <a:extLst>
+              <a:ext uri="{FF2B5EF4-FFF2-40B4-BE49-F238E27FC236}">
+                <a16:creationId xmlns:a16="http://schemas.microsoft.com/office/drawing/2014/main" id="{F2A90AED-283A-458A-B0F6-D15949C49929}"/>
+              </a:ext>
+            </a:extLst>
+          </p:cNvPr>
+          <p:cNvSpPr txBox="1"/>
+          <p:nvPr/>
+        </p:nvSpPr>
+        <p:spPr>
+          <a:xfrm>
+            <a:off x="9052289" y="3912878"/>
+            <a:ext cx="1988045" cy="369332"/>
+          </a:xfrm>
+          <a:prstGeom prst="rect">
+            <a:avLst/>
+          </a:prstGeom>
+          <a:noFill/>
+        </p:spPr>
+        <p:txBody>
+          <a:bodyPr wrap="none" rtlCol="0">
+            <a:spAutoFit/>
+          </a:bodyPr>
+          <a:lstStyle/>
+          <a:p>
+            <a:r>
+              <a:rPr lang="es-ES" b="1" dirty="0"/>
+              <a:t>ORDEN DE PEDIDO</a:t>
+            </a:r>
+          </a:p>
+        </p:txBody>
+      </p:sp>
+      <p:sp>
+        <p:nvSpPr>
+          <p:cNvPr id="7" name="Rectángulo: esquinas diagonales cortadas 6">
+            <a:extLst>
+              <a:ext uri="{FF2B5EF4-FFF2-40B4-BE49-F238E27FC236}">
+                <a16:creationId xmlns:a16="http://schemas.microsoft.com/office/drawing/2014/main" id="{D7ABCF6D-6B73-4FB0-A05F-4EE3402631FC}"/>
+              </a:ext>
+            </a:extLst>
+          </p:cNvPr>
+          <p:cNvSpPr/>
+          <p:nvPr/>
+        </p:nvSpPr>
+        <p:spPr>
+          <a:xfrm>
+            <a:off x="6208645" y="1091390"/>
+            <a:ext cx="5565914" cy="1132945"/>
+          </a:xfrm>
+          <a:prstGeom prst="snip2DiagRect">
+            <a:avLst/>
+          </a:prstGeom>
+          <a:solidFill>
+            <a:schemeClr val="accent4">
+              <a:lumMod val="60000"/>
+              <a:lumOff val="40000"/>
+            </a:schemeClr>
+          </a:solidFill>
+        </p:spPr>
+        <p:style>
+          <a:lnRef idx="2">
+            <a:schemeClr val="accent1">
+              <a:shade val="50000"/>
+            </a:schemeClr>
+          </a:lnRef>
+          <a:fillRef idx="1">
+            <a:schemeClr val="accent1"/>
+          </a:fillRef>
+          <a:effectRef idx="0">
+            <a:schemeClr val="accent1"/>
+          </a:effectRef>
+          <a:fontRef idx="minor">
+            <a:schemeClr val="lt1"/>
+          </a:fontRef>
+        </p:style>
+        <p:txBody>
+          <a:bodyPr rtlCol="0" anchor="ctr"/>
+          <a:lstStyle/>
+          <a:p>
+            <a:pPr algn="ctr"/>
+            <a:endParaRPr lang="es-ES"/>
+          </a:p>
+        </p:txBody>
+      </p:sp>
+      <p:sp>
+        <p:nvSpPr>
+          <p:cNvPr id="9" name="Título 1">
+            <a:extLst>
+              <a:ext uri="{FF2B5EF4-FFF2-40B4-BE49-F238E27FC236}">
+                <a16:creationId xmlns:a16="http://schemas.microsoft.com/office/drawing/2014/main" id="{51739467-9CF7-4A52-920F-8A3695010E4A}"/>
+              </a:ext>
+            </a:extLst>
+          </p:cNvPr>
+          <p:cNvSpPr txBox="1">
+            <a:spLocks/>
+          </p:cNvSpPr>
+          <p:nvPr/>
+        </p:nvSpPr>
+        <p:spPr>
+          <a:xfrm>
+            <a:off x="6516759" y="961473"/>
+            <a:ext cx="5452328" cy="1325563"/>
+          </a:xfrm>
+          <a:prstGeom prst="rect">
+            <a:avLst/>
+          </a:prstGeom>
+        </p:spPr>
+        <p:txBody>
+          <a:bodyPr vert="horz" lIns="91440" tIns="45720" rIns="91440" bIns="45720" rtlCol="0" anchor="ctr">
+            <a:normAutofit/>
+          </a:bodyPr>
+          <a:lstStyle>
+            <a:lvl1pPr algn="l" defTabSz="914400" rtl="0" eaLnBrk="1" latinLnBrk="0" hangingPunct="1">
+              <a:lnSpc>
+                <a:spcPct val="90000"/>
+              </a:lnSpc>
+              <a:spcBef>
+                <a:spcPct val="0"/>
+              </a:spcBef>
+              <a:buNone/>
+              <a:defRPr sz="4400" kern="1200">
+                <a:solidFill>
+                  <a:schemeClr val="tx1"/>
+                </a:solidFill>
+                <a:latin typeface="+mj-lt"/>
+                <a:ea typeface="+mj-ea"/>
+                <a:cs typeface="+mj-cs"/>
+              </a:defRPr>
+            </a:lvl1pPr>
+          </a:lstStyle>
+          <a:p>
+            <a:r>
+              <a:rPr lang="es-ES"/>
+              <a:t>Diseño Base de Datos</a:t>
+            </a:r>
+            <a:endParaRPr lang="es-ES" dirty="0"/>
+          </a:p>
+        </p:txBody>
+      </p:sp>
+      <p:pic>
+        <p:nvPicPr>
+          <p:cNvPr id="1026" name="Picture 2" descr="Resultado de imagen para icon cinta png">
+            <a:extLst>
+              <a:ext uri="{FF2B5EF4-FFF2-40B4-BE49-F238E27FC236}">
+                <a16:creationId xmlns:a16="http://schemas.microsoft.com/office/drawing/2014/main" id="{6727C2D2-1375-4A78-93C3-E934B3CC4C16}"/>
+              </a:ext>
+            </a:extLst>
+          </p:cNvPr>
+          <p:cNvPicPr>
+            <a:picLocks noChangeAspect="1" noChangeArrowheads="1"/>
+          </p:cNvPicPr>
+          <p:nvPr/>
+        </p:nvPicPr>
+        <p:blipFill>
+          <a:blip r:embed="rId2" cstate="print">
+            <a:extLst>
+              <a:ext uri="{28A0092B-C50C-407E-A947-70E740481C1C}">
+                <a14:useLocalDpi xmlns:a14="http://schemas.microsoft.com/office/drawing/2010/main" val="0"/>
+              </a:ext>
+            </a:extLst>
+          </a:blip>
+          <a:srcRect/>
+          <a:stretch>
+            <a:fillRect/>
+          </a:stretch>
+        </p:blipFill>
+        <p:spPr bwMode="auto">
+          <a:xfrm>
+            <a:off x="5574148" y="3093693"/>
+            <a:ext cx="639489" cy="639489"/>
+          </a:xfrm>
+          <a:prstGeom prst="rect">
+            <a:avLst/>
+          </a:prstGeom>
+          <a:noFill/>
+          <a:extLst>
+            <a:ext uri="{909E8E84-426E-40DD-AFC4-6F175D3DCCD1}">
+              <a14:hiddenFill xmlns:a14="http://schemas.microsoft.com/office/drawing/2010/main">
+                <a:solidFill>
+                  <a:srgbClr val="FFFFFF"/>
+                </a:solidFill>
+              </a14:hiddenFill>
+            </a:ext>
+          </a:extLst>
+        </p:spPr>
+      </p:pic>
+      <p:sp>
+        <p:nvSpPr>
+          <p:cNvPr id="11" name="CuadroTexto 10">
+            <a:extLst>
+              <a:ext uri="{FF2B5EF4-FFF2-40B4-BE49-F238E27FC236}">
+                <a16:creationId xmlns:a16="http://schemas.microsoft.com/office/drawing/2014/main" id="{187CC418-4D4B-43F9-B4CA-86E044676727}"/>
+              </a:ext>
+            </a:extLst>
+          </p:cNvPr>
+          <p:cNvSpPr txBox="1"/>
+          <p:nvPr/>
+        </p:nvSpPr>
+        <p:spPr>
+          <a:xfrm>
+            <a:off x="5574148" y="3912878"/>
+            <a:ext cx="2114618" cy="369332"/>
+          </a:xfrm>
+          <a:prstGeom prst="rect">
+            <a:avLst/>
+          </a:prstGeom>
+          <a:noFill/>
+        </p:spPr>
+        <p:txBody>
+          <a:bodyPr wrap="none" rtlCol="0">
+            <a:spAutoFit/>
+          </a:bodyPr>
+          <a:lstStyle/>
+          <a:p>
+            <a:r>
+              <a:rPr lang="es-ES" b="1" dirty="0"/>
+              <a:t>ORDEN DE COMPRA</a:t>
+            </a:r>
+          </a:p>
+        </p:txBody>
+      </p:sp>
+      <p:pic>
+        <p:nvPicPr>
+          <p:cNvPr id="12" name="Picture 2" descr="Resultado de imagen para icon cinta png">
+            <a:extLst>
+              <a:ext uri="{FF2B5EF4-FFF2-40B4-BE49-F238E27FC236}">
+                <a16:creationId xmlns:a16="http://schemas.microsoft.com/office/drawing/2014/main" id="{DCC51B29-3F11-42F4-9CC1-39F611112F4B}"/>
+              </a:ext>
+            </a:extLst>
+          </p:cNvPr>
+          <p:cNvPicPr>
+            <a:picLocks noChangeAspect="1" noChangeArrowheads="1"/>
+          </p:cNvPicPr>
+          <p:nvPr/>
+        </p:nvPicPr>
+        <p:blipFill>
+          <a:blip r:embed="rId2" cstate="print">
+            <a:extLst>
+              <a:ext uri="{28A0092B-C50C-407E-A947-70E740481C1C}">
+                <a14:useLocalDpi xmlns:a14="http://schemas.microsoft.com/office/drawing/2010/main" val="0"/>
+              </a:ext>
+            </a:extLst>
+          </a:blip>
+          <a:srcRect/>
+          <a:stretch>
+            <a:fillRect/>
+          </a:stretch>
+        </p:blipFill>
+        <p:spPr bwMode="auto">
+          <a:xfrm>
+            <a:off x="10365579" y="3106221"/>
+            <a:ext cx="639489" cy="639489"/>
+          </a:xfrm>
+          <a:prstGeom prst="rect">
+            <a:avLst/>
+          </a:prstGeom>
+          <a:noFill/>
+          <a:extLst>
+            <a:ext uri="{909E8E84-426E-40DD-AFC4-6F175D3DCCD1}">
+              <a14:hiddenFill xmlns:a14="http://schemas.microsoft.com/office/drawing/2010/main">
+                <a:solidFill>
+                  <a:srgbClr val="FFFFFF"/>
+                </a:solidFill>
+              </a14:hiddenFill>
+            </a:ext>
+          </a:extLst>
+        </p:spPr>
+      </p:pic>
+      <p:sp>
+        <p:nvSpPr>
+          <p:cNvPr id="10" name="CuadroTexto 9">
+            <a:extLst>
+              <a:ext uri="{FF2B5EF4-FFF2-40B4-BE49-F238E27FC236}">
+                <a16:creationId xmlns:a16="http://schemas.microsoft.com/office/drawing/2014/main" id="{C9A62FEF-3BDA-4426-9352-60E8B8C248E0}"/>
+              </a:ext>
+            </a:extLst>
+          </p:cNvPr>
+          <p:cNvSpPr txBox="1"/>
+          <p:nvPr/>
+        </p:nvSpPr>
+        <p:spPr>
+          <a:xfrm>
+            <a:off x="237634" y="4282210"/>
+            <a:ext cx="4932569" cy="923330"/>
+          </a:xfrm>
+          <a:prstGeom prst="rect">
+            <a:avLst/>
+          </a:prstGeom>
+          <a:noFill/>
+        </p:spPr>
+        <p:txBody>
+          <a:bodyPr wrap="none" rtlCol="0">
+            <a:spAutoFit/>
+          </a:bodyPr>
+          <a:lstStyle/>
+          <a:p>
+            <a:r>
+              <a:rPr lang="es-ES" dirty="0"/>
+              <a:t>Los dos “corazones” de la Base de datos están </a:t>
+            </a:r>
+          </a:p>
+          <a:p>
+            <a:r>
+              <a:rPr lang="es-ES" dirty="0"/>
+              <a:t>Conformadas por las entidades: Orden de Compra </a:t>
+            </a:r>
+          </a:p>
+          <a:p>
+            <a:r>
+              <a:rPr lang="es-ES" dirty="0"/>
+              <a:t>(a la izquierda) y Orden De Pedido (derecha)</a:t>
+            </a:r>
+          </a:p>
+        </p:txBody>
+      </p:sp>
+      <p:pic>
+        <p:nvPicPr>
+          <p:cNvPr id="1028" name="Picture 4" descr="Imagen relacionada">
+            <a:extLst>
+              <a:ext uri="{FF2B5EF4-FFF2-40B4-BE49-F238E27FC236}">
+                <a16:creationId xmlns:a16="http://schemas.microsoft.com/office/drawing/2014/main" id="{0F846507-8E19-4929-A940-B66C36377CE2}"/>
+              </a:ext>
+            </a:extLst>
+          </p:cNvPr>
+          <p:cNvPicPr>
+            <a:picLocks noChangeAspect="1" noChangeArrowheads="1"/>
+          </p:cNvPicPr>
+          <p:nvPr/>
+        </p:nvPicPr>
+        <p:blipFill>
+          <a:blip r:embed="rId3">
+            <a:extLst>
+              <a:ext uri="{28A0092B-C50C-407E-A947-70E740481C1C}">
+                <a14:useLocalDpi xmlns:a14="http://schemas.microsoft.com/office/drawing/2010/main" val="0"/>
+              </a:ext>
+            </a:extLst>
+          </a:blip>
+          <a:srcRect/>
+          <a:stretch>
+            <a:fillRect/>
+          </a:stretch>
+        </p:blipFill>
+        <p:spPr bwMode="auto">
+          <a:xfrm>
+            <a:off x="1106212" y="1356590"/>
+            <a:ext cx="2438400" cy="2438400"/>
+          </a:xfrm>
+          <a:prstGeom prst="rect">
+            <a:avLst/>
+          </a:prstGeom>
+          <a:noFill/>
+          <a:extLst>
+            <a:ext uri="{909E8E84-426E-40DD-AFC4-6F175D3DCCD1}">
+              <a14:hiddenFill xmlns:a14="http://schemas.microsoft.com/office/drawing/2010/main">
+                <a:solidFill>
+                  <a:srgbClr val="FFFFFF"/>
+                </a:solidFill>
+              </a14:hiddenFill>
+            </a:ext>
+          </a:extLst>
+        </p:spPr>
+      </p:pic>
+      <p:cxnSp>
+        <p:nvCxnSpPr>
+          <p:cNvPr id="14" name="Conector recto 13">
+            <a:extLst>
+              <a:ext uri="{FF2B5EF4-FFF2-40B4-BE49-F238E27FC236}">
+                <a16:creationId xmlns:a16="http://schemas.microsoft.com/office/drawing/2014/main" id="{0468A0A9-02D4-4855-983B-09BC5DC3AD91}"/>
+              </a:ext>
+            </a:extLst>
+          </p:cNvPr>
+          <p:cNvCxnSpPr/>
+          <p:nvPr/>
+        </p:nvCxnSpPr>
+        <p:spPr>
+          <a:xfrm>
+            <a:off x="5698435" y="4890052"/>
+            <a:ext cx="0" cy="0"/>
+          </a:xfrm>
+          <a:prstGeom prst="line">
+            <a:avLst/>
+          </a:prstGeom>
+        </p:spPr>
+        <p:style>
+          <a:lnRef idx="1">
+            <a:schemeClr val="accent1"/>
+          </a:lnRef>
+          <a:fillRef idx="0">
+            <a:schemeClr val="accent1"/>
+          </a:fillRef>
+          <a:effectRef idx="0">
+            <a:schemeClr val="accent1"/>
+          </a:effectRef>
+          <a:fontRef idx="minor">
+            <a:schemeClr val="tx1"/>
+          </a:fontRef>
+        </p:style>
+      </p:cxnSp>
+      <p:cxnSp>
+        <p:nvCxnSpPr>
+          <p:cNvPr id="16" name="Conector recto 15">
+            <a:extLst>
+              <a:ext uri="{FF2B5EF4-FFF2-40B4-BE49-F238E27FC236}">
+                <a16:creationId xmlns:a16="http://schemas.microsoft.com/office/drawing/2014/main" id="{CA2E04C8-6ECE-416B-83BE-02BFD847455D}"/>
+              </a:ext>
+            </a:extLst>
+          </p:cNvPr>
+          <p:cNvCxnSpPr/>
+          <p:nvPr/>
+        </p:nvCxnSpPr>
+        <p:spPr>
+          <a:xfrm>
+            <a:off x="5685183" y="4743875"/>
+            <a:ext cx="1696278" cy="0"/>
+          </a:xfrm>
+          <a:prstGeom prst="line">
+            <a:avLst/>
+          </a:prstGeom>
+        </p:spPr>
+        <p:style>
+          <a:lnRef idx="1">
+            <a:schemeClr val="accent1"/>
+          </a:lnRef>
+          <a:fillRef idx="0">
+            <a:schemeClr val="accent1"/>
+          </a:fillRef>
+          <a:effectRef idx="0">
+            <a:schemeClr val="accent1"/>
+          </a:effectRef>
+          <a:fontRef idx="minor">
+            <a:schemeClr val="tx1"/>
+          </a:fontRef>
+        </p:style>
+      </p:cxnSp>
+      <p:cxnSp>
+        <p:nvCxnSpPr>
+          <p:cNvPr id="18" name="Conector recto 17">
+            <a:extLst>
+              <a:ext uri="{FF2B5EF4-FFF2-40B4-BE49-F238E27FC236}">
+                <a16:creationId xmlns:a16="http://schemas.microsoft.com/office/drawing/2014/main" id="{F8F32B7C-8D91-4D63-B2C2-D29C9E2D533A}"/>
+              </a:ext>
+            </a:extLst>
+          </p:cNvPr>
+          <p:cNvCxnSpPr/>
+          <p:nvPr/>
+        </p:nvCxnSpPr>
+        <p:spPr>
+          <a:xfrm>
+            <a:off x="5685183" y="5062330"/>
+            <a:ext cx="1696278" cy="0"/>
+          </a:xfrm>
+          <a:prstGeom prst="line">
+            <a:avLst/>
+          </a:prstGeom>
+        </p:spPr>
+        <p:style>
+          <a:lnRef idx="1">
+            <a:schemeClr val="accent1"/>
+          </a:lnRef>
+          <a:fillRef idx="0">
+            <a:schemeClr val="accent1"/>
+          </a:fillRef>
+          <a:effectRef idx="0">
+            <a:schemeClr val="accent1"/>
+          </a:effectRef>
+          <a:fontRef idx="minor">
+            <a:schemeClr val="tx1"/>
+          </a:fontRef>
+        </p:style>
+      </p:cxnSp>
+      <p:cxnSp>
+        <p:nvCxnSpPr>
+          <p:cNvPr id="21" name="Conector recto 20">
+            <a:extLst>
+              <a:ext uri="{FF2B5EF4-FFF2-40B4-BE49-F238E27FC236}">
+                <a16:creationId xmlns:a16="http://schemas.microsoft.com/office/drawing/2014/main" id="{A79EB726-3FDD-41CF-B38F-7C6773F369E6}"/>
+              </a:ext>
+            </a:extLst>
+          </p:cNvPr>
+          <p:cNvCxnSpPr/>
+          <p:nvPr/>
+        </p:nvCxnSpPr>
+        <p:spPr>
+          <a:xfrm>
+            <a:off x="5685183" y="5333999"/>
+            <a:ext cx="1696278" cy="0"/>
+          </a:xfrm>
+          <a:prstGeom prst="line">
+            <a:avLst/>
+          </a:prstGeom>
+        </p:spPr>
+        <p:style>
+          <a:lnRef idx="1">
+            <a:schemeClr val="accent1"/>
+          </a:lnRef>
+          <a:fillRef idx="0">
+            <a:schemeClr val="accent1"/>
+          </a:fillRef>
+          <a:effectRef idx="0">
+            <a:schemeClr val="accent1"/>
+          </a:effectRef>
+          <a:fontRef idx="minor">
+            <a:schemeClr val="tx1"/>
+          </a:fontRef>
+        </p:style>
+      </p:cxnSp>
+      <p:cxnSp>
+        <p:nvCxnSpPr>
+          <p:cNvPr id="22" name="Conector recto 21">
+            <a:extLst>
+              <a:ext uri="{FF2B5EF4-FFF2-40B4-BE49-F238E27FC236}">
+                <a16:creationId xmlns:a16="http://schemas.microsoft.com/office/drawing/2014/main" id="{73B1F420-EFA9-418B-B4F3-D2340C9C65B3}"/>
+              </a:ext>
+            </a:extLst>
+          </p:cNvPr>
+          <p:cNvCxnSpPr/>
+          <p:nvPr/>
+        </p:nvCxnSpPr>
+        <p:spPr>
+          <a:xfrm>
+            <a:off x="9073492" y="4577591"/>
+            <a:ext cx="1696278" cy="0"/>
+          </a:xfrm>
+          <a:prstGeom prst="line">
+            <a:avLst/>
+          </a:prstGeom>
+        </p:spPr>
+        <p:style>
+          <a:lnRef idx="1">
+            <a:schemeClr val="accent1"/>
+          </a:lnRef>
+          <a:fillRef idx="0">
+            <a:schemeClr val="accent1"/>
+          </a:fillRef>
+          <a:effectRef idx="0">
+            <a:schemeClr val="accent1"/>
+          </a:effectRef>
+          <a:fontRef idx="minor">
+            <a:schemeClr val="tx1"/>
+          </a:fontRef>
+        </p:style>
+      </p:cxnSp>
+      <p:cxnSp>
+        <p:nvCxnSpPr>
+          <p:cNvPr id="23" name="Conector recto 22">
+            <a:extLst>
+              <a:ext uri="{FF2B5EF4-FFF2-40B4-BE49-F238E27FC236}">
+                <a16:creationId xmlns:a16="http://schemas.microsoft.com/office/drawing/2014/main" id="{70308087-49D7-4F44-9F36-DE9E8A734E8B}"/>
+              </a:ext>
+            </a:extLst>
+          </p:cNvPr>
+          <p:cNvCxnSpPr/>
+          <p:nvPr/>
+        </p:nvCxnSpPr>
+        <p:spPr>
+          <a:xfrm>
+            <a:off x="9073492" y="4896678"/>
+            <a:ext cx="1696278" cy="0"/>
+          </a:xfrm>
+          <a:prstGeom prst="line">
+            <a:avLst/>
+          </a:prstGeom>
+        </p:spPr>
+        <p:style>
+          <a:lnRef idx="1">
+            <a:schemeClr val="accent1"/>
+          </a:lnRef>
+          <a:fillRef idx="0">
+            <a:schemeClr val="accent1"/>
+          </a:fillRef>
+          <a:effectRef idx="0">
+            <a:schemeClr val="accent1"/>
+          </a:effectRef>
+          <a:fontRef idx="minor">
+            <a:schemeClr val="tx1"/>
+          </a:fontRef>
+        </p:style>
+      </p:cxnSp>
+      <p:cxnSp>
+        <p:nvCxnSpPr>
+          <p:cNvPr id="24" name="Conector recto 23">
+            <a:extLst>
+              <a:ext uri="{FF2B5EF4-FFF2-40B4-BE49-F238E27FC236}">
+                <a16:creationId xmlns:a16="http://schemas.microsoft.com/office/drawing/2014/main" id="{01AD4A0E-701E-4139-AF28-48052C0F8348}"/>
+              </a:ext>
+            </a:extLst>
+          </p:cNvPr>
+          <p:cNvCxnSpPr/>
+          <p:nvPr/>
+        </p:nvCxnSpPr>
+        <p:spPr>
+          <a:xfrm>
+            <a:off x="9073492" y="5278427"/>
+            <a:ext cx="1696278" cy="0"/>
+          </a:xfrm>
+          <a:prstGeom prst="line">
+            <a:avLst/>
+          </a:prstGeom>
+        </p:spPr>
+        <p:style>
+          <a:lnRef idx="1">
+            <a:schemeClr val="accent1"/>
+          </a:lnRef>
+          <a:fillRef idx="0">
+            <a:schemeClr val="accent1"/>
+          </a:fillRef>
+          <a:effectRef idx="0">
+            <a:schemeClr val="accent1"/>
+          </a:effectRef>
+          <a:fontRef idx="minor">
+            <a:schemeClr val="tx1"/>
+          </a:fontRef>
+        </p:style>
+      </p:cxnSp>
+    </p:spTree>
+    <p:extLst>
+      <p:ext uri="{BB962C8B-B14F-4D97-AF65-F5344CB8AC3E}">
+        <p14:creationId xmlns:p14="http://schemas.microsoft.com/office/powerpoint/2010/main" val="3478365760"/>
+      </p:ext>
+    </p:extLst>
+  </p:cSld>
+  <p:clrMapOvr>
+    <a:masterClrMapping/>
+  </p:clrMapOvr>
+</p:sld>
+</file>
+
+<file path=ppt/slides/slide12.xml><?xml version="1.0" encoding="utf-8"?>
+<p:sld xmlns:a="http://schemas.openxmlformats.org/drawingml/2006/main" xmlns:r="http://schemas.openxmlformats.org/officeDocument/2006/relationships" xmlns:p="http://schemas.openxmlformats.org/presentationml/2006/main">
+  <p:cSld>
+    <p:spTree>
+      <p:nvGrpSpPr>
+        <p:cNvPr id="1" name=""/>
+        <p:cNvGrpSpPr/>
+        <p:nvPr/>
+      </p:nvGrpSpPr>
+      <p:grpSpPr>
+        <a:xfrm>
+          <a:off x="0" y="0"/>
+          <a:ext cx="0" cy="0"/>
+          <a:chOff x="0" y="0"/>
+          <a:chExt cx="0" cy="0"/>
+        </a:xfrm>
+      </p:grpSpPr>
+      <p:pic>
+        <p:nvPicPr>
+          <p:cNvPr id="4" name="Imagen 3">
+            <a:extLst>
+              <a:ext uri="{FF2B5EF4-FFF2-40B4-BE49-F238E27FC236}">
+                <a16:creationId xmlns:a16="http://schemas.microsoft.com/office/drawing/2014/main" id="{D9F6F7AF-6591-4BCF-A598-F18D4B7F86CB}"/>
+              </a:ext>
+            </a:extLst>
+          </p:cNvPr>
+          <p:cNvPicPr>
+            <a:picLocks noChangeAspect="1"/>
+          </p:cNvPicPr>
+          <p:nvPr/>
+        </p:nvPicPr>
+        <p:blipFill>
+          <a:blip r:embed="rId2">
+            <a:extLst>
+              <a:ext uri="{28A0092B-C50C-407E-A947-70E740481C1C}">
+                <a14:useLocalDpi xmlns:a14="http://schemas.microsoft.com/office/drawing/2010/main" val="0"/>
+              </a:ext>
+            </a:extLst>
+          </a:blip>
+          <a:stretch>
+            <a:fillRect/>
+          </a:stretch>
+        </p:blipFill>
+        <p:spPr>
+          <a:xfrm>
+            <a:off x="2179982" y="0"/>
+            <a:ext cx="9660835" cy="6858000"/>
+          </a:xfrm>
+          <a:prstGeom prst="rect">
+            <a:avLst/>
+          </a:prstGeom>
+        </p:spPr>
+      </p:pic>
+    </p:spTree>
+    <p:extLst>
+      <p:ext uri="{BB962C8B-B14F-4D97-AF65-F5344CB8AC3E}">
+        <p14:creationId xmlns:p14="http://schemas.microsoft.com/office/powerpoint/2010/main" val="1520598834"/>
+      </p:ext>
+    </p:extLst>
+  </p:cSld>
+  <p:clrMapOvr>
+    <a:masterClrMapping/>
+  </p:clrMapOvr>
+</p:sld>
+</file>
+
+<file path=ppt/slides/slide13.xml><?xml version="1.0" encoding="utf-8"?>
+<p:sld xmlns:a="http://schemas.openxmlformats.org/drawingml/2006/main" xmlns:r="http://schemas.openxmlformats.org/officeDocument/2006/relationships" xmlns:p="http://schemas.openxmlformats.org/presentationml/2006/main">
+  <p:cSld>
+    <p:spTree>
+      <p:nvGrpSpPr>
+        <p:cNvPr id="1" name=""/>
+        <p:cNvGrpSpPr/>
+        <p:nvPr/>
+      </p:nvGrpSpPr>
+      <p:grpSpPr>
+        <a:xfrm>
+          <a:off x="0" y="0"/>
+          <a:ext cx="0" cy="0"/>
+          <a:chOff x="0" y="0"/>
+          <a:chExt cx="0" cy="0"/>
+        </a:xfrm>
+      </p:grpSpPr>
+      <p:pic>
+        <p:nvPicPr>
+          <p:cNvPr id="3" name="Imagen 2">
+            <a:extLst>
+              <a:ext uri="{FF2B5EF4-FFF2-40B4-BE49-F238E27FC236}">
+                <a16:creationId xmlns:a16="http://schemas.microsoft.com/office/drawing/2014/main" id="{5FAE1A91-B7C2-4957-BD0F-87BB2B027FF1}"/>
+              </a:ext>
+            </a:extLst>
+          </p:cNvPr>
+          <p:cNvPicPr>
+            <a:picLocks noChangeAspect="1"/>
+          </p:cNvPicPr>
+          <p:nvPr/>
+        </p:nvPicPr>
+        <p:blipFill>
+          <a:blip r:embed="rId2">
+            <a:extLst>
+              <a:ext uri="{28A0092B-C50C-407E-A947-70E740481C1C}">
+                <a14:useLocalDpi xmlns:a14="http://schemas.microsoft.com/office/drawing/2010/main" val="0"/>
+              </a:ext>
+            </a:extLst>
+          </a:blip>
+          <a:stretch>
+            <a:fillRect/>
+          </a:stretch>
+        </p:blipFill>
+        <p:spPr>
+          <a:xfrm>
+            <a:off x="96025" y="0"/>
+            <a:ext cx="10518967" cy="6858000"/>
+          </a:xfrm>
+          <a:prstGeom prst="rect">
+            <a:avLst/>
+          </a:prstGeom>
+        </p:spPr>
+      </p:pic>
+    </p:spTree>
+    <p:extLst>
+      <p:ext uri="{BB962C8B-B14F-4D97-AF65-F5344CB8AC3E}">
+        <p14:creationId xmlns:p14="http://schemas.microsoft.com/office/powerpoint/2010/main" val="323725773"/>
+      </p:ext>
+    </p:extLst>
+  </p:cSld>
+  <p:clrMapOvr>
+    <a:masterClrMapping/>
+  </p:clrMapOvr>
+</p:sld>
+</file>
+
 <file path=ppt/slides/slide14.xml><?xml version="1.0" encoding="utf-8"?>
 <p:sld xmlns:a="http://schemas.openxmlformats.org/drawingml/2006/main" xmlns:r="http://schemas.openxmlformats.org/officeDocument/2006/relationships" xmlns:p="http://schemas.openxmlformats.org/presentationml/2006/main">
   <p:cSld>
@@ -4197,13 +4710,7 @@
       </p:grpSpPr>
       <p:sp>
         <p:nvSpPr>
-          <p:cNvPr id="2" name="Título 1">
-            <a:extLst>
-              <a:ext uri="{FF2B5EF4-FFF2-40B4-BE49-F238E27FC236}">
-                <a16:creationId xmlns:a16="http://schemas.microsoft.com/office/drawing/2014/main" id="{16D7846C-4042-4CA6-A1BA-670BFE0A2BCB}"/>
-              </a:ext>
-            </a:extLst>
-          </p:cNvPr>
+          <p:cNvPr id="2" name="Título 1"/>
           <p:cNvSpPr>
             <a:spLocks noGrp="1"/>
           </p:cNvSpPr>
@@ -4213,67 +4720,33 @@
         </p:nvSpPr>
         <p:spPr>
           <a:xfrm>
-            <a:off x="718930" y="828951"/>
-            <a:ext cx="10320131" cy="575779"/>
+            <a:off x="851079" y="2940899"/>
+            <a:ext cx="10515600" cy="1325563"/>
           </a:xfrm>
         </p:spPr>
         <p:txBody>
-          <a:bodyPr>
-            <a:noAutofit/>
-          </a:bodyPr>
+          <a:bodyPr/>
           <a:lstStyle/>
           <a:p>
-            <a:r>
-              <a:rPr lang="es-ES" sz="3200" dirty="0"/>
-              <a:t>Aplicación de Escritorio</a:t>
-            </a:r>
-          </a:p>
-        </p:txBody>
-      </p:sp>
-      <p:sp>
-        <p:nvSpPr>
-          <p:cNvPr id="5" name="CuadroTexto 4">
-            <a:extLst>
-              <a:ext uri="{FF2B5EF4-FFF2-40B4-BE49-F238E27FC236}">
-                <a16:creationId xmlns:a16="http://schemas.microsoft.com/office/drawing/2014/main" id="{03B38BD9-F964-440C-B9DF-7004C9AD2F1A}"/>
-              </a:ext>
-            </a:extLst>
-          </p:cNvPr>
-          <p:cNvSpPr txBox="1"/>
-          <p:nvPr/>
-        </p:nvSpPr>
-        <p:spPr>
-          <a:xfrm>
-            <a:off x="9074509" y="1404730"/>
-            <a:ext cx="915635" cy="369332"/>
-          </a:xfrm>
-          <a:prstGeom prst="rect">
-            <a:avLst/>
-          </a:prstGeom>
-          <a:noFill/>
-        </p:spPr>
-        <p:txBody>
-          <a:bodyPr wrap="none" rtlCol="0">
-            <a:spAutoFit/>
-          </a:bodyPr>
-          <a:lstStyle/>
-          <a:p>
-            <a:r>
-              <a:rPr lang="es-ES" dirty="0"/>
-              <a:t>1. </a:t>
-            </a:r>
-            <a:r>
-              <a:rPr lang="es-ES" dirty="0" err="1"/>
-              <a:t>Login</a:t>
-            </a:r>
-            <a:endParaRPr lang="es-ES" dirty="0"/>
+            <a:pPr algn="ctr"/>
+            <a:r>
+              <a:rPr lang="es-CL" dirty="0"/>
+              <a:t>Demostración del Sistema </a:t>
+            </a:r>
+            <a:br>
+              <a:rPr lang="es-CL" dirty="0"/>
+            </a:br>
+            <a:r>
+              <a:rPr lang="es-CL" sz="2400" dirty="0"/>
+              <a:t>(No más de 5 Minutos)</a:t>
+            </a:r>
           </a:p>
         </p:txBody>
       </p:sp>
     </p:spTree>
     <p:extLst>
       <p:ext uri="{BB962C8B-B14F-4D97-AF65-F5344CB8AC3E}">
-        <p14:creationId xmlns:p14="http://schemas.microsoft.com/office/powerpoint/2010/main" val="2904803614"/>
+        <p14:creationId xmlns:p14="http://schemas.microsoft.com/office/powerpoint/2010/main" val="2274548756"/>
       </p:ext>
     </p:extLst>
   </p:cSld>
@@ -4302,13 +4775,7 @@
       </p:grpSpPr>
       <p:sp>
         <p:nvSpPr>
-          <p:cNvPr id="2" name="Título 1">
-            <a:extLst>
-              <a:ext uri="{FF2B5EF4-FFF2-40B4-BE49-F238E27FC236}">
-                <a16:creationId xmlns:a16="http://schemas.microsoft.com/office/drawing/2014/main" id="{16D7846C-4042-4CA6-A1BA-670BFE0A2BCB}"/>
-              </a:ext>
-            </a:extLst>
-          </p:cNvPr>
+          <p:cNvPr id="4" name="Título 3"/>
           <p:cNvSpPr>
             <a:spLocks noGrp="1"/>
           </p:cNvSpPr>
@@ -4318,63 +4785,136 @@
         </p:nvSpPr>
         <p:spPr>
           <a:xfrm>
-            <a:off x="7504043" y="997569"/>
-            <a:ext cx="4065105" cy="354152"/>
+            <a:off x="838200" y="974937"/>
+            <a:ext cx="10515600" cy="1325563"/>
           </a:xfrm>
         </p:spPr>
         <p:txBody>
-          <a:bodyPr>
-            <a:noAutofit/>
-          </a:bodyPr>
+          <a:bodyPr/>
           <a:lstStyle/>
           <a:p>
             <a:r>
-              <a:rPr lang="es-ES" sz="3200" dirty="0"/>
-              <a:t>Aplicación de Escritorio</a:t>
-            </a:r>
-          </a:p>
-        </p:txBody>
-      </p:sp>
-      <p:pic>
-        <p:nvPicPr>
-          <p:cNvPr id="4" name="Imagen 3">
-            <a:extLst>
-              <a:ext uri="{FF2B5EF4-FFF2-40B4-BE49-F238E27FC236}">
-                <a16:creationId xmlns:a16="http://schemas.microsoft.com/office/drawing/2014/main" id="{5115F3EA-1F5C-4719-9C30-5123BD8738C9}"/>
-              </a:ext>
-            </a:extLst>
-          </p:cNvPr>
-          <p:cNvPicPr>
-            <a:picLocks noChangeAspect="1"/>
-          </p:cNvPicPr>
+              <a:rPr lang="es-CL" dirty="0"/>
+              <a:t>Reflexión final</a:t>
+            </a:r>
+          </a:p>
+        </p:txBody>
+      </p:sp>
+      <p:sp>
+        <p:nvSpPr>
+          <p:cNvPr id="2" name="Rectángulo 1"/>
+          <p:cNvSpPr/>
           <p:nvPr/>
-        </p:nvPicPr>
-        <p:blipFill>
-          <a:blip r:embed="rId2">
-            <a:extLst>
-              <a:ext uri="{28A0092B-C50C-407E-A947-70E740481C1C}">
-                <a14:useLocalDpi xmlns:a14="http://schemas.microsoft.com/office/drawing/2010/main" val="0"/>
-              </a:ext>
-            </a:extLst>
-          </a:blip>
-          <a:stretch>
-            <a:fillRect/>
-          </a:stretch>
-        </p:blipFill>
+        </p:nvSpPr>
         <p:spPr>
           <a:xfrm>
-            <a:off x="1616144" y="1748250"/>
-            <a:ext cx="8650132" cy="4231450"/>
+            <a:off x="838200" y="2092682"/>
+            <a:ext cx="9670961" cy="3970318"/>
           </a:xfrm>
           <a:prstGeom prst="rect">
             <a:avLst/>
           </a:prstGeom>
         </p:spPr>
-      </p:pic>
+        <p:txBody>
+          <a:bodyPr wrap="square">
+            <a:spAutoFit/>
+          </a:bodyPr>
+          <a:lstStyle/>
+          <a:p>
+            <a:pPr>
+              <a:lnSpc>
+                <a:spcPct val="200000"/>
+              </a:lnSpc>
+            </a:pPr>
+            <a:r>
+              <a:rPr lang="es-CL" b="1" dirty="0"/>
+              <a:t>Lecciones Aprendidas con la Experiencia.</a:t>
+            </a:r>
+          </a:p>
+          <a:p>
+            <a:pPr marL="342900" indent="-342900">
+              <a:lnSpc>
+                <a:spcPct val="200000"/>
+              </a:lnSpc>
+              <a:buFont typeface="+mj-lt"/>
+              <a:buAutoNum type="alphaLcParenR"/>
+            </a:pPr>
+            <a:r>
+              <a:rPr lang="es-CL" dirty="0"/>
+              <a:t>¿Cuáles fueron los principales problemas que se vivieron como equipo?</a:t>
+            </a:r>
+          </a:p>
+          <a:p>
+            <a:pPr marL="342900" indent="-342900">
+              <a:lnSpc>
+                <a:spcPct val="200000"/>
+              </a:lnSpc>
+              <a:buFont typeface="+mj-lt"/>
+              <a:buAutoNum type="alphaLcParenR"/>
+            </a:pPr>
+            <a:r>
+              <a:rPr lang="es-CL" dirty="0"/>
+              <a:t>¿Cómo los evitaría para un próximo proyecto?</a:t>
+            </a:r>
+          </a:p>
+          <a:p>
+            <a:pPr marL="342900" indent="-342900">
+              <a:lnSpc>
+                <a:spcPct val="200000"/>
+              </a:lnSpc>
+              <a:buFont typeface="+mj-lt"/>
+              <a:buAutoNum type="alphaLcParenR"/>
+            </a:pPr>
+            <a:r>
+              <a:rPr lang="es-CL" dirty="0"/>
+              <a:t>¿Cuáles fueron los casos más complejos en desarrollar?</a:t>
+            </a:r>
+          </a:p>
+          <a:p>
+            <a:pPr marL="342900" indent="-342900">
+              <a:lnSpc>
+                <a:spcPct val="200000"/>
+              </a:lnSpc>
+              <a:buFont typeface="+mj-lt"/>
+              <a:buAutoNum type="alphaLcParenR"/>
+            </a:pPr>
+            <a:r>
+              <a:rPr lang="es-CL" dirty="0"/>
+              <a:t>¿Perciben un crecimiento en su capacidad para desarrollar proyectos informáticos reales?</a:t>
+            </a:r>
+          </a:p>
+          <a:p>
+            <a:pPr marL="342900" indent="-342900">
+              <a:lnSpc>
+                <a:spcPct val="200000"/>
+              </a:lnSpc>
+              <a:buFont typeface="+mj-lt"/>
+              <a:buAutoNum type="alphaLcParenR"/>
+            </a:pPr>
+            <a:r>
+              <a:rPr lang="es-CL" dirty="0"/>
+              <a:t>¿Cómo se abordó la gestión del proyecto?</a:t>
+            </a:r>
+          </a:p>
+          <a:p>
+            <a:pPr marL="342900" indent="-342900">
+              <a:lnSpc>
+                <a:spcPct val="200000"/>
+              </a:lnSpc>
+              <a:buFont typeface="+mj-lt"/>
+              <a:buAutoNum type="alphaLcParenR"/>
+            </a:pPr>
+            <a:r>
+              <a:rPr lang="es-CL" dirty="0"/>
+              <a:t>¿Cuáles fueron los principales auto-aprendizajes a nivel técnico que han logrado en el proceso?</a:t>
+            </a:r>
+          </a:p>
+        </p:txBody>
+      </p:sp>
     </p:spTree>
     <p:extLst>
       <p:ext uri="{BB962C8B-B14F-4D97-AF65-F5344CB8AC3E}">
-        <p14:creationId xmlns:p14="http://schemas.microsoft.com/office/powerpoint/2010/main" val="3809169803"/>
+        <p14:creationId xmlns:p14="http://schemas.microsoft.com/office/powerpoint/2010/main" val="466460528"/>
       </p:ext>
     </p:extLst>
   </p:cSld>
@@ -4413,33 +4953,294 @@
         </p:nvSpPr>
         <p:spPr>
           <a:xfrm>
-            <a:off x="851079" y="2940899"/>
+            <a:off x="1013139" y="1047706"/>
             <a:ext cx="10515600" cy="1325563"/>
           </a:xfrm>
         </p:spPr>
         <p:txBody>
-          <a:bodyPr/>
+          <a:bodyPr>
+            <a:noAutofit/>
+          </a:bodyPr>
           <a:lstStyle/>
           <a:p>
-            <a:pPr algn="ctr"/>
-            <a:r>
-              <a:rPr lang="es-CL" dirty="0"/>
-              <a:t>Demostración del Sistema </a:t>
+            <a:r>
+              <a:rPr lang="es-CL" sz="3200" dirty="0"/>
+              <a:t>NOTA:</a:t>
             </a:r>
             <a:br>
-              <a:rPr lang="es-CL" dirty="0"/>
+              <a:rPr lang="es-CL" sz="3200" dirty="0"/>
             </a:br>
             <a:r>
-              <a:rPr lang="es-CL" sz="2400" dirty="0"/>
-              <a:t>(No más de 5 Minutos)</a:t>
-            </a:r>
+              <a:rPr lang="es-CL" sz="3200" dirty="0">
+                <a:solidFill>
+                  <a:srgbClr val="FF0000"/>
+                </a:solidFill>
+              </a:rPr>
+              <a:t>Recordar que se evaluará el cumplimiento del desarrollo del Sistema considerando los siguientes aspectos mínimos:</a:t>
+            </a:r>
+          </a:p>
+        </p:txBody>
+      </p:sp>
+      <p:sp>
+        <p:nvSpPr>
+          <p:cNvPr id="3" name="Rectángulo 2"/>
+          <p:cNvSpPr/>
+          <p:nvPr/>
+        </p:nvSpPr>
+        <p:spPr>
+          <a:xfrm>
+            <a:off x="1013139" y="2703626"/>
+            <a:ext cx="9702083" cy="2970044"/>
+          </a:xfrm>
+          <a:prstGeom prst="rect">
+            <a:avLst/>
+          </a:prstGeom>
+        </p:spPr>
+        <p:txBody>
+          <a:bodyPr wrap="square">
+            <a:spAutoFit/>
+          </a:bodyPr>
+          <a:lstStyle/>
+          <a:p>
+            <a:pPr marL="228600">
+              <a:spcAft>
+                <a:spcPts val="1000"/>
+              </a:spcAft>
+            </a:pPr>
+            <a:r>
+              <a:rPr lang="es-CL" b="0" i="0" u="none" strike="noStrike" dirty="0">
+                <a:solidFill>
+                  <a:srgbClr val="365F91"/>
+                </a:solidFill>
+                <a:effectLst/>
+                <a:latin typeface="Cambria" panose="02040503050406030204" pitchFamily="18" charset="0"/>
+              </a:rPr>
+              <a:t>4.1. Requisitos Funcionales Comunes</a:t>
+            </a:r>
+            <a:endParaRPr lang="es-CL" b="0" dirty="0">
+              <a:effectLst/>
+            </a:endParaRPr>
+          </a:p>
+          <a:p>
+            <a:pPr fontAlgn="base">
+              <a:buFont typeface="Arial" panose="020B0604020202020204" pitchFamily="34" charset="0"/>
+              <a:buChar char="•"/>
+            </a:pPr>
+            <a:r>
+              <a:rPr lang="es-CL" b="0" i="0" u="none" strike="noStrike" dirty="0">
+                <a:solidFill>
+                  <a:srgbClr val="000000"/>
+                </a:solidFill>
+                <a:effectLst/>
+                <a:latin typeface="Calibri" panose="020F0502020204030204" pitchFamily="34" charset="0"/>
+              </a:rPr>
+              <a:t>El sistema debe considerar la autenticación de usuarios.</a:t>
+            </a:r>
+            <a:endParaRPr lang="es-CL" b="0" i="0" u="none" strike="noStrike" dirty="0">
+              <a:solidFill>
+                <a:srgbClr val="000000"/>
+              </a:solidFill>
+              <a:effectLst/>
+              <a:latin typeface="Arial" panose="020B0604020202020204" pitchFamily="34" charset="0"/>
+            </a:endParaRPr>
+          </a:p>
+          <a:p>
+            <a:pPr fontAlgn="base">
+              <a:buFont typeface="Arial" panose="020B0604020202020204" pitchFamily="34" charset="0"/>
+              <a:buChar char="•"/>
+            </a:pPr>
+            <a:r>
+              <a:rPr lang="es-CL" b="0" i="0" u="none" strike="noStrike" dirty="0">
+                <a:solidFill>
+                  <a:srgbClr val="000000"/>
+                </a:solidFill>
+                <a:effectLst/>
+                <a:latin typeface="Calibri" panose="020F0502020204030204" pitchFamily="34" charset="0"/>
+              </a:rPr>
+              <a:t>El sistema debe considerar el manejo de múltiples perfiles por usuario.</a:t>
+            </a:r>
+            <a:endParaRPr lang="es-CL" b="0" i="0" u="none" strike="noStrike" dirty="0">
+              <a:solidFill>
+                <a:srgbClr val="000000"/>
+              </a:solidFill>
+              <a:effectLst/>
+              <a:latin typeface="Arial" panose="020B0604020202020204" pitchFamily="34" charset="0"/>
+            </a:endParaRPr>
+          </a:p>
+          <a:p>
+            <a:pPr fontAlgn="base">
+              <a:spcAft>
+                <a:spcPts val="1000"/>
+              </a:spcAft>
+              <a:buFont typeface="Arial" panose="020B0604020202020204" pitchFamily="34" charset="0"/>
+              <a:buChar char="•"/>
+            </a:pPr>
+            <a:r>
+              <a:rPr lang="es-CL" b="0" i="0" u="none" strike="noStrike" dirty="0">
+                <a:solidFill>
+                  <a:srgbClr val="000000"/>
+                </a:solidFill>
+                <a:effectLst/>
+                <a:latin typeface="Calibri" panose="020F0502020204030204" pitchFamily="34" charset="0"/>
+              </a:rPr>
+              <a:t>El sistema debe considerar la mantención de los datos maestros del sistema</a:t>
+            </a:r>
+            <a:endParaRPr lang="es-CL" b="0" i="0" u="none" strike="noStrike" dirty="0">
+              <a:solidFill>
+                <a:srgbClr val="000000"/>
+              </a:solidFill>
+              <a:effectLst/>
+              <a:latin typeface="Arial" panose="020B0604020202020204" pitchFamily="34" charset="0"/>
+            </a:endParaRPr>
+          </a:p>
+          <a:p>
+            <a:pPr marL="228600">
+              <a:spcAft>
+                <a:spcPts val="1000"/>
+              </a:spcAft>
+            </a:pPr>
+            <a:r>
+              <a:rPr lang="es-CL" b="0" i="0" u="none" strike="noStrike" dirty="0">
+                <a:solidFill>
+                  <a:srgbClr val="365F91"/>
+                </a:solidFill>
+                <a:effectLst/>
+                <a:latin typeface="Cambria" panose="02040503050406030204" pitchFamily="18" charset="0"/>
+              </a:rPr>
+              <a:t>4.2. Requisitos no Funcionales Comunes</a:t>
+            </a:r>
+            <a:endParaRPr lang="es-CL" b="0" dirty="0">
+              <a:effectLst/>
+            </a:endParaRPr>
+          </a:p>
+          <a:p>
+            <a:pPr fontAlgn="base">
+              <a:buFont typeface="Arial" panose="020B0604020202020204" pitchFamily="34" charset="0"/>
+              <a:buChar char="•"/>
+            </a:pPr>
+            <a:r>
+              <a:rPr lang="es-CL" b="0" i="0" u="none" strike="noStrike" dirty="0">
+                <a:solidFill>
+                  <a:srgbClr val="000000"/>
+                </a:solidFill>
+                <a:effectLst/>
+                <a:latin typeface="Calibri" panose="020F0502020204030204" pitchFamily="34" charset="0"/>
+              </a:rPr>
+              <a:t>El sistema debe ser desarrollado en capas.</a:t>
+            </a:r>
+            <a:endParaRPr lang="es-CL" b="0" i="0" u="none" strike="noStrike" dirty="0">
+              <a:solidFill>
+                <a:srgbClr val="000000"/>
+              </a:solidFill>
+              <a:effectLst/>
+              <a:latin typeface="Arial" panose="020B0604020202020204" pitchFamily="34" charset="0"/>
+            </a:endParaRPr>
+          </a:p>
+          <a:p>
+            <a:pPr fontAlgn="base">
+              <a:buFont typeface="Arial" panose="020B0604020202020204" pitchFamily="34" charset="0"/>
+              <a:buChar char="•"/>
+            </a:pPr>
+            <a:r>
+              <a:rPr lang="es-CL" b="0" i="0" u="none" strike="noStrike" dirty="0">
+                <a:solidFill>
+                  <a:srgbClr val="000000"/>
+                </a:solidFill>
+                <a:effectLst/>
+                <a:latin typeface="Calibri" panose="020F0502020204030204" pitchFamily="34" charset="0"/>
+              </a:rPr>
+              <a:t>La base de datos a utilizar debe ser Oracle</a:t>
+            </a:r>
+            <a:endParaRPr lang="es-CL" b="0" i="0" u="none" strike="noStrike" dirty="0">
+              <a:solidFill>
+                <a:srgbClr val="000000"/>
+              </a:solidFill>
+              <a:effectLst/>
+              <a:latin typeface="Arial" panose="020B0604020202020204" pitchFamily="34" charset="0"/>
+            </a:endParaRPr>
+          </a:p>
+          <a:p>
+            <a:pPr fontAlgn="base">
+              <a:buFont typeface="Arial" panose="020B0604020202020204" pitchFamily="34" charset="0"/>
+              <a:buChar char="•"/>
+            </a:pPr>
+            <a:r>
+              <a:rPr lang="es-CL" b="0" i="0" u="none" strike="noStrike" dirty="0">
+                <a:solidFill>
+                  <a:srgbClr val="000000"/>
+                </a:solidFill>
+                <a:effectLst/>
+                <a:latin typeface="Calibri" panose="020F0502020204030204" pitchFamily="34" charset="0"/>
+              </a:rPr>
+              <a:t>El sistema debe tener una interfaz web y una interfaz de escritorio o </a:t>
+            </a:r>
+            <a:r>
+              <a:rPr lang="es-CL" b="0" i="0" u="none" strike="noStrike" dirty="0" err="1">
+                <a:solidFill>
+                  <a:srgbClr val="000000"/>
+                </a:solidFill>
+                <a:effectLst/>
+                <a:latin typeface="Calibri" panose="020F0502020204030204" pitchFamily="34" charset="0"/>
+              </a:rPr>
+              <a:t>mobile</a:t>
+            </a:r>
+            <a:endParaRPr lang="es-CL" b="0" i="0" u="none" strike="noStrike" dirty="0">
+              <a:solidFill>
+                <a:srgbClr val="000000"/>
+              </a:solidFill>
+              <a:effectLst/>
+              <a:latin typeface="Arial" panose="020B0604020202020204" pitchFamily="34" charset="0"/>
+            </a:endParaRPr>
+          </a:p>
+          <a:p>
+            <a:pPr fontAlgn="base">
+              <a:buFont typeface="Arial" panose="020B0604020202020204" pitchFamily="34" charset="0"/>
+              <a:buChar char="•"/>
+            </a:pPr>
+            <a:r>
+              <a:rPr lang="es-CL" b="0" i="0" u="none" strike="noStrike" dirty="0">
+                <a:solidFill>
+                  <a:srgbClr val="000000"/>
+                </a:solidFill>
+                <a:effectLst/>
+                <a:latin typeface="Calibri" panose="020F0502020204030204" pitchFamily="34" charset="0"/>
+              </a:rPr>
+              <a:t>Los procesamientos </a:t>
+            </a:r>
+            <a:r>
+              <a:rPr lang="es-CL" b="0" i="0" u="none" strike="noStrike" dirty="0" err="1">
+                <a:solidFill>
+                  <a:srgbClr val="000000"/>
+                </a:solidFill>
+                <a:effectLst/>
+                <a:latin typeface="Calibri" panose="020F0502020204030204" pitchFamily="34" charset="0"/>
+              </a:rPr>
+              <a:t>batch</a:t>
+            </a:r>
+            <a:r>
+              <a:rPr lang="es-CL" b="0" i="0" u="none" strike="noStrike" dirty="0">
+                <a:solidFill>
+                  <a:srgbClr val="000000"/>
+                </a:solidFill>
+                <a:effectLst/>
+                <a:latin typeface="Calibri" panose="020F0502020204030204" pitchFamily="34" charset="0"/>
+              </a:rPr>
+              <a:t> deben realizarse con PL/SQL en Oracle (procedimientos almacenados)</a:t>
+            </a:r>
+            <a:endParaRPr lang="es-CL" b="0" i="0" u="none" strike="noStrike" dirty="0">
+              <a:solidFill>
+                <a:srgbClr val="000000"/>
+              </a:solidFill>
+              <a:effectLst/>
+              <a:latin typeface="Arial" panose="020B0604020202020204" pitchFamily="34" charset="0"/>
+            </a:endParaRPr>
           </a:p>
         </p:txBody>
       </p:sp>
     </p:spTree>
     <p:extLst>
       <p:ext uri="{BB962C8B-B14F-4D97-AF65-F5344CB8AC3E}">
-        <p14:creationId xmlns:p14="http://schemas.microsoft.com/office/powerpoint/2010/main" val="2274548756"/>
+        <p14:creationId xmlns:p14="http://schemas.microsoft.com/office/powerpoint/2010/main" val="3718692686"/>
       </p:ext>
     </p:extLst>
   </p:cSld>
@@ -4450,7 +5251,7 @@
 </file>
 
 <file path=ppt/slides/slide17.xml><?xml version="1.0" encoding="utf-8"?>
-<p:sld xmlns:a="http://schemas.openxmlformats.org/drawingml/2006/main" xmlns:r="http://schemas.openxmlformats.org/officeDocument/2006/relationships" xmlns:p="http://schemas.openxmlformats.org/presentationml/2006/main">
+<p:sld xmlns:a="http://schemas.openxmlformats.org/drawingml/2006/main" xmlns:r="http://schemas.openxmlformats.org/officeDocument/2006/relationships" xmlns:p="http://schemas.openxmlformats.org/presentationml/2006/main" show="0">
   <p:cSld>
     <p:spTree>
       <p:nvGrpSpPr>
@@ -4478,136 +5279,63 @@
         </p:nvSpPr>
         <p:spPr>
           <a:xfrm>
-            <a:off x="838200" y="974937"/>
-            <a:ext cx="10515600" cy="1325563"/>
+            <a:off x="614747" y="901148"/>
+            <a:ext cx="10515600" cy="744606"/>
           </a:xfrm>
         </p:spPr>
         <p:txBody>
-          <a:bodyPr/>
+          <a:bodyPr>
+            <a:normAutofit/>
+          </a:bodyPr>
           <a:lstStyle/>
           <a:p>
             <a:r>
-              <a:rPr lang="es-CL" dirty="0"/>
-              <a:t>Reflexión final</a:t>
-            </a:r>
-          </a:p>
-        </p:txBody>
-      </p:sp>
-      <p:sp>
-        <p:nvSpPr>
-          <p:cNvPr id="2" name="Rectángulo 1"/>
-          <p:cNvSpPr/>
+              <a:rPr lang="es-CL" sz="4000" dirty="0"/>
+              <a:t>Diseño BDD</a:t>
+            </a:r>
+          </a:p>
+        </p:txBody>
+      </p:sp>
+      <p:pic>
+        <p:nvPicPr>
+          <p:cNvPr id="6" name="Imagen 5">
+            <a:extLst>
+              <a:ext uri="{FF2B5EF4-FFF2-40B4-BE49-F238E27FC236}">
+                <a16:creationId xmlns:a16="http://schemas.microsoft.com/office/drawing/2014/main" id="{5ABD1C81-32A8-4495-ADD6-06294967CCA2}"/>
+              </a:ext>
+            </a:extLst>
+          </p:cNvPr>
+          <p:cNvPicPr>
+            <a:picLocks noChangeAspect="1"/>
+          </p:cNvPicPr>
           <p:nvPr/>
-        </p:nvSpPr>
+        </p:nvPicPr>
+        <p:blipFill>
+          <a:blip r:embed="rId2">
+            <a:extLst>
+              <a:ext uri="{28A0092B-C50C-407E-A947-70E740481C1C}">
+                <a14:useLocalDpi xmlns:a14="http://schemas.microsoft.com/office/drawing/2010/main" val="0"/>
+              </a:ext>
+            </a:extLst>
+          </a:blip>
+          <a:stretch>
+            <a:fillRect/>
+          </a:stretch>
+        </p:blipFill>
         <p:spPr>
           <a:xfrm>
-            <a:off x="838200" y="2092682"/>
-            <a:ext cx="9670961" cy="3970318"/>
+            <a:off x="225288" y="1645754"/>
+            <a:ext cx="11872378" cy="5212246"/>
           </a:xfrm>
           <a:prstGeom prst="rect">
             <a:avLst/>
           </a:prstGeom>
         </p:spPr>
-        <p:txBody>
-          <a:bodyPr wrap="square">
-            <a:spAutoFit/>
-          </a:bodyPr>
-          <a:lstStyle/>
-          <a:p>
-            <a:pPr>
-              <a:lnSpc>
-                <a:spcPct val="200000"/>
-              </a:lnSpc>
-            </a:pPr>
-            <a:r>
-              <a:rPr lang="es-CL" b="1" dirty="0"/>
-              <a:t>Lecciones Aprendidas con la Experiencia.</a:t>
-            </a:r>
-          </a:p>
-          <a:p>
-            <a:pPr marL="342900" indent="-342900">
-              <a:lnSpc>
-                <a:spcPct val="200000"/>
-              </a:lnSpc>
-              <a:buFont typeface="+mj-lt"/>
-              <a:buAutoNum type="alphaLcParenR"/>
-            </a:pPr>
-            <a:r>
-              <a:rPr lang="es-CL" dirty="0"/>
-              <a:t>¿Cuáles fueron los principales problemas que se vivieron como equipo?</a:t>
-            </a:r>
-          </a:p>
-          <a:p>
-            <a:pPr marL="342900" indent="-342900">
-              <a:lnSpc>
-                <a:spcPct val="200000"/>
-              </a:lnSpc>
-              <a:buFont typeface="+mj-lt"/>
-              <a:buAutoNum type="alphaLcParenR"/>
-            </a:pPr>
-            <a:r>
-              <a:rPr lang="es-CL" dirty="0"/>
-              <a:t>¿Cómo los evitaría para un próximo proyecto?</a:t>
-            </a:r>
-          </a:p>
-          <a:p>
-            <a:pPr marL="342900" indent="-342900">
-              <a:lnSpc>
-                <a:spcPct val="200000"/>
-              </a:lnSpc>
-              <a:buFont typeface="+mj-lt"/>
-              <a:buAutoNum type="alphaLcParenR"/>
-            </a:pPr>
-            <a:r>
-              <a:rPr lang="es-CL" dirty="0"/>
-              <a:t>¿Cuáles fueron los casos más complejos en desarrollar?</a:t>
-            </a:r>
-          </a:p>
-          <a:p>
-            <a:pPr marL="342900" indent="-342900">
-              <a:lnSpc>
-                <a:spcPct val="200000"/>
-              </a:lnSpc>
-              <a:buFont typeface="+mj-lt"/>
-              <a:buAutoNum type="alphaLcParenR"/>
-            </a:pPr>
-            <a:r>
-              <a:rPr lang="es-CL" dirty="0"/>
-              <a:t>¿Perciben un crecimiento en su capacidad para desarrollar proyectos informáticos reales?</a:t>
-            </a:r>
-          </a:p>
-          <a:p>
-            <a:pPr marL="342900" indent="-342900">
-              <a:lnSpc>
-                <a:spcPct val="200000"/>
-              </a:lnSpc>
-              <a:buFont typeface="+mj-lt"/>
-              <a:buAutoNum type="alphaLcParenR"/>
-            </a:pPr>
-            <a:r>
-              <a:rPr lang="es-CL" dirty="0"/>
-              <a:t>¿Cómo se abordó la gestión del proyecto?</a:t>
-            </a:r>
-          </a:p>
-          <a:p>
-            <a:pPr marL="342900" indent="-342900">
-              <a:lnSpc>
-                <a:spcPct val="200000"/>
-              </a:lnSpc>
-              <a:buFont typeface="+mj-lt"/>
-              <a:buAutoNum type="alphaLcParenR"/>
-            </a:pPr>
-            <a:r>
-              <a:rPr lang="es-CL" dirty="0"/>
-              <a:t>¿Cuáles fueron los principales auto-aprendizajes a nivel técnico que han logrado en el proceso?</a:t>
-            </a:r>
-          </a:p>
-        </p:txBody>
-      </p:sp>
+      </p:pic>
     </p:spTree>
     <p:extLst>
       <p:ext uri="{BB962C8B-B14F-4D97-AF65-F5344CB8AC3E}">
-        <p14:creationId xmlns:p14="http://schemas.microsoft.com/office/powerpoint/2010/main" val="466460528"/>
+        <p14:creationId xmlns:p14="http://schemas.microsoft.com/office/powerpoint/2010/main" val="595374631"/>
       </p:ext>
     </p:extLst>
   </p:cSld>
@@ -4618,7 +5346,7 @@
 </file>
 
 <file path=ppt/slides/slide18.xml><?xml version="1.0" encoding="utf-8"?>
-<p:sld xmlns:a="http://schemas.openxmlformats.org/drawingml/2006/main" xmlns:r="http://schemas.openxmlformats.org/officeDocument/2006/relationships" xmlns:p="http://schemas.openxmlformats.org/presentationml/2006/main">
+<p:sld xmlns:a="http://schemas.openxmlformats.org/drawingml/2006/main" xmlns:r="http://schemas.openxmlformats.org/officeDocument/2006/relationships" xmlns:p="http://schemas.openxmlformats.org/presentationml/2006/main" show="0">
   <p:cSld>
     <p:spTree>
       <p:nvGrpSpPr>
@@ -4636,54 +5364,49 @@
       </p:grpSpPr>
       <p:sp>
         <p:nvSpPr>
-          <p:cNvPr id="2" name="Título 1"/>
+          <p:cNvPr id="2" name="Título 1">
+            <a:extLst>
+              <a:ext uri="{FF2B5EF4-FFF2-40B4-BE49-F238E27FC236}">
+                <a16:creationId xmlns:a16="http://schemas.microsoft.com/office/drawing/2014/main" id="{BFF1325C-8AEB-4FDA-BA2A-BD0D9E892667}"/>
+              </a:ext>
+            </a:extLst>
+          </p:cNvPr>
           <p:cNvSpPr>
             <a:spLocks noGrp="1"/>
           </p:cNvSpPr>
           <p:nvPr>
-            <p:ph type="title"/>
+            <p:ph type="ctrTitle"/>
+          </p:nvPr>
+        </p:nvSpPr>
+        <p:spPr/>
+        <p:txBody>
+          <a:bodyPr/>
+          <a:lstStyle/>
+          <a:p>
+            <a:endParaRPr lang="es-ES"/>
+          </a:p>
+        </p:txBody>
+      </p:sp>
+      <p:sp>
+        <p:nvSpPr>
+          <p:cNvPr id="4" name="Subtítulo 3">
+            <a:extLst>
+              <a:ext uri="{FF2B5EF4-FFF2-40B4-BE49-F238E27FC236}">
+                <a16:creationId xmlns:a16="http://schemas.microsoft.com/office/drawing/2014/main" id="{68CEB449-40F8-4082-BE18-29A4EA34FD06}"/>
+              </a:ext>
+            </a:extLst>
+          </p:cNvPr>
+          <p:cNvSpPr>
+            <a:spLocks noGrp="1"/>
+          </p:cNvSpPr>
+          <p:nvPr>
+            <p:ph type="subTitle" idx="1"/>
           </p:nvPr>
         </p:nvSpPr>
         <p:spPr>
           <a:xfrm>
-            <a:off x="1013139" y="1047706"/>
-            <a:ext cx="10515600" cy="1325563"/>
-          </a:xfrm>
-        </p:spPr>
-        <p:txBody>
-          <a:bodyPr>
-            <a:noAutofit/>
-          </a:bodyPr>
-          <a:lstStyle/>
-          <a:p>
-            <a:r>
-              <a:rPr lang="es-CL" sz="3200" dirty="0"/>
-              <a:t>NOTA:</a:t>
-            </a:r>
-            <a:br>
-              <a:rPr lang="es-CL" sz="3200" dirty="0"/>
-            </a:br>
-            <a:r>
-              <a:rPr lang="es-CL" sz="3200" dirty="0">
-                <a:solidFill>
-                  <a:srgbClr val="FF0000"/>
-                </a:solidFill>
-              </a:rPr>
-              <a:t>Recordar que se evaluará el cumplimiento del desarrollo del Sistema considerando los siguientes aspectos mínimos:</a:t>
-            </a:r>
-          </a:p>
-        </p:txBody>
-      </p:sp>
-      <p:sp>
-        <p:nvSpPr>
-          <p:cNvPr id="3" name="Rectángulo 2"/>
-          <p:cNvSpPr/>
-          <p:nvPr/>
-        </p:nvSpPr>
-        <p:spPr>
-          <a:xfrm>
-            <a:off x="1013139" y="2703626"/>
-            <a:ext cx="9702083" cy="2970044"/>
+            <a:off x="609600" y="3509963"/>
+            <a:ext cx="5486400" cy="2675604"/>
           </a:xfrm>
           <a:prstGeom prst="rect">
             <a:avLst/>
@@ -4695,237 +5418,177 @@
           </a:bodyPr>
           <a:lstStyle/>
           <a:p>
-            <a:pPr marL="228600">
-              <a:spcAft>
-                <a:spcPts val="1000"/>
-              </a:spcAft>
-            </a:pPr>
-            <a:r>
-              <a:rPr lang="es-CL" b="0" i="0" u="none" strike="noStrike" dirty="0">
-                <a:solidFill>
-                  <a:srgbClr val="365F91"/>
-                </a:solidFill>
-                <a:effectLst/>
-                <a:latin typeface="Cambria" panose="02040503050406030204" pitchFamily="18" charset="0"/>
+            <a:endParaRPr lang="es-AR" sz="1600" b="1" u="sng" dirty="0">
+              <a:latin typeface="Arial" panose="020B0604020202020204" pitchFamily="34" charset="0"/>
+              <a:cs typeface="Arial" panose="020B0604020202020204" pitchFamily="34" charset="0"/>
+            </a:endParaRPr>
+          </a:p>
+          <a:p>
+            <a:endParaRPr lang="es-AR" sz="1600" b="1" u="sng" dirty="0">
+              <a:latin typeface="Arial" panose="020B0604020202020204" pitchFamily="34" charset="0"/>
+              <a:cs typeface="Arial" panose="020B0604020202020204" pitchFamily="34" charset="0"/>
+            </a:endParaRPr>
+          </a:p>
+          <a:p>
+            <a:r>
+              <a:rPr lang="es-AR" sz="1600" b="1" u="sng" dirty="0">
+                <a:latin typeface="Arial" panose="020B0604020202020204" pitchFamily="34" charset="0"/>
+                <a:cs typeface="Arial" panose="020B0604020202020204" pitchFamily="34" charset="0"/>
               </a:rPr>
-              <a:t>4.1. Requisitos Funcionales Comunes</a:t>
-            </a:r>
-            <a:endParaRPr lang="es-CL" b="0" dirty="0">
-              <a:effectLst/>
-            </a:endParaRPr>
-          </a:p>
-          <a:p>
-            <a:pPr fontAlgn="base">
-              <a:buFont typeface="Arial" panose="020B0604020202020204" pitchFamily="34" charset="0"/>
-              <a:buChar char="•"/>
-            </a:pPr>
-            <a:r>
-              <a:rPr lang="es-CL" b="0" i="0" u="none" strike="noStrike" dirty="0">
-                <a:solidFill>
-                  <a:srgbClr val="000000"/>
-                </a:solidFill>
-                <a:effectLst/>
-                <a:latin typeface="Calibri" panose="020F0502020204030204" pitchFamily="34" charset="0"/>
+              <a:t>MÓDULO DE ADMINISTRACIÓN DE HOSTAL</a:t>
+            </a:r>
+            <a:br>
+              <a:rPr lang="es-ES" sz="1600" dirty="0">
+                <a:latin typeface="Arial" panose="020B0604020202020204" pitchFamily="34" charset="0"/>
+                <a:cs typeface="Arial" panose="020B0604020202020204" pitchFamily="34" charset="0"/>
               </a:rPr>
-              <a:t>El sistema debe considerar la autenticación de usuarios.</a:t>
-            </a:r>
-            <a:endParaRPr lang="es-CL" b="0" i="0" u="none" strike="noStrike" dirty="0">
-              <a:solidFill>
-                <a:srgbClr val="000000"/>
-              </a:solidFill>
-              <a:effectLst/>
+            </a:br>
+            <a:r>
+              <a:rPr lang="es-AR" sz="1600" dirty="0">
+                <a:latin typeface="Arial" panose="020B0604020202020204" pitchFamily="34" charset="0"/>
+                <a:cs typeface="Arial" panose="020B0604020202020204" pitchFamily="34" charset="0"/>
+              </a:rPr>
+              <a:t>Gestión de flujo de huéspedes </a:t>
+            </a:r>
+            <a:br>
+              <a:rPr lang="es-ES" sz="1600" dirty="0">
+                <a:latin typeface="Arial" panose="020B0604020202020204" pitchFamily="34" charset="0"/>
+                <a:cs typeface="Arial" panose="020B0604020202020204" pitchFamily="34" charset="0"/>
+              </a:rPr>
+            </a:br>
+            <a:r>
+              <a:rPr lang="es-AR" sz="1600" dirty="0">
+                <a:latin typeface="Arial" panose="020B0604020202020204" pitchFamily="34" charset="0"/>
+                <a:cs typeface="Arial" panose="020B0604020202020204" pitchFamily="34" charset="0"/>
+              </a:rPr>
+              <a:t>Gestión de habitaciones y servicios de comedor.</a:t>
+            </a:r>
+            <a:br>
+              <a:rPr lang="es-ES" sz="1600" dirty="0">
+                <a:latin typeface="Arial" panose="020B0604020202020204" pitchFamily="34" charset="0"/>
+                <a:cs typeface="Arial" panose="020B0604020202020204" pitchFamily="34" charset="0"/>
+              </a:rPr>
+            </a:br>
+            <a:r>
+              <a:rPr lang="es-AR" sz="1600" dirty="0">
+                <a:latin typeface="Arial" panose="020B0604020202020204" pitchFamily="34" charset="0"/>
+                <a:cs typeface="Arial" panose="020B0604020202020204" pitchFamily="34" charset="0"/>
+              </a:rPr>
+              <a:t>Administración de empleados.</a:t>
+            </a:r>
+            <a:br>
+              <a:rPr lang="es-ES" sz="1600" dirty="0">
+                <a:latin typeface="Arial" panose="020B0604020202020204" pitchFamily="34" charset="0"/>
+                <a:cs typeface="Arial" panose="020B0604020202020204" pitchFamily="34" charset="0"/>
+              </a:rPr>
+            </a:br>
+            <a:r>
+              <a:rPr lang="es-AR" sz="1600" dirty="0">
+                <a:latin typeface="Arial" panose="020B0604020202020204" pitchFamily="34" charset="0"/>
+                <a:cs typeface="Arial" panose="020B0604020202020204" pitchFamily="34" charset="0"/>
+              </a:rPr>
+              <a:t>Informes y estadísticas del Sistema.</a:t>
+            </a:r>
+            <a:br>
+              <a:rPr lang="es-ES" sz="1600" dirty="0">
+                <a:latin typeface="Arial" panose="020B0604020202020204" pitchFamily="34" charset="0"/>
+                <a:cs typeface="Arial" panose="020B0604020202020204" pitchFamily="34" charset="0"/>
+              </a:rPr>
+            </a:br>
+            <a:r>
+              <a:rPr lang="es-AR" sz="1600" b="1" u="sng" dirty="0">
+                <a:latin typeface="Arial" panose="020B0604020202020204" pitchFamily="34" charset="0"/>
+                <a:cs typeface="Arial" panose="020B0604020202020204" pitchFamily="34" charset="0"/>
+              </a:rPr>
+              <a:t>MÓDULO DE ADMINISTRACIÓN PROVEEDORES</a:t>
+            </a:r>
+            <a:br>
+              <a:rPr lang="es-ES" sz="1600" dirty="0">
+                <a:latin typeface="Arial" panose="020B0604020202020204" pitchFamily="34" charset="0"/>
+                <a:cs typeface="Arial" panose="020B0604020202020204" pitchFamily="34" charset="0"/>
+              </a:rPr>
+            </a:br>
+            <a:r>
+              <a:rPr lang="es-AR" sz="1600" dirty="0">
+                <a:latin typeface="Arial" panose="020B0604020202020204" pitchFamily="34" charset="0"/>
+                <a:cs typeface="Arial" panose="020B0604020202020204" pitchFamily="34" charset="0"/>
+              </a:rPr>
+              <a:t>Administración de Proveedores.</a:t>
+            </a:r>
+            <a:br>
+              <a:rPr lang="es-ES" sz="1600" dirty="0">
+                <a:latin typeface="Arial" panose="020B0604020202020204" pitchFamily="34" charset="0"/>
+                <a:cs typeface="Arial" panose="020B0604020202020204" pitchFamily="34" charset="0"/>
+              </a:rPr>
+            </a:br>
+            <a:r>
+              <a:rPr lang="es-AR" sz="1600" dirty="0">
+                <a:latin typeface="Arial" panose="020B0604020202020204" pitchFamily="34" charset="0"/>
+                <a:cs typeface="Arial" panose="020B0604020202020204" pitchFamily="34" charset="0"/>
+              </a:rPr>
+              <a:t>Gestión de Orden de Pedidos y Recepción de Productos</a:t>
+            </a:r>
+            <a:r>
+              <a:rPr lang="es-AR" dirty="0">
+                <a:latin typeface="Arial" panose="020B0604020202020204" pitchFamily="34" charset="0"/>
+                <a:cs typeface="Arial" panose="020B0604020202020204" pitchFamily="34" charset="0"/>
+              </a:rPr>
+              <a:t>.</a:t>
+            </a:r>
+            <a:endParaRPr lang="es-ES" dirty="0"/>
+          </a:p>
+        </p:txBody>
+      </p:sp>
+      <p:sp>
+        <p:nvSpPr>
+          <p:cNvPr id="5" name="Rectángulo 4">
+            <a:extLst>
+              <a:ext uri="{FF2B5EF4-FFF2-40B4-BE49-F238E27FC236}">
+                <a16:creationId xmlns:a16="http://schemas.microsoft.com/office/drawing/2014/main" id="{B70D804D-D575-4DE0-9751-5174684FB5D0}"/>
+              </a:ext>
+            </a:extLst>
+          </p:cNvPr>
+          <p:cNvSpPr/>
+          <p:nvPr/>
+        </p:nvSpPr>
+        <p:spPr>
+          <a:xfrm>
+            <a:off x="6467061" y="4122784"/>
+            <a:ext cx="6096000" cy="830997"/>
+          </a:xfrm>
+          <a:prstGeom prst="rect">
+            <a:avLst/>
+          </a:prstGeom>
+        </p:spPr>
+        <p:txBody>
+          <a:bodyPr>
+            <a:spAutoFit/>
+          </a:bodyPr>
+          <a:lstStyle/>
+          <a:p>
+            <a:r>
+              <a:rPr lang="es-AR" sz="1600" b="1" u="sng" dirty="0">
+                <a:latin typeface="Arial" panose="020B0604020202020204" pitchFamily="34" charset="0"/>
+                <a:cs typeface="Arial" panose="020B0604020202020204" pitchFamily="34" charset="0"/>
+              </a:rPr>
+              <a:t>MÓDULO DE ADMINISTRACIÓN DE FACTURACIÓN</a:t>
+            </a:r>
+            <a:br>
+              <a:rPr lang="es-ES" sz="1600" dirty="0">
+                <a:latin typeface="Arial" panose="020B0604020202020204" pitchFamily="34" charset="0"/>
+                <a:cs typeface="Arial" panose="020B0604020202020204" pitchFamily="34" charset="0"/>
+              </a:rPr>
+            </a:br>
+            <a:r>
+              <a:rPr lang="es-AR" sz="1600" dirty="0">
+                <a:latin typeface="Arial" panose="020B0604020202020204" pitchFamily="34" charset="0"/>
+                <a:cs typeface="Arial" panose="020B0604020202020204" pitchFamily="34" charset="0"/>
+              </a:rPr>
+              <a:t>Gestión de los contratos con las empresas, que facilite la solicitud de servicios y su facturación.</a:t>
+            </a:r>
+            <a:endParaRPr lang="es-ES" sz="1600" dirty="0">
               <a:latin typeface="Arial" panose="020B0604020202020204" pitchFamily="34" charset="0"/>
-            </a:endParaRPr>
-          </a:p>
-          <a:p>
-            <a:pPr fontAlgn="base">
-              <a:buFont typeface="Arial" panose="020B0604020202020204" pitchFamily="34" charset="0"/>
-              <a:buChar char="•"/>
-            </a:pPr>
-            <a:r>
-              <a:rPr lang="es-CL" b="0" i="0" u="none" strike="noStrike" dirty="0">
-                <a:solidFill>
-                  <a:srgbClr val="000000"/>
-                </a:solidFill>
-                <a:effectLst/>
-                <a:latin typeface="Calibri" panose="020F0502020204030204" pitchFamily="34" charset="0"/>
-              </a:rPr>
-              <a:t>El sistema debe considerar el manejo de múltiples perfiles por usuario.</a:t>
-            </a:r>
-            <a:endParaRPr lang="es-CL" b="0" i="0" u="none" strike="noStrike" dirty="0">
-              <a:solidFill>
-                <a:srgbClr val="000000"/>
-              </a:solidFill>
-              <a:effectLst/>
-              <a:latin typeface="Arial" panose="020B0604020202020204" pitchFamily="34" charset="0"/>
-            </a:endParaRPr>
-          </a:p>
-          <a:p>
-            <a:pPr fontAlgn="base">
-              <a:spcAft>
-                <a:spcPts val="1000"/>
-              </a:spcAft>
-              <a:buFont typeface="Arial" panose="020B0604020202020204" pitchFamily="34" charset="0"/>
-              <a:buChar char="•"/>
-            </a:pPr>
-            <a:r>
-              <a:rPr lang="es-CL" b="0" i="0" u="none" strike="noStrike" dirty="0">
-                <a:solidFill>
-                  <a:srgbClr val="000000"/>
-                </a:solidFill>
-                <a:effectLst/>
-                <a:latin typeface="Calibri" panose="020F0502020204030204" pitchFamily="34" charset="0"/>
-              </a:rPr>
-              <a:t>El sistema debe considerar la mantención de los datos maestros del sistema</a:t>
-            </a:r>
-            <a:endParaRPr lang="es-CL" b="0" i="0" u="none" strike="noStrike" dirty="0">
-              <a:solidFill>
-                <a:srgbClr val="000000"/>
-              </a:solidFill>
-              <a:effectLst/>
-              <a:latin typeface="Arial" panose="020B0604020202020204" pitchFamily="34" charset="0"/>
-            </a:endParaRPr>
-          </a:p>
-          <a:p>
-            <a:pPr marL="228600">
-              <a:spcAft>
-                <a:spcPts val="1000"/>
-              </a:spcAft>
-            </a:pPr>
-            <a:r>
-              <a:rPr lang="es-CL" b="0" i="0" u="none" strike="noStrike" dirty="0">
-                <a:solidFill>
-                  <a:srgbClr val="365F91"/>
-                </a:solidFill>
-                <a:effectLst/>
-                <a:latin typeface="Cambria" panose="02040503050406030204" pitchFamily="18" charset="0"/>
-              </a:rPr>
-              <a:t>4.2. Requisitos no Funcionales Comunes</a:t>
-            </a:r>
-            <a:endParaRPr lang="es-CL" b="0" dirty="0">
-              <a:effectLst/>
-            </a:endParaRPr>
-          </a:p>
-          <a:p>
-            <a:pPr fontAlgn="base">
-              <a:buFont typeface="Arial" panose="020B0604020202020204" pitchFamily="34" charset="0"/>
-              <a:buChar char="•"/>
-            </a:pPr>
-            <a:r>
-              <a:rPr lang="es-CL" b="0" i="0" u="none" strike="noStrike" dirty="0">
-                <a:solidFill>
-                  <a:srgbClr val="000000"/>
-                </a:solidFill>
-                <a:effectLst/>
-                <a:latin typeface="Calibri" panose="020F0502020204030204" pitchFamily="34" charset="0"/>
-              </a:rPr>
-              <a:t>El sistema debe ser desarrollado en capas.</a:t>
-            </a:r>
-            <a:endParaRPr lang="es-CL" b="0" i="0" u="none" strike="noStrike" dirty="0">
-              <a:solidFill>
-                <a:srgbClr val="000000"/>
-              </a:solidFill>
-              <a:effectLst/>
-              <a:latin typeface="Arial" panose="020B0604020202020204" pitchFamily="34" charset="0"/>
-            </a:endParaRPr>
-          </a:p>
-          <a:p>
-            <a:pPr fontAlgn="base">
-              <a:buFont typeface="Arial" panose="020B0604020202020204" pitchFamily="34" charset="0"/>
-              <a:buChar char="•"/>
-            </a:pPr>
-            <a:r>
-              <a:rPr lang="es-CL" b="0" i="0" u="none" strike="noStrike" dirty="0">
-                <a:solidFill>
-                  <a:srgbClr val="000000"/>
-                </a:solidFill>
-                <a:effectLst/>
-                <a:latin typeface="Calibri" panose="020F0502020204030204" pitchFamily="34" charset="0"/>
-              </a:rPr>
-              <a:t>La base de datos a utilizar debe ser Oracle</a:t>
-            </a:r>
-            <a:endParaRPr lang="es-CL" b="0" i="0" u="none" strike="noStrike" dirty="0">
-              <a:solidFill>
-                <a:srgbClr val="000000"/>
-              </a:solidFill>
-              <a:effectLst/>
-              <a:latin typeface="Arial" panose="020B0604020202020204" pitchFamily="34" charset="0"/>
-            </a:endParaRPr>
-          </a:p>
-          <a:p>
-            <a:pPr fontAlgn="base">
-              <a:buFont typeface="Arial" panose="020B0604020202020204" pitchFamily="34" charset="0"/>
-              <a:buChar char="•"/>
-            </a:pPr>
-            <a:r>
-              <a:rPr lang="es-CL" b="0" i="0" u="none" strike="noStrike" dirty="0">
-                <a:solidFill>
-                  <a:srgbClr val="000000"/>
-                </a:solidFill>
-                <a:effectLst/>
-                <a:latin typeface="Calibri" panose="020F0502020204030204" pitchFamily="34" charset="0"/>
-              </a:rPr>
-              <a:t>El sistema debe tener una interfaz web y una interfaz de escritorio o </a:t>
-            </a:r>
-            <a:r>
-              <a:rPr lang="es-CL" b="0" i="0" u="none" strike="noStrike" dirty="0" err="1">
-                <a:solidFill>
-                  <a:srgbClr val="000000"/>
-                </a:solidFill>
-                <a:effectLst/>
-                <a:latin typeface="Calibri" panose="020F0502020204030204" pitchFamily="34" charset="0"/>
-              </a:rPr>
-              <a:t>mobile</a:t>
-            </a:r>
-            <a:endParaRPr lang="es-CL" b="0" i="0" u="none" strike="noStrike" dirty="0">
-              <a:solidFill>
-                <a:srgbClr val="000000"/>
-              </a:solidFill>
-              <a:effectLst/>
-              <a:latin typeface="Arial" panose="020B0604020202020204" pitchFamily="34" charset="0"/>
-            </a:endParaRPr>
-          </a:p>
-          <a:p>
-            <a:pPr fontAlgn="base">
-              <a:buFont typeface="Arial" panose="020B0604020202020204" pitchFamily="34" charset="0"/>
-              <a:buChar char="•"/>
-            </a:pPr>
-            <a:r>
-              <a:rPr lang="es-CL" b="0" i="0" u="none" strike="noStrike" dirty="0">
-                <a:solidFill>
-                  <a:srgbClr val="000000"/>
-                </a:solidFill>
-                <a:effectLst/>
-                <a:latin typeface="Calibri" panose="020F0502020204030204" pitchFamily="34" charset="0"/>
-              </a:rPr>
-              <a:t>Los procesamientos </a:t>
-            </a:r>
-            <a:r>
-              <a:rPr lang="es-CL" b="0" i="0" u="none" strike="noStrike" dirty="0" err="1">
-                <a:solidFill>
-                  <a:srgbClr val="000000"/>
-                </a:solidFill>
-                <a:effectLst/>
-                <a:latin typeface="Calibri" panose="020F0502020204030204" pitchFamily="34" charset="0"/>
-              </a:rPr>
-              <a:t>batch</a:t>
-            </a:r>
-            <a:r>
-              <a:rPr lang="es-CL" b="0" i="0" u="none" strike="noStrike" dirty="0">
-                <a:solidFill>
-                  <a:srgbClr val="000000"/>
-                </a:solidFill>
-                <a:effectLst/>
-                <a:latin typeface="Calibri" panose="020F0502020204030204" pitchFamily="34" charset="0"/>
-              </a:rPr>
-              <a:t> deben realizarse con PL/SQL en Oracle (procedimientos almacenados)</a:t>
-            </a:r>
-            <a:endParaRPr lang="es-CL" b="0" i="0" u="none" strike="noStrike" dirty="0">
-              <a:solidFill>
-                <a:srgbClr val="000000"/>
-              </a:solidFill>
-              <a:effectLst/>
-              <a:latin typeface="Arial" panose="020B0604020202020204" pitchFamily="34" charset="0"/>
+              <a:cs typeface="Arial" panose="020B0604020202020204" pitchFamily="34" charset="0"/>
             </a:endParaRPr>
           </a:p>
         </p:txBody>
@@ -4933,7 +5596,7 @@
     </p:spTree>
     <p:extLst>
       <p:ext uri="{BB962C8B-B14F-4D97-AF65-F5344CB8AC3E}">
-        <p14:creationId xmlns:p14="http://schemas.microsoft.com/office/powerpoint/2010/main" val="3718692686"/>
+        <p14:creationId xmlns:p14="http://schemas.microsoft.com/office/powerpoint/2010/main" val="1608528856"/>
       </p:ext>
     </p:extLst>
   </p:cSld>
@@ -6295,7 +6958,7 @@
 </file>
 
 <file path=ppt/slides/slide5.xml><?xml version="1.0" encoding="utf-8"?>
-<p:sld xmlns:a="http://schemas.openxmlformats.org/drawingml/2006/main" xmlns:r="http://schemas.openxmlformats.org/officeDocument/2006/relationships" xmlns:p="http://schemas.openxmlformats.org/presentationml/2006/main" show="0">
+<p:sld xmlns:a="http://schemas.openxmlformats.org/drawingml/2006/main" xmlns:r="http://schemas.openxmlformats.org/officeDocument/2006/relationships" xmlns:p="http://schemas.openxmlformats.org/presentationml/2006/main">
   <p:cSld>
     <p:spTree>
       <p:nvGrpSpPr>
@@ -6311,51 +6974,61 @@
           <a:chExt cx="0" cy="0"/>
         </a:xfrm>
       </p:grpSpPr>
-      <p:sp>
-        <p:nvSpPr>
-          <p:cNvPr id="2" name="Título 1">
+      <p:pic>
+        <p:nvPicPr>
+          <p:cNvPr id="5" name="Imagen 4" descr="C:\Users\Nibsa\Desktop\PORTAFOLIO\img PPT presentación\ddearqui.jpg">
             <a:extLst>
               <a:ext uri="{FF2B5EF4-FFF2-40B4-BE49-F238E27FC236}">
-                <a16:creationId xmlns:a16="http://schemas.microsoft.com/office/drawing/2014/main" id="{BFF1325C-8AEB-4FDA-BA2A-BD0D9E892667}"/>
+                <a16:creationId xmlns:a16="http://schemas.microsoft.com/office/drawing/2014/main" id="{650F9D91-B888-480C-A268-FD7CE41EE253}"/>
               </a:ext>
             </a:extLst>
           </p:cNvPr>
-          <p:cNvSpPr>
-            <a:spLocks noGrp="1"/>
-          </p:cNvSpPr>
-          <p:nvPr>
-            <p:ph type="ctrTitle"/>
-          </p:nvPr>
-        </p:nvSpPr>
-        <p:spPr/>
-        <p:txBody>
-          <a:bodyPr/>
-          <a:lstStyle/>
-          <a:p>
-            <a:endParaRPr lang="es-ES"/>
-          </a:p>
-        </p:txBody>
-      </p:sp>
-      <p:sp>
-        <p:nvSpPr>
-          <p:cNvPr id="4" name="Subtítulo 3">
+          <p:cNvPicPr/>
+          <p:nvPr/>
+        </p:nvPicPr>
+        <p:blipFill>
+          <a:blip r:embed="rId2">
+            <a:extLst>
+              <a:ext uri="{28A0092B-C50C-407E-A947-70E740481C1C}">
+                <a14:useLocalDpi xmlns:a14="http://schemas.microsoft.com/office/drawing/2010/main" val="0"/>
+              </a:ext>
+            </a:extLst>
+          </a:blip>
+          <a:srcRect/>
+          <a:stretch>
+            <a:fillRect/>
+          </a:stretch>
+        </p:blipFill>
+        <p:spPr bwMode="auto">
+          <a:xfrm>
+            <a:off x="4404483" y="914400"/>
+            <a:ext cx="6674334" cy="5943600"/>
+          </a:xfrm>
+          <a:prstGeom prst="rect">
+            <a:avLst/>
+          </a:prstGeom>
+          <a:noFill/>
+          <a:ln>
+            <a:noFill/>
+          </a:ln>
+        </p:spPr>
+      </p:pic>
+      <p:sp>
+        <p:nvSpPr>
+          <p:cNvPr id="2" name="Rectángulo 1">
             <a:extLst>
               <a:ext uri="{FF2B5EF4-FFF2-40B4-BE49-F238E27FC236}">
-                <a16:creationId xmlns:a16="http://schemas.microsoft.com/office/drawing/2014/main" id="{68CEB449-40F8-4082-BE18-29A4EA34FD06}"/>
+                <a16:creationId xmlns:a16="http://schemas.microsoft.com/office/drawing/2014/main" id="{6D7516D5-051B-4167-ABB0-423952ECF4E2}"/>
               </a:ext>
             </a:extLst>
           </p:cNvPr>
-          <p:cNvSpPr>
-            <a:spLocks noGrp="1"/>
-          </p:cNvSpPr>
-          <p:nvPr>
-            <p:ph type="subTitle" idx="1"/>
-          </p:nvPr>
+          <p:cNvSpPr/>
+          <p:nvPr/>
         </p:nvSpPr>
         <p:spPr>
           <a:xfrm>
-            <a:off x="609600" y="3509963"/>
-            <a:ext cx="5486400" cy="2675604"/>
+            <a:off x="373442" y="4482114"/>
+            <a:ext cx="3164888" cy="1892182"/>
           </a:xfrm>
           <a:prstGeom prst="rect">
             <a:avLst/>
@@ -6367,133 +7040,37 @@
           </a:bodyPr>
           <a:lstStyle/>
           <a:p>
-            <a:endParaRPr lang="es-AR" sz="1600" b="1" u="sng" dirty="0">
-              <a:latin typeface="Arial" panose="020B0604020202020204" pitchFamily="34" charset="0"/>
-              <a:cs typeface="Arial" panose="020B0604020202020204" pitchFamily="34" charset="0"/>
+            <a:pPr>
+              <a:lnSpc>
+                <a:spcPct val="107000"/>
+              </a:lnSpc>
+              <a:spcAft>
+                <a:spcPts val="800"/>
+              </a:spcAft>
+            </a:pPr>
+            <a:r>
+              <a:rPr lang="es-ES" dirty="0">
+                <a:latin typeface="Calibri" panose="020F0502020204030204" pitchFamily="34" charset="0"/>
+                <a:ea typeface="Calibri" panose="020F0502020204030204" pitchFamily="34" charset="0"/>
+                <a:cs typeface="Times New Roman" panose="02020603050405020304" pitchFamily="18" charset="0"/>
+              </a:rPr>
+              <a:t>Esta herramienta visual es una vista simplificada del sistema que incluye los componentes principales del software y la conducta de esos componentes.</a:t>
+            </a:r>
+            <a:endParaRPr lang="es-ES" sz="1600" dirty="0">
+              <a:effectLst/>
+              <a:latin typeface="Calibri" panose="020F0502020204030204" pitchFamily="34" charset="0"/>
+              <a:ea typeface="Calibri" panose="020F0502020204030204" pitchFamily="34" charset="0"/>
+              <a:cs typeface="Times New Roman" panose="02020603050405020304" pitchFamily="18" charset="0"/>
             </a:endParaRPr>
           </a:p>
-          <a:p>
-            <a:endParaRPr lang="es-AR" sz="1600" b="1" u="sng" dirty="0">
-              <a:latin typeface="Arial" panose="020B0604020202020204" pitchFamily="34" charset="0"/>
-              <a:cs typeface="Arial" panose="020B0604020202020204" pitchFamily="34" charset="0"/>
-            </a:endParaRPr>
-          </a:p>
-          <a:p>
-            <a:r>
-              <a:rPr lang="es-AR" sz="1600" b="1" u="sng" dirty="0">
-                <a:latin typeface="Arial" panose="020B0604020202020204" pitchFamily="34" charset="0"/>
-                <a:cs typeface="Arial" panose="020B0604020202020204" pitchFamily="34" charset="0"/>
-              </a:rPr>
-              <a:t>MÓDULO DE ADMINISTRACIÓN DE HOSTAL</a:t>
-            </a:r>
-            <a:br>
-              <a:rPr lang="es-ES" sz="1600" dirty="0">
-                <a:latin typeface="Arial" panose="020B0604020202020204" pitchFamily="34" charset="0"/>
-                <a:cs typeface="Arial" panose="020B0604020202020204" pitchFamily="34" charset="0"/>
-              </a:rPr>
-            </a:br>
-            <a:r>
-              <a:rPr lang="es-AR" sz="1600" dirty="0">
-                <a:latin typeface="Arial" panose="020B0604020202020204" pitchFamily="34" charset="0"/>
-                <a:cs typeface="Arial" panose="020B0604020202020204" pitchFamily="34" charset="0"/>
-              </a:rPr>
-              <a:t>Gestión de flujo de huéspedes </a:t>
-            </a:r>
-            <a:br>
-              <a:rPr lang="es-ES" sz="1600" dirty="0">
-                <a:latin typeface="Arial" panose="020B0604020202020204" pitchFamily="34" charset="0"/>
-                <a:cs typeface="Arial" panose="020B0604020202020204" pitchFamily="34" charset="0"/>
-              </a:rPr>
-            </a:br>
-            <a:r>
-              <a:rPr lang="es-AR" sz="1600" dirty="0">
-                <a:latin typeface="Arial" panose="020B0604020202020204" pitchFamily="34" charset="0"/>
-                <a:cs typeface="Arial" panose="020B0604020202020204" pitchFamily="34" charset="0"/>
-              </a:rPr>
-              <a:t>Gestión de habitaciones y servicios de comedor.</a:t>
-            </a:r>
-            <a:br>
-              <a:rPr lang="es-ES" sz="1600" dirty="0">
-                <a:latin typeface="Arial" panose="020B0604020202020204" pitchFamily="34" charset="0"/>
-                <a:cs typeface="Arial" panose="020B0604020202020204" pitchFamily="34" charset="0"/>
-              </a:rPr>
-            </a:br>
-            <a:r>
-              <a:rPr lang="es-AR" sz="1600" dirty="0">
-                <a:latin typeface="Arial" panose="020B0604020202020204" pitchFamily="34" charset="0"/>
-                <a:cs typeface="Arial" panose="020B0604020202020204" pitchFamily="34" charset="0"/>
-              </a:rPr>
-              <a:t>Administración de empleados.</a:t>
-            </a:r>
-            <a:br>
-              <a:rPr lang="es-ES" sz="1600" dirty="0">
-                <a:latin typeface="Arial" panose="020B0604020202020204" pitchFamily="34" charset="0"/>
-                <a:cs typeface="Arial" panose="020B0604020202020204" pitchFamily="34" charset="0"/>
-              </a:rPr>
-            </a:br>
-            <a:r>
-              <a:rPr lang="es-AR" sz="1600" dirty="0">
-                <a:latin typeface="Arial" panose="020B0604020202020204" pitchFamily="34" charset="0"/>
-                <a:cs typeface="Arial" panose="020B0604020202020204" pitchFamily="34" charset="0"/>
-              </a:rPr>
-              <a:t>Informes y estadísticas del Sistema.</a:t>
-            </a:r>
-            <a:br>
-              <a:rPr lang="es-ES" sz="1600" dirty="0">
-                <a:latin typeface="Arial" panose="020B0604020202020204" pitchFamily="34" charset="0"/>
-                <a:cs typeface="Arial" panose="020B0604020202020204" pitchFamily="34" charset="0"/>
-              </a:rPr>
-            </a:br>
-            <a:r>
-              <a:rPr lang="es-AR" sz="1600" b="1" u="sng" dirty="0">
-                <a:latin typeface="Arial" panose="020B0604020202020204" pitchFamily="34" charset="0"/>
-                <a:cs typeface="Arial" panose="020B0604020202020204" pitchFamily="34" charset="0"/>
-              </a:rPr>
-              <a:t>MÓDULO DE ADMINISTRACIÓN PROVEEDORES</a:t>
-            </a:r>
-            <a:br>
-              <a:rPr lang="es-ES" sz="1600" dirty="0">
-                <a:latin typeface="Arial" panose="020B0604020202020204" pitchFamily="34" charset="0"/>
-                <a:cs typeface="Arial" panose="020B0604020202020204" pitchFamily="34" charset="0"/>
-              </a:rPr>
-            </a:br>
-            <a:r>
-              <a:rPr lang="es-AR" sz="1600" dirty="0">
-                <a:latin typeface="Arial" panose="020B0604020202020204" pitchFamily="34" charset="0"/>
-                <a:cs typeface="Arial" panose="020B0604020202020204" pitchFamily="34" charset="0"/>
-              </a:rPr>
-              <a:t>Administración de Proveedores.</a:t>
-            </a:r>
-            <a:br>
-              <a:rPr lang="es-ES" sz="1600" dirty="0">
-                <a:latin typeface="Arial" panose="020B0604020202020204" pitchFamily="34" charset="0"/>
-                <a:cs typeface="Arial" panose="020B0604020202020204" pitchFamily="34" charset="0"/>
-              </a:rPr>
-            </a:br>
-            <a:r>
-              <a:rPr lang="es-AR" sz="1600" dirty="0">
-                <a:latin typeface="Arial" panose="020B0604020202020204" pitchFamily="34" charset="0"/>
-                <a:cs typeface="Arial" panose="020B0604020202020204" pitchFamily="34" charset="0"/>
-              </a:rPr>
-              <a:t>Gestión de Orden de Pedidos y Recepción de Productos</a:t>
-            </a:r>
-            <a:r>
-              <a:rPr lang="es-AR" dirty="0">
-                <a:latin typeface="Arial" panose="020B0604020202020204" pitchFamily="34" charset="0"/>
-                <a:cs typeface="Arial" panose="020B0604020202020204" pitchFamily="34" charset="0"/>
-              </a:rPr>
-              <a:t>.</a:t>
-            </a:r>
-            <a:endParaRPr lang="es-ES" dirty="0"/>
-          </a:p>
-        </p:txBody>
-      </p:sp>
-      <p:sp>
-        <p:nvSpPr>
-          <p:cNvPr id="5" name="Rectángulo 4">
+        </p:txBody>
+      </p:sp>
+      <p:sp>
+        <p:nvSpPr>
+          <p:cNvPr id="6" name="Rectángulo: esquinas diagonales cortadas 5">
             <a:extLst>
               <a:ext uri="{FF2B5EF4-FFF2-40B4-BE49-F238E27FC236}">
-                <a16:creationId xmlns:a16="http://schemas.microsoft.com/office/drawing/2014/main" id="{B70D804D-D575-4DE0-9751-5174684FB5D0}"/>
+                <a16:creationId xmlns:a16="http://schemas.microsoft.com/office/drawing/2014/main" id="{D3EFA27D-15CE-4970-A8DD-0F5B8AA57392}"/>
               </a:ext>
             </a:extLst>
           </p:cNvPr>
@@ -6502,50 +7079,103 @@
         </p:nvSpPr>
         <p:spPr>
           <a:xfrm>
-            <a:off x="6467061" y="4122784"/>
-            <a:ext cx="6096000" cy="830997"/>
+            <a:off x="363503" y="2563814"/>
+            <a:ext cx="2914288" cy="1425090"/>
+          </a:xfrm>
+          <a:prstGeom prst="snip2DiagRect">
+            <a:avLst/>
+          </a:prstGeom>
+          <a:solidFill>
+            <a:schemeClr val="accent4">
+              <a:lumMod val="60000"/>
+              <a:lumOff val="40000"/>
+            </a:schemeClr>
+          </a:solidFill>
+        </p:spPr>
+        <p:style>
+          <a:lnRef idx="2">
+            <a:schemeClr val="accent1">
+              <a:shade val="50000"/>
+            </a:schemeClr>
+          </a:lnRef>
+          <a:fillRef idx="1">
+            <a:schemeClr val="accent1"/>
+          </a:fillRef>
+          <a:effectRef idx="0">
+            <a:schemeClr val="accent1"/>
+          </a:effectRef>
+          <a:fontRef idx="minor">
+            <a:schemeClr val="lt1"/>
+          </a:fontRef>
+        </p:style>
+        <p:txBody>
+          <a:bodyPr rtlCol="0" anchor="ctr"/>
+          <a:lstStyle/>
+          <a:p>
+            <a:pPr algn="ctr"/>
+            <a:endParaRPr lang="es-ES"/>
+          </a:p>
+        </p:txBody>
+      </p:sp>
+      <p:sp>
+        <p:nvSpPr>
+          <p:cNvPr id="7" name="Título 3">
+            <a:extLst>
+              <a:ext uri="{FF2B5EF4-FFF2-40B4-BE49-F238E27FC236}">
+                <a16:creationId xmlns:a16="http://schemas.microsoft.com/office/drawing/2014/main" id="{68B11745-B283-47ED-A054-5A1AAA852EAA}"/>
+              </a:ext>
+            </a:extLst>
+          </p:cNvPr>
+          <p:cNvSpPr txBox="1">
+            <a:spLocks/>
+          </p:cNvSpPr>
+          <p:nvPr/>
+        </p:nvSpPr>
+        <p:spPr>
+          <a:xfrm>
+            <a:off x="661081" y="3111572"/>
+            <a:ext cx="2319131" cy="329574"/>
           </a:xfrm>
           <a:prstGeom prst="rect">
             <a:avLst/>
           </a:prstGeom>
         </p:spPr>
         <p:txBody>
-          <a:bodyPr>
-            <a:spAutoFit/>
+          <a:bodyPr vert="horz" lIns="91440" tIns="45720" rIns="91440" bIns="45720" rtlCol="0" anchor="ctr">
+            <a:noAutofit/>
           </a:bodyPr>
-          <a:lstStyle/>
-          <a:p>
-            <a:r>
-              <a:rPr lang="es-AR" sz="1600" b="1" u="sng" dirty="0">
-                <a:latin typeface="Arial" panose="020B0604020202020204" pitchFamily="34" charset="0"/>
-                <a:cs typeface="Arial" panose="020B0604020202020204" pitchFamily="34" charset="0"/>
-              </a:rPr>
-              <a:t>MÓDULO DE ADMINISTRACIÓN DE FACTURACIÓN</a:t>
-            </a:r>
-            <a:br>
-              <a:rPr lang="es-ES" sz="1600" dirty="0">
-                <a:latin typeface="Arial" panose="020B0604020202020204" pitchFamily="34" charset="0"/>
-                <a:cs typeface="Arial" panose="020B0604020202020204" pitchFamily="34" charset="0"/>
-              </a:rPr>
-            </a:br>
-            <a:r>
-              <a:rPr lang="es-AR" sz="1600" dirty="0">
-                <a:latin typeface="Arial" panose="020B0604020202020204" pitchFamily="34" charset="0"/>
-                <a:cs typeface="Arial" panose="020B0604020202020204" pitchFamily="34" charset="0"/>
-              </a:rPr>
-              <a:t>Gestión de los contratos con las empresas, que facilite la solicitud de servicios y su facturación.</a:t>
-            </a:r>
-            <a:endParaRPr lang="es-ES" sz="1600" dirty="0">
-              <a:latin typeface="Arial" panose="020B0604020202020204" pitchFamily="34" charset="0"/>
-              <a:cs typeface="Arial" panose="020B0604020202020204" pitchFamily="34" charset="0"/>
-            </a:endParaRPr>
+          <a:lstStyle>
+            <a:lvl1pPr algn="l" defTabSz="914400" rtl="0" eaLnBrk="1" latinLnBrk="0" hangingPunct="1">
+              <a:lnSpc>
+                <a:spcPct val="90000"/>
+              </a:lnSpc>
+              <a:spcBef>
+                <a:spcPct val="0"/>
+              </a:spcBef>
+              <a:buNone/>
+              <a:defRPr sz="4400" kern="1200">
+                <a:solidFill>
+                  <a:schemeClr val="tx1"/>
+                </a:solidFill>
+                <a:latin typeface="+mj-lt"/>
+                <a:ea typeface="+mj-ea"/>
+                <a:cs typeface="+mj-cs"/>
+              </a:defRPr>
+            </a:lvl1pPr>
+          </a:lstStyle>
+          <a:p>
+            <a:r>
+              <a:rPr lang="es-CL" sz="3200"/>
+              <a:t>Diagrama de Arquitectura</a:t>
+            </a:r>
+            <a:endParaRPr lang="es-CL" sz="3200" dirty="0"/>
           </a:p>
         </p:txBody>
       </p:sp>
     </p:spTree>
     <p:extLst>
       <p:ext uri="{BB962C8B-B14F-4D97-AF65-F5344CB8AC3E}">
-        <p14:creationId xmlns:p14="http://schemas.microsoft.com/office/powerpoint/2010/main" val="1608528856"/>
+        <p14:creationId xmlns:p14="http://schemas.microsoft.com/office/powerpoint/2010/main" val="2050829453"/>
       </p:ext>
     </p:extLst>
   </p:cSld>
@@ -9163,104 +9793,12 @@
           <a:chExt cx="0" cy="0"/>
         </a:xfrm>
       </p:grpSpPr>
-      <p:sp>
-        <p:nvSpPr>
-          <p:cNvPr id="2" name="Título 1">
+      <p:pic>
+        <p:nvPicPr>
+          <p:cNvPr id="3" name="Imagen 2">
             <a:extLst>
               <a:ext uri="{FF2B5EF4-FFF2-40B4-BE49-F238E27FC236}">
-                <a16:creationId xmlns:a16="http://schemas.microsoft.com/office/drawing/2014/main" id="{447BD968-7D52-4B05-8656-6D6DF9BE4C45}"/>
-              </a:ext>
-            </a:extLst>
-          </p:cNvPr>
-          <p:cNvSpPr>
-            <a:spLocks noGrp="1"/>
-          </p:cNvSpPr>
-          <p:nvPr>
-            <p:ph type="title"/>
-          </p:nvPr>
-        </p:nvSpPr>
-        <p:spPr>
-          <a:xfrm>
-            <a:off x="586409" y="537403"/>
-            <a:ext cx="10515600" cy="1325563"/>
-          </a:xfrm>
-        </p:spPr>
-        <p:txBody>
-          <a:bodyPr/>
-          <a:lstStyle/>
-          <a:p>
-            <a:r>
-              <a:rPr lang="es-ES" dirty="0"/>
-              <a:t>Diseño Base de Datos</a:t>
-            </a:r>
-          </a:p>
-        </p:txBody>
-      </p:sp>
-    </p:spTree>
-    <p:extLst>
-      <p:ext uri="{BB962C8B-B14F-4D97-AF65-F5344CB8AC3E}">
-        <p14:creationId xmlns:p14="http://schemas.microsoft.com/office/powerpoint/2010/main" val="1520598834"/>
-      </p:ext>
-    </p:extLst>
-  </p:cSld>
-  <p:clrMapOvr>
-    <a:masterClrMapping/>
-  </p:clrMapOvr>
-</p:sld>
-</file>
-
-<file path=ppt/slides/slide9.xml><?xml version="1.0" encoding="utf-8"?>
-<p:sld xmlns:a="http://schemas.openxmlformats.org/drawingml/2006/main" xmlns:r="http://schemas.openxmlformats.org/officeDocument/2006/relationships" xmlns:p="http://schemas.openxmlformats.org/presentationml/2006/main" show="0">
-  <p:cSld>
-    <p:spTree>
-      <p:nvGrpSpPr>
-        <p:cNvPr id="1" name=""/>
-        <p:cNvGrpSpPr/>
-        <p:nvPr/>
-      </p:nvGrpSpPr>
-      <p:grpSpPr>
-        <a:xfrm>
-          <a:off x="0" y="0"/>
-          <a:ext cx="0" cy="0"/>
-          <a:chOff x="0" y="0"/>
-          <a:chExt cx="0" cy="0"/>
-        </a:xfrm>
-      </p:grpSpPr>
-      <p:sp>
-        <p:nvSpPr>
-          <p:cNvPr id="4" name="Título 3"/>
-          <p:cNvSpPr>
-            <a:spLocks noGrp="1"/>
-          </p:cNvSpPr>
-          <p:nvPr>
-            <p:ph type="title"/>
-          </p:nvPr>
-        </p:nvSpPr>
-        <p:spPr>
-          <a:xfrm>
-            <a:off x="614747" y="901148"/>
-            <a:ext cx="10515600" cy="744606"/>
-          </a:xfrm>
-        </p:spPr>
-        <p:txBody>
-          <a:bodyPr>
-            <a:normAutofit/>
-          </a:bodyPr>
-          <a:lstStyle/>
-          <a:p>
-            <a:r>
-              <a:rPr lang="es-CL" sz="4000" dirty="0"/>
-              <a:t>Diseño BDD</a:t>
-            </a:r>
-          </a:p>
-        </p:txBody>
-      </p:sp>
-      <p:pic>
-        <p:nvPicPr>
-          <p:cNvPr id="6" name="Imagen 5">
-            <a:extLst>
-              <a:ext uri="{FF2B5EF4-FFF2-40B4-BE49-F238E27FC236}">
-                <a16:creationId xmlns:a16="http://schemas.microsoft.com/office/drawing/2014/main" id="{5ABD1C81-32A8-4495-ADD6-06294967CCA2}"/>
+                <a16:creationId xmlns:a16="http://schemas.microsoft.com/office/drawing/2014/main" id="{6912C3D6-FF26-4D09-84F8-755BB00BAFA1}"/>
               </a:ext>
             </a:extLst>
           </p:cNvPr>
@@ -9283,18 +9821,332 @@
         </p:blipFill>
         <p:spPr>
           <a:xfrm>
-            <a:off x="225288" y="1645754"/>
-            <a:ext cx="11872378" cy="5212246"/>
+            <a:off x="2888973" y="874643"/>
+            <a:ext cx="8733184" cy="5983357"/>
           </a:xfrm>
           <a:prstGeom prst="rect">
             <a:avLst/>
           </a:prstGeom>
         </p:spPr>
       </p:pic>
+      <p:sp>
+        <p:nvSpPr>
+          <p:cNvPr id="5" name="Rectángulo: esquinas diagonales cortadas 4">
+            <a:extLst>
+              <a:ext uri="{FF2B5EF4-FFF2-40B4-BE49-F238E27FC236}">
+                <a16:creationId xmlns:a16="http://schemas.microsoft.com/office/drawing/2014/main" id="{19CD7F1A-A08F-46A1-888E-4E627CDDBEAA}"/>
+              </a:ext>
+            </a:extLst>
+          </p:cNvPr>
+          <p:cNvSpPr/>
+          <p:nvPr/>
+        </p:nvSpPr>
+        <p:spPr>
+          <a:xfrm>
+            <a:off x="92767" y="3462993"/>
+            <a:ext cx="2345633" cy="2225025"/>
+          </a:xfrm>
+          <a:prstGeom prst="snip2DiagRect">
+            <a:avLst/>
+          </a:prstGeom>
+          <a:solidFill>
+            <a:schemeClr val="accent4">
+              <a:lumMod val="60000"/>
+              <a:lumOff val="40000"/>
+            </a:schemeClr>
+          </a:solidFill>
+        </p:spPr>
+        <p:style>
+          <a:lnRef idx="2">
+            <a:schemeClr val="accent1">
+              <a:shade val="50000"/>
+            </a:schemeClr>
+          </a:lnRef>
+          <a:fillRef idx="1">
+            <a:schemeClr val="accent1"/>
+          </a:fillRef>
+          <a:effectRef idx="0">
+            <a:schemeClr val="accent1"/>
+          </a:effectRef>
+          <a:fontRef idx="minor">
+            <a:schemeClr val="lt1"/>
+          </a:fontRef>
+        </p:style>
+        <p:txBody>
+          <a:bodyPr rtlCol="0" anchor="ctr"/>
+          <a:lstStyle/>
+          <a:p>
+            <a:pPr algn="ctr"/>
+            <a:endParaRPr lang="es-ES"/>
+          </a:p>
+        </p:txBody>
+      </p:sp>
+      <p:sp>
+        <p:nvSpPr>
+          <p:cNvPr id="6" name="Título 3">
+            <a:extLst>
+              <a:ext uri="{FF2B5EF4-FFF2-40B4-BE49-F238E27FC236}">
+                <a16:creationId xmlns:a16="http://schemas.microsoft.com/office/drawing/2014/main" id="{39A07C74-EC8E-4860-A08B-90B0809813C0}"/>
+              </a:ext>
+            </a:extLst>
+          </p:cNvPr>
+          <p:cNvSpPr txBox="1">
+            <a:spLocks/>
+          </p:cNvSpPr>
+          <p:nvPr/>
+        </p:nvSpPr>
+        <p:spPr>
+          <a:xfrm>
+            <a:off x="92767" y="3462993"/>
+            <a:ext cx="2504661" cy="2043283"/>
+          </a:xfrm>
+          <a:prstGeom prst="rect">
+            <a:avLst/>
+          </a:prstGeom>
+        </p:spPr>
+        <p:txBody>
+          <a:bodyPr vert="horz" lIns="91440" tIns="45720" rIns="91440" bIns="45720" rtlCol="0" anchor="ctr">
+            <a:normAutofit fontScale="97500"/>
+          </a:bodyPr>
+          <a:lstStyle>
+            <a:lvl1pPr algn="l" defTabSz="914400" rtl="0" eaLnBrk="1" latinLnBrk="0" hangingPunct="1">
+              <a:lnSpc>
+                <a:spcPct val="90000"/>
+              </a:lnSpc>
+              <a:spcBef>
+                <a:spcPct val="0"/>
+              </a:spcBef>
+              <a:buNone/>
+              <a:defRPr sz="4400" kern="1200">
+                <a:solidFill>
+                  <a:schemeClr val="tx1"/>
+                </a:solidFill>
+                <a:latin typeface="+mj-lt"/>
+                <a:ea typeface="+mj-ea"/>
+                <a:cs typeface="+mj-cs"/>
+              </a:defRPr>
+            </a:lvl1pPr>
+          </a:lstStyle>
+          <a:p>
+            <a:r>
+              <a:rPr lang="es-CL" dirty="0"/>
+              <a:t>Casos de Uso Generales</a:t>
+            </a:r>
+          </a:p>
+        </p:txBody>
+      </p:sp>
     </p:spTree>
     <p:extLst>
       <p:ext uri="{BB962C8B-B14F-4D97-AF65-F5344CB8AC3E}">
-        <p14:creationId xmlns:p14="http://schemas.microsoft.com/office/powerpoint/2010/main" val="595374631"/>
+        <p14:creationId xmlns:p14="http://schemas.microsoft.com/office/powerpoint/2010/main" val="3702887600"/>
+      </p:ext>
+    </p:extLst>
+  </p:cSld>
+  <p:clrMapOvr>
+    <a:masterClrMapping/>
+  </p:clrMapOvr>
+</p:sld>
+</file>
+
+<file path=ppt/slides/slide9.xml><?xml version="1.0" encoding="utf-8"?>
+<p:sld xmlns:a="http://schemas.openxmlformats.org/drawingml/2006/main" xmlns:r="http://schemas.openxmlformats.org/officeDocument/2006/relationships" xmlns:p="http://schemas.openxmlformats.org/presentationml/2006/main">
+  <p:cSld>
+    <p:spTree>
+      <p:nvGrpSpPr>
+        <p:cNvPr id="1" name=""/>
+        <p:cNvGrpSpPr/>
+        <p:nvPr/>
+      </p:nvGrpSpPr>
+      <p:grpSpPr>
+        <a:xfrm>
+          <a:off x="0" y="0"/>
+          <a:ext cx="0" cy="0"/>
+          <a:chOff x="0" y="0"/>
+          <a:chExt cx="0" cy="0"/>
+        </a:xfrm>
+      </p:grpSpPr>
+      <p:pic>
+        <p:nvPicPr>
+          <p:cNvPr id="7" name="Imagen 6">
+            <a:extLst>
+              <a:ext uri="{FF2B5EF4-FFF2-40B4-BE49-F238E27FC236}">
+                <a16:creationId xmlns:a16="http://schemas.microsoft.com/office/drawing/2014/main" id="{48466BA4-D49C-4E6B-919F-2FCA7A75A053}"/>
+              </a:ext>
+            </a:extLst>
+          </p:cNvPr>
+          <p:cNvPicPr>
+            <a:picLocks noChangeAspect="1"/>
+          </p:cNvPicPr>
+          <p:nvPr/>
+        </p:nvPicPr>
+        <p:blipFill>
+          <a:blip r:embed="rId2">
+            <a:extLst>
+              <a:ext uri="{28A0092B-C50C-407E-A947-70E740481C1C}">
+                <a14:useLocalDpi xmlns:a14="http://schemas.microsoft.com/office/drawing/2010/main" val="0"/>
+              </a:ext>
+            </a:extLst>
+          </a:blip>
+          <a:stretch>
+            <a:fillRect/>
+          </a:stretch>
+        </p:blipFill>
+        <p:spPr>
+          <a:xfrm>
+            <a:off x="2729948" y="878784"/>
+            <a:ext cx="6308035" cy="5979216"/>
+          </a:xfrm>
+          <a:prstGeom prst="rect">
+            <a:avLst/>
+          </a:prstGeom>
+        </p:spPr>
+      </p:pic>
+      <p:sp>
+        <p:nvSpPr>
+          <p:cNvPr id="8" name="CuadroTexto 7">
+            <a:extLst>
+              <a:ext uri="{FF2B5EF4-FFF2-40B4-BE49-F238E27FC236}">
+                <a16:creationId xmlns:a16="http://schemas.microsoft.com/office/drawing/2014/main" id="{544DCF23-8F28-4123-BF1C-57B567B703D4}"/>
+              </a:ext>
+            </a:extLst>
+          </p:cNvPr>
+          <p:cNvSpPr txBox="1"/>
+          <p:nvPr/>
+        </p:nvSpPr>
+        <p:spPr>
+          <a:xfrm>
+            <a:off x="9037983" y="3511935"/>
+            <a:ext cx="2928730" cy="646331"/>
+          </a:xfrm>
+          <a:prstGeom prst="rect">
+            <a:avLst/>
+          </a:prstGeom>
+          <a:noFill/>
+        </p:spPr>
+        <p:txBody>
+          <a:bodyPr wrap="square" rtlCol="0">
+            <a:spAutoFit/>
+          </a:bodyPr>
+          <a:lstStyle/>
+          <a:p>
+            <a:r>
+              <a:rPr lang="es-ES" dirty="0"/>
+              <a:t>Administrador- Registrar Habitación</a:t>
+            </a:r>
+          </a:p>
+        </p:txBody>
+      </p:sp>
+      <p:sp>
+        <p:nvSpPr>
+          <p:cNvPr id="5" name="Rectángulo: esquinas diagonales cortadas 4">
+            <a:extLst>
+              <a:ext uri="{FF2B5EF4-FFF2-40B4-BE49-F238E27FC236}">
+                <a16:creationId xmlns:a16="http://schemas.microsoft.com/office/drawing/2014/main" id="{E151581C-B2E1-4719-BECC-1EA5685B5735}"/>
+              </a:ext>
+            </a:extLst>
+          </p:cNvPr>
+          <p:cNvSpPr/>
+          <p:nvPr/>
+        </p:nvSpPr>
+        <p:spPr>
+          <a:xfrm>
+            <a:off x="106017" y="3114591"/>
+            <a:ext cx="2345633" cy="2225025"/>
+          </a:xfrm>
+          <a:prstGeom prst="snip2DiagRect">
+            <a:avLst/>
+          </a:prstGeom>
+          <a:solidFill>
+            <a:schemeClr val="accent4">
+              <a:lumMod val="60000"/>
+              <a:lumOff val="40000"/>
+            </a:schemeClr>
+          </a:solidFill>
+        </p:spPr>
+        <p:style>
+          <a:lnRef idx="2">
+            <a:schemeClr val="accent1">
+              <a:shade val="50000"/>
+            </a:schemeClr>
+          </a:lnRef>
+          <a:fillRef idx="1">
+            <a:schemeClr val="accent1"/>
+          </a:fillRef>
+          <a:effectRef idx="0">
+            <a:schemeClr val="accent1"/>
+          </a:effectRef>
+          <a:fontRef idx="minor">
+            <a:schemeClr val="lt1"/>
+          </a:fontRef>
+        </p:style>
+        <p:txBody>
+          <a:bodyPr rtlCol="0" anchor="ctr"/>
+          <a:lstStyle/>
+          <a:p>
+            <a:pPr algn="ctr"/>
+            <a:endParaRPr lang="es-ES"/>
+          </a:p>
+        </p:txBody>
+      </p:sp>
+      <p:sp>
+        <p:nvSpPr>
+          <p:cNvPr id="9" name="Título 3">
+            <a:extLst>
+              <a:ext uri="{FF2B5EF4-FFF2-40B4-BE49-F238E27FC236}">
+                <a16:creationId xmlns:a16="http://schemas.microsoft.com/office/drawing/2014/main" id="{15D8C790-34B6-4A9B-81BD-3543989FDCA9}"/>
+              </a:ext>
+            </a:extLst>
+          </p:cNvPr>
+          <p:cNvSpPr txBox="1">
+            <a:spLocks/>
+          </p:cNvSpPr>
+          <p:nvPr/>
+        </p:nvSpPr>
+        <p:spPr>
+          <a:xfrm>
+            <a:off x="106017" y="3481168"/>
+            <a:ext cx="2623931" cy="1281660"/>
+          </a:xfrm>
+          <a:prstGeom prst="rect">
+            <a:avLst/>
+          </a:prstGeom>
+        </p:spPr>
+        <p:txBody>
+          <a:bodyPr vert="horz" lIns="91440" tIns="45720" rIns="91440" bIns="45720" rtlCol="0" anchor="ctr">
+            <a:noAutofit/>
+          </a:bodyPr>
+          <a:lstStyle>
+            <a:lvl1pPr algn="l" defTabSz="914400" rtl="0" eaLnBrk="1" latinLnBrk="0" hangingPunct="1">
+              <a:lnSpc>
+                <a:spcPct val="90000"/>
+              </a:lnSpc>
+              <a:spcBef>
+                <a:spcPct val="0"/>
+              </a:spcBef>
+              <a:buNone/>
+              <a:defRPr sz="4400" kern="1200">
+                <a:solidFill>
+                  <a:schemeClr val="tx1"/>
+                </a:solidFill>
+                <a:latin typeface="+mj-lt"/>
+                <a:ea typeface="+mj-ea"/>
+                <a:cs typeface="+mj-cs"/>
+              </a:defRPr>
+            </a:lvl1pPr>
+          </a:lstStyle>
+          <a:p>
+            <a:r>
+              <a:rPr lang="es-CL" sz="3200"/>
+              <a:t>Diagrama de Actividad</a:t>
+            </a:r>
+            <a:endParaRPr lang="es-CL" sz="3200" dirty="0"/>
+          </a:p>
+        </p:txBody>
+      </p:sp>
+    </p:spTree>
+    <p:extLst>
+      <p:ext uri="{BB962C8B-B14F-4D97-AF65-F5344CB8AC3E}">
+        <p14:creationId xmlns:p14="http://schemas.microsoft.com/office/powerpoint/2010/main" val="3573124493"/>
       </p:ext>
     </p:extLst>
   </p:cSld>

--- a/Evidencias Documentales/Presentacion/Presentación-Portafolio-Proyecto_Hostal_2018 .pptx
+++ b/Evidencias Documentales/Presentacion/Presentación-Portafolio-Proyecto_Hostal_2018 .pptx
@@ -7,22 +7,23 @@
   <p:sldIdLst>
     <p:sldId id="256" r:id="rId2"/>
     <p:sldId id="257" r:id="rId3"/>
-    <p:sldId id="272" r:id="rId4"/>
-    <p:sldId id="260" r:id="rId5"/>
-    <p:sldId id="274" r:id="rId6"/>
-    <p:sldId id="259" r:id="rId7"/>
-    <p:sldId id="271" r:id="rId8"/>
-    <p:sldId id="267" r:id="rId9"/>
-    <p:sldId id="273" r:id="rId10"/>
-    <p:sldId id="268" r:id="rId11"/>
-    <p:sldId id="279" r:id="rId12"/>
-    <p:sldId id="278" r:id="rId13"/>
-    <p:sldId id="280" r:id="rId14"/>
-    <p:sldId id="270" r:id="rId15"/>
-    <p:sldId id="265" r:id="rId16"/>
-    <p:sldId id="266" r:id="rId17"/>
-    <p:sldId id="261" r:id="rId18"/>
-    <p:sldId id="277" r:id="rId19"/>
+    <p:sldId id="281" r:id="rId4"/>
+    <p:sldId id="272" r:id="rId5"/>
+    <p:sldId id="260" r:id="rId6"/>
+    <p:sldId id="274" r:id="rId7"/>
+    <p:sldId id="259" r:id="rId8"/>
+    <p:sldId id="271" r:id="rId9"/>
+    <p:sldId id="267" r:id="rId10"/>
+    <p:sldId id="273" r:id="rId11"/>
+    <p:sldId id="268" r:id="rId12"/>
+    <p:sldId id="279" r:id="rId13"/>
+    <p:sldId id="278" r:id="rId14"/>
+    <p:sldId id="280" r:id="rId15"/>
+    <p:sldId id="270" r:id="rId16"/>
+    <p:sldId id="265" r:id="rId17"/>
+    <p:sldId id="266" r:id="rId18"/>
+    <p:sldId id="261" r:id="rId19"/>
+    <p:sldId id="277" r:id="rId20"/>
   </p:sldIdLst>
   <p:sldSz cx="12192000" cy="6858000"/>
   <p:notesSz cx="6858000" cy="9144000"/>
@@ -260,7 +261,7 @@
           <a:p>
             <a:fld id="{C56040A3-26B0-41B9-8D0E-A6E2BE76A0F6}" type="datetimeFigureOut">
               <a:rPr lang="es-CL" smtClean="0"/>
-              <a:t>12-06-2018</a:t>
+              <a:t>13-06-2018</a:t>
             </a:fld>
             <a:endParaRPr lang="es-CL"/>
           </a:p>
@@ -430,7 +431,7 @@
           <a:p>
             <a:fld id="{C56040A3-26B0-41B9-8D0E-A6E2BE76A0F6}" type="datetimeFigureOut">
               <a:rPr lang="es-CL" smtClean="0"/>
-              <a:t>12-06-2018</a:t>
+              <a:t>13-06-2018</a:t>
             </a:fld>
             <a:endParaRPr lang="es-CL"/>
           </a:p>
@@ -610,7 +611,7 @@
           <a:p>
             <a:fld id="{C56040A3-26B0-41B9-8D0E-A6E2BE76A0F6}" type="datetimeFigureOut">
               <a:rPr lang="es-CL" smtClean="0"/>
-              <a:t>12-06-2018</a:t>
+              <a:t>13-06-2018</a:t>
             </a:fld>
             <a:endParaRPr lang="es-CL"/>
           </a:p>
@@ -780,7 +781,7 @@
           <a:p>
             <a:fld id="{C56040A3-26B0-41B9-8D0E-A6E2BE76A0F6}" type="datetimeFigureOut">
               <a:rPr lang="es-CL" smtClean="0"/>
-              <a:t>12-06-2018</a:t>
+              <a:t>13-06-2018</a:t>
             </a:fld>
             <a:endParaRPr lang="es-CL"/>
           </a:p>
@@ -1026,7 +1027,7 @@
           <a:p>
             <a:fld id="{C56040A3-26B0-41B9-8D0E-A6E2BE76A0F6}" type="datetimeFigureOut">
               <a:rPr lang="es-CL" smtClean="0"/>
-              <a:t>12-06-2018</a:t>
+              <a:t>13-06-2018</a:t>
             </a:fld>
             <a:endParaRPr lang="es-CL"/>
           </a:p>
@@ -1258,7 +1259,7 @@
           <a:p>
             <a:fld id="{C56040A3-26B0-41B9-8D0E-A6E2BE76A0F6}" type="datetimeFigureOut">
               <a:rPr lang="es-CL" smtClean="0"/>
-              <a:t>12-06-2018</a:t>
+              <a:t>13-06-2018</a:t>
             </a:fld>
             <a:endParaRPr lang="es-CL"/>
           </a:p>
@@ -1625,7 +1626,7 @@
           <a:p>
             <a:fld id="{C56040A3-26B0-41B9-8D0E-A6E2BE76A0F6}" type="datetimeFigureOut">
               <a:rPr lang="es-CL" smtClean="0"/>
-              <a:t>12-06-2018</a:t>
+              <a:t>13-06-2018</a:t>
             </a:fld>
             <a:endParaRPr lang="es-CL"/>
           </a:p>
@@ -1743,7 +1744,7 @@
           <a:p>
             <a:fld id="{C56040A3-26B0-41B9-8D0E-A6E2BE76A0F6}" type="datetimeFigureOut">
               <a:rPr lang="es-CL" smtClean="0"/>
-              <a:t>12-06-2018</a:t>
+              <a:t>13-06-2018</a:t>
             </a:fld>
             <a:endParaRPr lang="es-CL"/>
           </a:p>
@@ -1838,7 +1839,7 @@
           <a:p>
             <a:fld id="{C56040A3-26B0-41B9-8D0E-A6E2BE76A0F6}" type="datetimeFigureOut">
               <a:rPr lang="es-CL" smtClean="0"/>
-              <a:t>12-06-2018</a:t>
+              <a:t>13-06-2018</a:t>
             </a:fld>
             <a:endParaRPr lang="es-CL"/>
           </a:p>
@@ -2115,7 +2116,7 @@
           <a:p>
             <a:fld id="{C56040A3-26B0-41B9-8D0E-A6E2BE76A0F6}" type="datetimeFigureOut">
               <a:rPr lang="es-CL" smtClean="0"/>
-              <a:t>12-06-2018</a:t>
+              <a:t>13-06-2018</a:t>
             </a:fld>
             <a:endParaRPr lang="es-CL"/>
           </a:p>
@@ -2368,7 +2369,7 @@
           <a:p>
             <a:fld id="{C56040A3-26B0-41B9-8D0E-A6E2BE76A0F6}" type="datetimeFigureOut">
               <a:rPr lang="es-CL" smtClean="0"/>
-              <a:t>12-06-2018</a:t>
+              <a:t>13-06-2018</a:t>
             </a:fld>
             <a:endParaRPr lang="es-CL"/>
           </a:p>
@@ -2590,7 +2591,7 @@
           <a:p>
             <a:fld id="{C56040A3-26B0-41B9-8D0E-A6E2BE76A0F6}" type="datetimeFigureOut">
               <a:rPr lang="es-CL" smtClean="0"/>
-              <a:t>12-06-2018</a:t>
+              <a:t>13-06-2018</a:t>
             </a:fld>
             <a:endParaRPr lang="es-CL"/>
           </a:p>
@@ -3154,6 +3155,214 @@
 </file>
 
 <file path=ppt/slides/slide10.xml><?xml version="1.0" encoding="utf-8"?>
+<p:sld xmlns:a="http://schemas.openxmlformats.org/drawingml/2006/main" xmlns:r="http://schemas.openxmlformats.org/officeDocument/2006/relationships" xmlns:p="http://schemas.openxmlformats.org/presentationml/2006/main">
+  <p:cSld>
+    <p:spTree>
+      <p:nvGrpSpPr>
+        <p:cNvPr id="1" name=""/>
+        <p:cNvGrpSpPr/>
+        <p:nvPr/>
+      </p:nvGrpSpPr>
+      <p:grpSpPr>
+        <a:xfrm>
+          <a:off x="0" y="0"/>
+          <a:ext cx="0" cy="0"/>
+          <a:chOff x="0" y="0"/>
+          <a:chExt cx="0" cy="0"/>
+        </a:xfrm>
+      </p:grpSpPr>
+      <p:pic>
+        <p:nvPicPr>
+          <p:cNvPr id="7" name="Imagen 6">
+            <a:extLst>
+              <a:ext uri="{FF2B5EF4-FFF2-40B4-BE49-F238E27FC236}">
+                <a16:creationId xmlns:a16="http://schemas.microsoft.com/office/drawing/2014/main" id="{48466BA4-D49C-4E6B-919F-2FCA7A75A053}"/>
+              </a:ext>
+            </a:extLst>
+          </p:cNvPr>
+          <p:cNvPicPr>
+            <a:picLocks noChangeAspect="1"/>
+          </p:cNvPicPr>
+          <p:nvPr/>
+        </p:nvPicPr>
+        <p:blipFill>
+          <a:blip r:embed="rId2">
+            <a:extLst>
+              <a:ext uri="{28A0092B-C50C-407E-A947-70E740481C1C}">
+                <a14:useLocalDpi xmlns:a14="http://schemas.microsoft.com/office/drawing/2010/main" val="0"/>
+              </a:ext>
+            </a:extLst>
+          </a:blip>
+          <a:stretch>
+            <a:fillRect/>
+          </a:stretch>
+        </p:blipFill>
+        <p:spPr>
+          <a:xfrm>
+            <a:off x="2729948" y="878784"/>
+            <a:ext cx="6308035" cy="5979216"/>
+          </a:xfrm>
+          <a:prstGeom prst="rect">
+            <a:avLst/>
+          </a:prstGeom>
+        </p:spPr>
+      </p:pic>
+      <p:sp>
+        <p:nvSpPr>
+          <p:cNvPr id="8" name="CuadroTexto 7">
+            <a:extLst>
+              <a:ext uri="{FF2B5EF4-FFF2-40B4-BE49-F238E27FC236}">
+                <a16:creationId xmlns:a16="http://schemas.microsoft.com/office/drawing/2014/main" id="{544DCF23-8F28-4123-BF1C-57B567B703D4}"/>
+              </a:ext>
+            </a:extLst>
+          </p:cNvPr>
+          <p:cNvSpPr txBox="1"/>
+          <p:nvPr/>
+        </p:nvSpPr>
+        <p:spPr>
+          <a:xfrm>
+            <a:off x="9037983" y="3511935"/>
+            <a:ext cx="2928730" cy="646331"/>
+          </a:xfrm>
+          <a:prstGeom prst="rect">
+            <a:avLst/>
+          </a:prstGeom>
+          <a:noFill/>
+        </p:spPr>
+        <p:txBody>
+          <a:bodyPr wrap="square" rtlCol="0">
+            <a:spAutoFit/>
+          </a:bodyPr>
+          <a:lstStyle/>
+          <a:p>
+            <a:r>
+              <a:rPr lang="es-ES" dirty="0"/>
+              <a:t>Administrador- Registrar Habitación</a:t>
+            </a:r>
+          </a:p>
+        </p:txBody>
+      </p:sp>
+      <p:sp>
+        <p:nvSpPr>
+          <p:cNvPr id="5" name="Rectángulo: esquinas diagonales cortadas 4">
+            <a:extLst>
+              <a:ext uri="{FF2B5EF4-FFF2-40B4-BE49-F238E27FC236}">
+                <a16:creationId xmlns:a16="http://schemas.microsoft.com/office/drawing/2014/main" id="{E151581C-B2E1-4719-BECC-1EA5685B5735}"/>
+              </a:ext>
+            </a:extLst>
+          </p:cNvPr>
+          <p:cNvSpPr/>
+          <p:nvPr/>
+        </p:nvSpPr>
+        <p:spPr>
+          <a:xfrm>
+            <a:off x="106017" y="3114591"/>
+            <a:ext cx="2345633" cy="2225025"/>
+          </a:xfrm>
+          <a:prstGeom prst="snip2DiagRect">
+            <a:avLst/>
+          </a:prstGeom>
+          <a:solidFill>
+            <a:schemeClr val="accent4">
+              <a:lumMod val="60000"/>
+              <a:lumOff val="40000"/>
+            </a:schemeClr>
+          </a:solidFill>
+        </p:spPr>
+        <p:style>
+          <a:lnRef idx="2">
+            <a:schemeClr val="accent1">
+              <a:shade val="50000"/>
+            </a:schemeClr>
+          </a:lnRef>
+          <a:fillRef idx="1">
+            <a:schemeClr val="accent1"/>
+          </a:fillRef>
+          <a:effectRef idx="0">
+            <a:schemeClr val="accent1"/>
+          </a:effectRef>
+          <a:fontRef idx="minor">
+            <a:schemeClr val="lt1"/>
+          </a:fontRef>
+        </p:style>
+        <p:txBody>
+          <a:bodyPr rtlCol="0" anchor="ctr"/>
+          <a:lstStyle/>
+          <a:p>
+            <a:pPr algn="ctr"/>
+            <a:endParaRPr lang="es-ES"/>
+          </a:p>
+        </p:txBody>
+      </p:sp>
+      <p:sp>
+        <p:nvSpPr>
+          <p:cNvPr id="9" name="Título 3">
+            <a:extLst>
+              <a:ext uri="{FF2B5EF4-FFF2-40B4-BE49-F238E27FC236}">
+                <a16:creationId xmlns:a16="http://schemas.microsoft.com/office/drawing/2014/main" id="{15D8C790-34B6-4A9B-81BD-3543989FDCA9}"/>
+              </a:ext>
+            </a:extLst>
+          </p:cNvPr>
+          <p:cNvSpPr txBox="1">
+            <a:spLocks/>
+          </p:cNvSpPr>
+          <p:nvPr/>
+        </p:nvSpPr>
+        <p:spPr>
+          <a:xfrm>
+            <a:off x="106017" y="3481168"/>
+            <a:ext cx="2623931" cy="1281660"/>
+          </a:xfrm>
+          <a:prstGeom prst="rect">
+            <a:avLst/>
+          </a:prstGeom>
+        </p:spPr>
+        <p:txBody>
+          <a:bodyPr vert="horz" lIns="91440" tIns="45720" rIns="91440" bIns="45720" rtlCol="0" anchor="ctr">
+            <a:noAutofit/>
+          </a:bodyPr>
+          <a:lstStyle>
+            <a:lvl1pPr algn="l" defTabSz="914400" rtl="0" eaLnBrk="1" latinLnBrk="0" hangingPunct="1">
+              <a:lnSpc>
+                <a:spcPct val="90000"/>
+              </a:lnSpc>
+              <a:spcBef>
+                <a:spcPct val="0"/>
+              </a:spcBef>
+              <a:buNone/>
+              <a:defRPr sz="4400" kern="1200">
+                <a:solidFill>
+                  <a:schemeClr val="tx1"/>
+                </a:solidFill>
+                <a:latin typeface="+mj-lt"/>
+                <a:ea typeface="+mj-ea"/>
+                <a:cs typeface="+mj-cs"/>
+              </a:defRPr>
+            </a:lvl1pPr>
+          </a:lstStyle>
+          <a:p>
+            <a:r>
+              <a:rPr lang="es-CL" sz="3200"/>
+              <a:t>Diagrama de Actividad</a:t>
+            </a:r>
+            <a:endParaRPr lang="es-CL" sz="3200" dirty="0"/>
+          </a:p>
+        </p:txBody>
+      </p:sp>
+    </p:spTree>
+    <p:extLst>
+      <p:ext uri="{BB962C8B-B14F-4D97-AF65-F5344CB8AC3E}">
+        <p14:creationId xmlns:p14="http://schemas.microsoft.com/office/powerpoint/2010/main" val="3573124493"/>
+      </p:ext>
+    </p:extLst>
+  </p:cSld>
+  <p:clrMapOvr>
+    <a:masterClrMapping/>
+  </p:clrMapOvr>
+</p:sld>
+</file>
+
+<file path=ppt/slides/slide11.xml><?xml version="1.0" encoding="utf-8"?>
 <p:sld xmlns:a="http://schemas.openxmlformats.org/drawingml/2006/main" xmlns:r="http://schemas.openxmlformats.org/officeDocument/2006/relationships" xmlns:p="http://schemas.openxmlformats.org/presentationml/2006/main">
   <p:cSld>
     <p:spTree>
@@ -3808,7 +4017,7 @@
 </p:sld>
 </file>
 
-<file path=ppt/slides/slide11.xml><?xml version="1.0" encoding="utf-8"?>
+<file path=ppt/slides/slide12.xml><?xml version="1.0" encoding="utf-8"?>
 <p:sld xmlns:a="http://schemas.openxmlformats.org/drawingml/2006/main" xmlns:r="http://schemas.openxmlformats.org/officeDocument/2006/relationships" xmlns:p="http://schemas.openxmlformats.org/presentationml/2006/main">
   <p:cSld>
     <p:spTree>
@@ -4559,7 +4768,7 @@
 </p:sld>
 </file>
 
-<file path=ppt/slides/slide12.xml><?xml version="1.0" encoding="utf-8"?>
+<file path=ppt/slides/slide13.xml><?xml version="1.0" encoding="utf-8"?>
 <p:sld xmlns:a="http://schemas.openxmlformats.org/drawingml/2006/main" xmlns:r="http://schemas.openxmlformats.org/officeDocument/2006/relationships" xmlns:p="http://schemas.openxmlformats.org/presentationml/2006/main">
   <p:cSld>
     <p:spTree>
@@ -4625,7 +4834,7 @@
 </p:sld>
 </file>
 
-<file path=ppt/slides/slide13.xml><?xml version="1.0" encoding="utf-8"?>
+<file path=ppt/slides/slide14.xml><?xml version="1.0" encoding="utf-8"?>
 <p:sld xmlns:a="http://schemas.openxmlformats.org/drawingml/2006/main" xmlns:r="http://schemas.openxmlformats.org/officeDocument/2006/relationships" xmlns:p="http://schemas.openxmlformats.org/presentationml/2006/main">
   <p:cSld>
     <p:spTree>
@@ -4691,71 +4900,6 @@
 </p:sld>
 </file>
 
-<file path=ppt/slides/slide14.xml><?xml version="1.0" encoding="utf-8"?>
-<p:sld xmlns:a="http://schemas.openxmlformats.org/drawingml/2006/main" xmlns:r="http://schemas.openxmlformats.org/officeDocument/2006/relationships" xmlns:p="http://schemas.openxmlformats.org/presentationml/2006/main">
-  <p:cSld>
-    <p:spTree>
-      <p:nvGrpSpPr>
-        <p:cNvPr id="1" name=""/>
-        <p:cNvGrpSpPr/>
-        <p:nvPr/>
-      </p:nvGrpSpPr>
-      <p:grpSpPr>
-        <a:xfrm>
-          <a:off x="0" y="0"/>
-          <a:ext cx="0" cy="0"/>
-          <a:chOff x="0" y="0"/>
-          <a:chExt cx="0" cy="0"/>
-        </a:xfrm>
-      </p:grpSpPr>
-      <p:sp>
-        <p:nvSpPr>
-          <p:cNvPr id="2" name="Título 1"/>
-          <p:cNvSpPr>
-            <a:spLocks noGrp="1"/>
-          </p:cNvSpPr>
-          <p:nvPr>
-            <p:ph type="title"/>
-          </p:nvPr>
-        </p:nvSpPr>
-        <p:spPr>
-          <a:xfrm>
-            <a:off x="851079" y="2940899"/>
-            <a:ext cx="10515600" cy="1325563"/>
-          </a:xfrm>
-        </p:spPr>
-        <p:txBody>
-          <a:bodyPr/>
-          <a:lstStyle/>
-          <a:p>
-            <a:pPr algn="ctr"/>
-            <a:r>
-              <a:rPr lang="es-CL" dirty="0"/>
-              <a:t>Demostración del Sistema </a:t>
-            </a:r>
-            <a:br>
-              <a:rPr lang="es-CL" dirty="0"/>
-            </a:br>
-            <a:r>
-              <a:rPr lang="es-CL" sz="2400" dirty="0"/>
-              <a:t>(No más de 5 Minutos)</a:t>
-            </a:r>
-          </a:p>
-        </p:txBody>
-      </p:sp>
-    </p:spTree>
-    <p:extLst>
-      <p:ext uri="{BB962C8B-B14F-4D97-AF65-F5344CB8AC3E}">
-        <p14:creationId xmlns:p14="http://schemas.microsoft.com/office/powerpoint/2010/main" val="2274548756"/>
-      </p:ext>
-    </p:extLst>
-  </p:cSld>
-  <p:clrMapOvr>
-    <a:masterClrMapping/>
-  </p:clrMapOvr>
-</p:sld>
-</file>
-
 <file path=ppt/slides/slide15.xml><?xml version="1.0" encoding="utf-8"?>
 <p:sld xmlns:a="http://schemas.openxmlformats.org/drawingml/2006/main" xmlns:r="http://schemas.openxmlformats.org/officeDocument/2006/relationships" xmlns:p="http://schemas.openxmlformats.org/presentationml/2006/main">
   <p:cSld>
@@ -4775,7 +4919,7 @@
       </p:grpSpPr>
       <p:sp>
         <p:nvSpPr>
-          <p:cNvPr id="4" name="Título 3"/>
+          <p:cNvPr id="2" name="Título 1"/>
           <p:cNvSpPr>
             <a:spLocks noGrp="1"/>
           </p:cNvSpPr>
@@ -4785,7 +4929,7 @@
         </p:nvSpPr>
         <p:spPr>
           <a:xfrm>
-            <a:off x="838200" y="974937"/>
+            <a:off x="851079" y="2940899"/>
             <a:ext cx="10515600" cy="1325563"/>
           </a:xfrm>
         </p:spPr>
@@ -4793,120 +4937,17 @@
           <a:bodyPr/>
           <a:lstStyle/>
           <a:p>
+            <a:pPr algn="ctr"/>
             <a:r>
               <a:rPr lang="es-CL" dirty="0"/>
-              <a:t>Reflexión final</a:t>
-            </a:r>
-          </a:p>
-        </p:txBody>
-      </p:sp>
-      <p:sp>
-        <p:nvSpPr>
-          <p:cNvPr id="2" name="Rectángulo 1"/>
-          <p:cNvSpPr/>
-          <p:nvPr/>
-        </p:nvSpPr>
-        <p:spPr>
-          <a:xfrm>
-            <a:off x="838200" y="2092682"/>
-            <a:ext cx="9670961" cy="3970318"/>
-          </a:xfrm>
-          <a:prstGeom prst="rect">
-            <a:avLst/>
-          </a:prstGeom>
-        </p:spPr>
-        <p:txBody>
-          <a:bodyPr wrap="square">
-            <a:spAutoFit/>
-          </a:bodyPr>
-          <a:lstStyle/>
-          <a:p>
-            <a:pPr>
-              <a:lnSpc>
-                <a:spcPct val="200000"/>
-              </a:lnSpc>
-            </a:pPr>
-            <a:r>
-              <a:rPr lang="es-CL" b="1" dirty="0"/>
-              <a:t>Lecciones Aprendidas con la Experiencia.</a:t>
-            </a:r>
-          </a:p>
-          <a:p>
-            <a:pPr marL="342900" indent="-342900">
-              <a:lnSpc>
-                <a:spcPct val="200000"/>
-              </a:lnSpc>
-              <a:buFont typeface="+mj-lt"/>
-              <a:buAutoNum type="alphaLcParenR"/>
-            </a:pPr>
-            <a:r>
+              <a:t>Demostración del Sistema </a:t>
+            </a:r>
+            <a:br>
               <a:rPr lang="es-CL" dirty="0"/>
-              <a:t>¿Cuáles fueron los principales problemas que se vivieron como equipo?</a:t>
-            </a:r>
-          </a:p>
-          <a:p>
-            <a:pPr marL="342900" indent="-342900">
-              <a:lnSpc>
-                <a:spcPct val="200000"/>
-              </a:lnSpc>
-              <a:buFont typeface="+mj-lt"/>
-              <a:buAutoNum type="alphaLcParenR"/>
-            </a:pPr>
-            <a:r>
-              <a:rPr lang="es-CL" dirty="0"/>
-              <a:t>¿Cómo los evitaría para un próximo proyecto?</a:t>
-            </a:r>
-          </a:p>
-          <a:p>
-            <a:pPr marL="342900" indent="-342900">
-              <a:lnSpc>
-                <a:spcPct val="200000"/>
-              </a:lnSpc>
-              <a:buFont typeface="+mj-lt"/>
-              <a:buAutoNum type="alphaLcParenR"/>
-            </a:pPr>
-            <a:r>
-              <a:rPr lang="es-CL" dirty="0"/>
-              <a:t>¿Cuáles fueron los casos más complejos en desarrollar?</a:t>
-            </a:r>
-          </a:p>
-          <a:p>
-            <a:pPr marL="342900" indent="-342900">
-              <a:lnSpc>
-                <a:spcPct val="200000"/>
-              </a:lnSpc>
-              <a:buFont typeface="+mj-lt"/>
-              <a:buAutoNum type="alphaLcParenR"/>
-            </a:pPr>
-            <a:r>
-              <a:rPr lang="es-CL" dirty="0"/>
-              <a:t>¿Perciben un crecimiento en su capacidad para desarrollar proyectos informáticos reales?</a:t>
-            </a:r>
-          </a:p>
-          <a:p>
-            <a:pPr marL="342900" indent="-342900">
-              <a:lnSpc>
-                <a:spcPct val="200000"/>
-              </a:lnSpc>
-              <a:buFont typeface="+mj-lt"/>
-              <a:buAutoNum type="alphaLcParenR"/>
-            </a:pPr>
-            <a:r>
-              <a:rPr lang="es-CL" dirty="0"/>
-              <a:t>¿Cómo se abordó la gestión del proyecto?</a:t>
-            </a:r>
-          </a:p>
-          <a:p>
-            <a:pPr marL="342900" indent="-342900">
-              <a:lnSpc>
-                <a:spcPct val="200000"/>
-              </a:lnSpc>
-              <a:buFont typeface="+mj-lt"/>
-              <a:buAutoNum type="alphaLcParenR"/>
-            </a:pPr>
-            <a:r>
-              <a:rPr lang="es-CL" dirty="0"/>
-              <a:t>¿Cuáles fueron los principales auto-aprendizajes a nivel técnico que han logrado en el proceso?</a:t>
+            </a:br>
+            <a:r>
+              <a:rPr lang="es-CL" sz="2400" dirty="0"/>
+              <a:t>(No más de 5 Minutos)</a:t>
             </a:r>
           </a:p>
         </p:txBody>
@@ -4914,7 +4955,7 @@
     </p:spTree>
     <p:extLst>
       <p:ext uri="{BB962C8B-B14F-4D97-AF65-F5344CB8AC3E}">
-        <p14:creationId xmlns:p14="http://schemas.microsoft.com/office/powerpoint/2010/main" val="466460528"/>
+        <p14:creationId xmlns:p14="http://schemas.microsoft.com/office/powerpoint/2010/main" val="2274548756"/>
       </p:ext>
     </p:extLst>
   </p:cSld>
@@ -4943,6 +4984,174 @@
       </p:grpSpPr>
       <p:sp>
         <p:nvSpPr>
+          <p:cNvPr id="4" name="Título 3"/>
+          <p:cNvSpPr>
+            <a:spLocks noGrp="1"/>
+          </p:cNvSpPr>
+          <p:nvPr>
+            <p:ph type="title"/>
+          </p:nvPr>
+        </p:nvSpPr>
+        <p:spPr>
+          <a:xfrm>
+            <a:off x="838200" y="974937"/>
+            <a:ext cx="10515600" cy="1325563"/>
+          </a:xfrm>
+        </p:spPr>
+        <p:txBody>
+          <a:bodyPr/>
+          <a:lstStyle/>
+          <a:p>
+            <a:r>
+              <a:rPr lang="es-CL" dirty="0"/>
+              <a:t>Reflexión final</a:t>
+            </a:r>
+          </a:p>
+        </p:txBody>
+      </p:sp>
+      <p:sp>
+        <p:nvSpPr>
+          <p:cNvPr id="2" name="Rectángulo 1"/>
+          <p:cNvSpPr/>
+          <p:nvPr/>
+        </p:nvSpPr>
+        <p:spPr>
+          <a:xfrm>
+            <a:off x="838200" y="2092682"/>
+            <a:ext cx="9670961" cy="3970318"/>
+          </a:xfrm>
+          <a:prstGeom prst="rect">
+            <a:avLst/>
+          </a:prstGeom>
+        </p:spPr>
+        <p:txBody>
+          <a:bodyPr wrap="square">
+            <a:spAutoFit/>
+          </a:bodyPr>
+          <a:lstStyle/>
+          <a:p>
+            <a:pPr>
+              <a:lnSpc>
+                <a:spcPct val="200000"/>
+              </a:lnSpc>
+            </a:pPr>
+            <a:r>
+              <a:rPr lang="es-CL" b="1" dirty="0"/>
+              <a:t>Lecciones Aprendidas con la Experiencia.</a:t>
+            </a:r>
+          </a:p>
+          <a:p>
+            <a:pPr marL="342900" indent="-342900">
+              <a:lnSpc>
+                <a:spcPct val="200000"/>
+              </a:lnSpc>
+              <a:buFont typeface="+mj-lt"/>
+              <a:buAutoNum type="alphaLcParenR"/>
+            </a:pPr>
+            <a:r>
+              <a:rPr lang="es-CL" dirty="0"/>
+              <a:t>¿Cuáles fueron los principales problemas que se vivieron como equipo?</a:t>
+            </a:r>
+          </a:p>
+          <a:p>
+            <a:pPr marL="342900" indent="-342900">
+              <a:lnSpc>
+                <a:spcPct val="200000"/>
+              </a:lnSpc>
+              <a:buFont typeface="+mj-lt"/>
+              <a:buAutoNum type="alphaLcParenR"/>
+            </a:pPr>
+            <a:r>
+              <a:rPr lang="es-CL" dirty="0"/>
+              <a:t>¿Cómo los evitaría para un próximo proyecto?</a:t>
+            </a:r>
+          </a:p>
+          <a:p>
+            <a:pPr marL="342900" indent="-342900">
+              <a:lnSpc>
+                <a:spcPct val="200000"/>
+              </a:lnSpc>
+              <a:buFont typeface="+mj-lt"/>
+              <a:buAutoNum type="alphaLcParenR"/>
+            </a:pPr>
+            <a:r>
+              <a:rPr lang="es-CL" dirty="0"/>
+              <a:t>¿Cuáles fueron los casos más complejos en desarrollar?</a:t>
+            </a:r>
+          </a:p>
+          <a:p>
+            <a:pPr marL="342900" indent="-342900">
+              <a:lnSpc>
+                <a:spcPct val="200000"/>
+              </a:lnSpc>
+              <a:buFont typeface="+mj-lt"/>
+              <a:buAutoNum type="alphaLcParenR"/>
+            </a:pPr>
+            <a:r>
+              <a:rPr lang="es-CL" dirty="0"/>
+              <a:t>¿Perciben un crecimiento en su capacidad para desarrollar proyectos informáticos reales?</a:t>
+            </a:r>
+          </a:p>
+          <a:p>
+            <a:pPr marL="342900" indent="-342900">
+              <a:lnSpc>
+                <a:spcPct val="200000"/>
+              </a:lnSpc>
+              <a:buFont typeface="+mj-lt"/>
+              <a:buAutoNum type="alphaLcParenR"/>
+            </a:pPr>
+            <a:r>
+              <a:rPr lang="es-CL" dirty="0"/>
+              <a:t>¿Cómo se abordó la gestión del proyecto?</a:t>
+            </a:r>
+          </a:p>
+          <a:p>
+            <a:pPr marL="342900" indent="-342900">
+              <a:lnSpc>
+                <a:spcPct val="200000"/>
+              </a:lnSpc>
+              <a:buFont typeface="+mj-lt"/>
+              <a:buAutoNum type="alphaLcParenR"/>
+            </a:pPr>
+            <a:r>
+              <a:rPr lang="es-CL" dirty="0"/>
+              <a:t>¿Cuáles fueron los principales auto-aprendizajes a nivel técnico que han logrado en el proceso?</a:t>
+            </a:r>
+          </a:p>
+        </p:txBody>
+      </p:sp>
+    </p:spTree>
+    <p:extLst>
+      <p:ext uri="{BB962C8B-B14F-4D97-AF65-F5344CB8AC3E}">
+        <p14:creationId xmlns:p14="http://schemas.microsoft.com/office/powerpoint/2010/main" val="466460528"/>
+      </p:ext>
+    </p:extLst>
+  </p:cSld>
+  <p:clrMapOvr>
+    <a:masterClrMapping/>
+  </p:clrMapOvr>
+</p:sld>
+</file>
+
+<file path=ppt/slides/slide17.xml><?xml version="1.0" encoding="utf-8"?>
+<p:sld xmlns:a="http://schemas.openxmlformats.org/drawingml/2006/main" xmlns:r="http://schemas.openxmlformats.org/officeDocument/2006/relationships" xmlns:p="http://schemas.openxmlformats.org/presentationml/2006/main">
+  <p:cSld>
+    <p:spTree>
+      <p:nvGrpSpPr>
+        <p:cNvPr id="1" name=""/>
+        <p:cNvGrpSpPr/>
+        <p:nvPr/>
+      </p:nvGrpSpPr>
+      <p:grpSpPr>
+        <a:xfrm>
+          <a:off x="0" y="0"/>
+          <a:ext cx="0" cy="0"/>
+          <a:chOff x="0" y="0"/>
+          <a:chExt cx="0" cy="0"/>
+        </a:xfrm>
+      </p:grpSpPr>
+      <p:sp>
+        <p:nvSpPr>
           <p:cNvPr id="2" name="Título 1"/>
           <p:cNvSpPr>
             <a:spLocks noGrp="1"/>
@@ -5250,7 +5459,7 @@
 </p:sld>
 </file>
 
-<file path=ppt/slides/slide17.xml><?xml version="1.0" encoding="utf-8"?>
+<file path=ppt/slides/slide18.xml><?xml version="1.0" encoding="utf-8"?>
 <p:sld xmlns:a="http://schemas.openxmlformats.org/drawingml/2006/main" xmlns:r="http://schemas.openxmlformats.org/officeDocument/2006/relationships" xmlns:p="http://schemas.openxmlformats.org/presentationml/2006/main" show="0">
   <p:cSld>
     <p:spTree>
@@ -5345,7 +5554,7 @@
 </p:sld>
 </file>
 
-<file path=ppt/slides/slide18.xml><?xml version="1.0" encoding="utf-8"?>
+<file path=ppt/slides/slide19.xml><?xml version="1.0" encoding="utf-8"?>
 <p:sld xmlns:a="http://schemas.openxmlformats.org/drawingml/2006/main" xmlns:r="http://schemas.openxmlformats.org/officeDocument/2006/relationships" xmlns:p="http://schemas.openxmlformats.org/presentationml/2006/main" show="0">
   <p:cSld>
     <p:spTree>
@@ -5651,7 +5860,7 @@
         </p:blipFill>
         <p:spPr>
           <a:xfrm>
-            <a:off x="3664519" y="1409612"/>
+            <a:off x="5932109" y="1802610"/>
             <a:ext cx="4701232" cy="3892826"/>
           </a:xfrm>
           <a:prstGeom prst="rect">
@@ -5687,7 +5896,7 @@
         </p:blipFill>
         <p:spPr>
           <a:xfrm>
-            <a:off x="8179910" y="3708759"/>
+            <a:off x="8282725" y="3082888"/>
             <a:ext cx="3909275" cy="2812290"/>
           </a:xfrm>
           <a:prstGeom prst="rect">
@@ -5695,44 +5904,6 @@
           </a:prstGeom>
         </p:spPr>
       </p:pic>
-      <p:sp>
-        <p:nvSpPr>
-          <p:cNvPr id="9" name="Rectángulo 8">
-            <a:extLst>
-              <a:ext uri="{FF2B5EF4-FFF2-40B4-BE49-F238E27FC236}">
-                <a16:creationId xmlns:a16="http://schemas.microsoft.com/office/drawing/2014/main" id="{1C5C4094-41AF-4DF0-8085-27AD96B1BE83}"/>
-              </a:ext>
-            </a:extLst>
-          </p:cNvPr>
-          <p:cNvSpPr/>
-          <p:nvPr/>
-        </p:nvSpPr>
-        <p:spPr>
-          <a:xfrm>
-            <a:off x="102815" y="4279860"/>
-            <a:ext cx="3723436" cy="2308324"/>
-          </a:xfrm>
-          <a:prstGeom prst="rect">
-            <a:avLst/>
-          </a:prstGeom>
-        </p:spPr>
-        <p:txBody>
-          <a:bodyPr wrap="square">
-            <a:spAutoFit/>
-          </a:bodyPr>
-          <a:lstStyle/>
-          <a:p>
-            <a:r>
-              <a:rPr lang="es-AR" dirty="0">
-                <a:latin typeface="Arial" panose="020B0604020202020204" pitchFamily="34" charset="0"/>
-                <a:ea typeface="Calibri" panose="020F0502020204030204" pitchFamily="34" charset="0"/>
-              </a:rPr>
-              <a:t>HOSTAL DOÑA CLARITA es una empresa familiar, orientada principalmente a dar un servicio de calidad y seguridad a trabajadores que necesitan hospedaje por periodos de tiempo. Este servicio es exclusivo para empresas.</a:t>
-            </a:r>
-            <a:endParaRPr lang="es-ES" dirty="0"/>
-          </a:p>
-        </p:txBody>
-      </p:sp>
       <p:sp>
         <p:nvSpPr>
           <p:cNvPr id="11" name="Flecha: cheurón 10">
@@ -5800,7 +5971,7 @@
         </p:nvSpPr>
         <p:spPr>
           <a:xfrm>
-            <a:off x="3183541" y="2941895"/>
+            <a:off x="3686737" y="5695436"/>
             <a:ext cx="338693" cy="487105"/>
           </a:xfrm>
           <a:prstGeom prst="chevron">
@@ -5867,120 +6038,14 @@
         </p:blipFill>
         <p:spPr>
           <a:xfrm>
-            <a:off x="214731" y="1683026"/>
-            <a:ext cx="2826526" cy="2025733"/>
+            <a:off x="727229" y="1341501"/>
+            <a:ext cx="3724594" cy="2669366"/>
           </a:xfrm>
           <a:prstGeom prst="rect">
             <a:avLst/>
           </a:prstGeom>
         </p:spPr>
       </p:pic>
-      <p:sp>
-        <p:nvSpPr>
-          <p:cNvPr id="8" name="Rectángulo: esquinas diagonales cortadas 7">
-            <a:extLst>
-              <a:ext uri="{FF2B5EF4-FFF2-40B4-BE49-F238E27FC236}">
-                <a16:creationId xmlns:a16="http://schemas.microsoft.com/office/drawing/2014/main" id="{39B1E877-16BF-40EC-A056-5FFD01819322}"/>
-              </a:ext>
-            </a:extLst>
-          </p:cNvPr>
-          <p:cNvSpPr/>
-          <p:nvPr/>
-        </p:nvSpPr>
-        <p:spPr>
-          <a:xfrm>
-            <a:off x="10105510" y="1409612"/>
-            <a:ext cx="1871759" cy="612292"/>
-          </a:xfrm>
-          <a:prstGeom prst="snip2DiagRect">
-            <a:avLst/>
-          </a:prstGeom>
-          <a:solidFill>
-            <a:schemeClr val="accent4">
-              <a:lumMod val="60000"/>
-              <a:lumOff val="40000"/>
-            </a:schemeClr>
-          </a:solidFill>
-        </p:spPr>
-        <p:style>
-          <a:lnRef idx="2">
-            <a:schemeClr val="accent1">
-              <a:shade val="50000"/>
-            </a:schemeClr>
-          </a:lnRef>
-          <a:fillRef idx="1">
-            <a:schemeClr val="accent1"/>
-          </a:fillRef>
-          <a:effectRef idx="0">
-            <a:schemeClr val="accent1"/>
-          </a:effectRef>
-          <a:fontRef idx="minor">
-            <a:schemeClr val="lt1"/>
-          </a:fontRef>
-        </p:style>
-        <p:txBody>
-          <a:bodyPr rtlCol="0" anchor="ctr"/>
-          <a:lstStyle/>
-          <a:p>
-            <a:pPr algn="ctr"/>
-            <a:endParaRPr lang="es-ES"/>
-          </a:p>
-        </p:txBody>
-      </p:sp>
-      <p:sp>
-        <p:nvSpPr>
-          <p:cNvPr id="18" name="Título 3">
-            <a:extLst>
-              <a:ext uri="{FF2B5EF4-FFF2-40B4-BE49-F238E27FC236}">
-                <a16:creationId xmlns:a16="http://schemas.microsoft.com/office/drawing/2014/main" id="{296AE823-BB8A-45B2-AAFC-94A612A6A045}"/>
-              </a:ext>
-            </a:extLst>
-          </p:cNvPr>
-          <p:cNvSpPr txBox="1">
-            <a:spLocks/>
-          </p:cNvSpPr>
-          <p:nvPr/>
-        </p:nvSpPr>
-        <p:spPr>
-          <a:xfrm>
-            <a:off x="10209881" y="1452207"/>
-            <a:ext cx="1655472" cy="527101"/>
-          </a:xfrm>
-          <a:prstGeom prst="rect">
-            <a:avLst/>
-          </a:prstGeom>
-        </p:spPr>
-        <p:txBody>
-          <a:bodyPr vert="horz" lIns="91440" tIns="45720" rIns="91440" bIns="45720" rtlCol="0" anchor="ctr">
-            <a:normAutofit fontScale="97500"/>
-          </a:bodyPr>
-          <a:lstStyle>
-            <a:lvl1pPr algn="l" defTabSz="914400" rtl="0" eaLnBrk="1" latinLnBrk="0" hangingPunct="1">
-              <a:lnSpc>
-                <a:spcPct val="90000"/>
-              </a:lnSpc>
-              <a:spcBef>
-                <a:spcPct val="0"/>
-              </a:spcBef>
-              <a:buNone/>
-              <a:defRPr sz="4400" kern="1200">
-                <a:solidFill>
-                  <a:schemeClr val="tx1"/>
-                </a:solidFill>
-                <a:latin typeface="+mj-lt"/>
-                <a:ea typeface="+mj-ea"/>
-                <a:cs typeface="+mj-cs"/>
-              </a:defRPr>
-            </a:lvl1pPr>
-          </a:lstStyle>
-          <a:p>
-            <a:r>
-              <a:rPr lang="es-CL" sz="3200" dirty="0"/>
-              <a:t>Contexto</a:t>
-            </a:r>
-          </a:p>
-        </p:txBody>
-      </p:sp>
     </p:spTree>
     <p:extLst>
       <p:ext uri="{BB962C8B-B14F-4D97-AF65-F5344CB8AC3E}">
@@ -5995,6 +6060,36 @@
 </file>
 
 <file path=ppt/slides/slide3.xml><?xml version="1.0" encoding="utf-8"?>
+<p:sld xmlns:a="http://schemas.openxmlformats.org/drawingml/2006/main" xmlns:r="http://schemas.openxmlformats.org/officeDocument/2006/relationships" xmlns:p="http://schemas.openxmlformats.org/presentationml/2006/main">
+  <p:cSld>
+    <p:spTree>
+      <p:nvGrpSpPr>
+        <p:cNvPr id="1" name=""/>
+        <p:cNvGrpSpPr/>
+        <p:nvPr/>
+      </p:nvGrpSpPr>
+      <p:grpSpPr>
+        <a:xfrm>
+          <a:off x="0" y="0"/>
+          <a:ext cx="0" cy="0"/>
+          <a:chOff x="0" y="0"/>
+          <a:chExt cx="0" cy="0"/>
+        </a:xfrm>
+      </p:grpSpPr>
+    </p:spTree>
+    <p:extLst>
+      <p:ext uri="{BB962C8B-B14F-4D97-AF65-F5344CB8AC3E}">
+        <p14:creationId xmlns:p14="http://schemas.microsoft.com/office/powerpoint/2010/main" val="343135250"/>
+      </p:ext>
+    </p:extLst>
+  </p:cSld>
+  <p:clrMapOvr>
+    <a:masterClrMapping/>
+  </p:clrMapOvr>
+</p:sld>
+</file>
+
+<file path=ppt/slides/slide4.xml><?xml version="1.0" encoding="utf-8"?>
 <p:sld xmlns:a="http://schemas.openxmlformats.org/drawingml/2006/main" xmlns:r="http://schemas.openxmlformats.org/officeDocument/2006/relationships" xmlns:p="http://schemas.openxmlformats.org/presentationml/2006/main">
   <p:cSld>
     <p:spTree>
@@ -6247,7 +6342,7 @@
 </p:sld>
 </file>
 
-<file path=ppt/slides/slide4.xml><?xml version="1.0" encoding="utf-8"?>
+<file path=ppt/slides/slide5.xml><?xml version="1.0" encoding="utf-8"?>
 <p:sld xmlns:a="http://schemas.openxmlformats.org/drawingml/2006/main" xmlns:r="http://schemas.openxmlformats.org/officeDocument/2006/relationships" xmlns:p="http://schemas.openxmlformats.org/presentationml/2006/main">
   <p:cSld>
     <p:spTree>
@@ -6838,112 +6933,6 @@
           </a:p>
         </p:txBody>
       </p:sp>
-      <p:sp>
-        <p:nvSpPr>
-          <p:cNvPr id="19" name="Rectángulo: esquinas diagonales cortadas 18">
-            <a:extLst>
-              <a:ext uri="{FF2B5EF4-FFF2-40B4-BE49-F238E27FC236}">
-                <a16:creationId xmlns:a16="http://schemas.microsoft.com/office/drawing/2014/main" id="{6803BDBA-08BF-42D0-9524-D8C0038D9A24}"/>
-              </a:ext>
-            </a:extLst>
-          </p:cNvPr>
-          <p:cNvSpPr/>
-          <p:nvPr/>
-        </p:nvSpPr>
-        <p:spPr>
-          <a:xfrm>
-            <a:off x="10050116" y="1132579"/>
-            <a:ext cx="1749287" cy="702196"/>
-          </a:xfrm>
-          <a:prstGeom prst="snip2DiagRect">
-            <a:avLst/>
-          </a:prstGeom>
-          <a:solidFill>
-            <a:schemeClr val="accent4">
-              <a:lumMod val="60000"/>
-              <a:lumOff val="40000"/>
-            </a:schemeClr>
-          </a:solidFill>
-        </p:spPr>
-        <p:style>
-          <a:lnRef idx="2">
-            <a:schemeClr val="accent1">
-              <a:shade val="50000"/>
-            </a:schemeClr>
-          </a:lnRef>
-          <a:fillRef idx="1">
-            <a:schemeClr val="accent1"/>
-          </a:fillRef>
-          <a:effectRef idx="0">
-            <a:schemeClr val="accent1"/>
-          </a:effectRef>
-          <a:fontRef idx="minor">
-            <a:schemeClr val="lt1"/>
-          </a:fontRef>
-        </p:style>
-        <p:txBody>
-          <a:bodyPr rtlCol="0" anchor="ctr"/>
-          <a:lstStyle/>
-          <a:p>
-            <a:pPr algn="ctr"/>
-            <a:endParaRPr lang="es-ES"/>
-          </a:p>
-        </p:txBody>
-      </p:sp>
-      <p:sp>
-        <p:nvSpPr>
-          <p:cNvPr id="20" name="Título 3">
-            <a:extLst>
-              <a:ext uri="{FF2B5EF4-FFF2-40B4-BE49-F238E27FC236}">
-                <a16:creationId xmlns:a16="http://schemas.microsoft.com/office/drawing/2014/main" id="{CB3AEE02-75DA-4C71-B1E5-6B85919E26F1}"/>
-              </a:ext>
-            </a:extLst>
-          </p:cNvPr>
-          <p:cNvSpPr txBox="1">
-            <a:spLocks/>
-          </p:cNvSpPr>
-          <p:nvPr/>
-        </p:nvSpPr>
-        <p:spPr>
-          <a:xfrm>
-            <a:off x="10140278" y="1238330"/>
-            <a:ext cx="2004290" cy="535447"/>
-          </a:xfrm>
-          <a:prstGeom prst="rect">
-            <a:avLst/>
-          </a:prstGeom>
-        </p:spPr>
-        <p:txBody>
-          <a:bodyPr vert="horz" lIns="91440" tIns="45720" rIns="91440" bIns="45720" rtlCol="0" anchor="ctr">
-            <a:normAutofit/>
-          </a:bodyPr>
-          <a:lstStyle>
-            <a:lvl1pPr algn="l" defTabSz="914400" rtl="0" eaLnBrk="1" latinLnBrk="0" hangingPunct="1">
-              <a:lnSpc>
-                <a:spcPct val="90000"/>
-              </a:lnSpc>
-              <a:spcBef>
-                <a:spcPct val="0"/>
-              </a:spcBef>
-              <a:buNone/>
-              <a:defRPr sz="4400" kern="1200">
-                <a:solidFill>
-                  <a:schemeClr val="tx1"/>
-                </a:solidFill>
-                <a:latin typeface="+mj-lt"/>
-                <a:ea typeface="+mj-ea"/>
-                <a:cs typeface="+mj-cs"/>
-              </a:defRPr>
-            </a:lvl1pPr>
-          </a:lstStyle>
-          <a:p>
-            <a:r>
-              <a:rPr lang="es-CL" sz="3200" dirty="0"/>
-              <a:t>Solución</a:t>
-            </a:r>
-          </a:p>
-        </p:txBody>
-      </p:sp>
     </p:spTree>
     <p:extLst>
       <p:ext uri="{BB962C8B-B14F-4D97-AF65-F5344CB8AC3E}">
@@ -6957,7 +6946,7 @@
 </p:sld>
 </file>
 
-<file path=ppt/slides/slide5.xml><?xml version="1.0" encoding="utf-8"?>
+<file path=ppt/slides/slide6.xml><?xml version="1.0" encoding="utf-8"?>
 <p:sld xmlns:a="http://schemas.openxmlformats.org/drawingml/2006/main" xmlns:r="http://schemas.openxmlformats.org/officeDocument/2006/relationships" xmlns:p="http://schemas.openxmlformats.org/presentationml/2006/main">
   <p:cSld>
     <p:spTree>
@@ -7185,7 +7174,7 @@
 </p:sld>
 </file>
 
-<file path=ppt/slides/slide6.xml><?xml version="1.0" encoding="utf-8"?>
+<file path=ppt/slides/slide7.xml><?xml version="1.0" encoding="utf-8"?>
 <p:sld xmlns:a="http://schemas.openxmlformats.org/drawingml/2006/main" xmlns:r="http://schemas.openxmlformats.org/officeDocument/2006/relationships" xmlns:p="http://schemas.openxmlformats.org/presentationml/2006/main">
   <p:cSld>
     <p:spTree>
@@ -8901,7 +8890,7 @@
 </p:sld>
 </file>
 
-<file path=ppt/slides/slide7.xml><?xml version="1.0" encoding="utf-8"?>
+<file path=ppt/slides/slide8.xml><?xml version="1.0" encoding="utf-8"?>
 <p:sld xmlns:a="http://schemas.openxmlformats.org/drawingml/2006/main" xmlns:r="http://schemas.openxmlformats.org/officeDocument/2006/relationships" xmlns:p="http://schemas.openxmlformats.org/presentationml/2006/main">
   <p:cSld>
     <p:spTree>
@@ -9776,7 +9765,7 @@
 </p:sld>
 </file>
 
-<file path=ppt/slides/slide8.xml><?xml version="1.0" encoding="utf-8"?>
+<file path=ppt/slides/slide9.xml><?xml version="1.0" encoding="utf-8"?>
 <p:sld xmlns:a="http://schemas.openxmlformats.org/drawingml/2006/main" xmlns:r="http://schemas.openxmlformats.org/officeDocument/2006/relationships" xmlns:p="http://schemas.openxmlformats.org/presentationml/2006/main">
   <p:cSld>
     <p:spTree>
@@ -9939,214 +9928,6 @@
     <p:extLst>
       <p:ext uri="{BB962C8B-B14F-4D97-AF65-F5344CB8AC3E}">
         <p14:creationId xmlns:p14="http://schemas.microsoft.com/office/powerpoint/2010/main" val="3702887600"/>
-      </p:ext>
-    </p:extLst>
-  </p:cSld>
-  <p:clrMapOvr>
-    <a:masterClrMapping/>
-  </p:clrMapOvr>
-</p:sld>
-</file>
-
-<file path=ppt/slides/slide9.xml><?xml version="1.0" encoding="utf-8"?>
-<p:sld xmlns:a="http://schemas.openxmlformats.org/drawingml/2006/main" xmlns:r="http://schemas.openxmlformats.org/officeDocument/2006/relationships" xmlns:p="http://schemas.openxmlformats.org/presentationml/2006/main">
-  <p:cSld>
-    <p:spTree>
-      <p:nvGrpSpPr>
-        <p:cNvPr id="1" name=""/>
-        <p:cNvGrpSpPr/>
-        <p:nvPr/>
-      </p:nvGrpSpPr>
-      <p:grpSpPr>
-        <a:xfrm>
-          <a:off x="0" y="0"/>
-          <a:ext cx="0" cy="0"/>
-          <a:chOff x="0" y="0"/>
-          <a:chExt cx="0" cy="0"/>
-        </a:xfrm>
-      </p:grpSpPr>
-      <p:pic>
-        <p:nvPicPr>
-          <p:cNvPr id="7" name="Imagen 6">
-            <a:extLst>
-              <a:ext uri="{FF2B5EF4-FFF2-40B4-BE49-F238E27FC236}">
-                <a16:creationId xmlns:a16="http://schemas.microsoft.com/office/drawing/2014/main" id="{48466BA4-D49C-4E6B-919F-2FCA7A75A053}"/>
-              </a:ext>
-            </a:extLst>
-          </p:cNvPr>
-          <p:cNvPicPr>
-            <a:picLocks noChangeAspect="1"/>
-          </p:cNvPicPr>
-          <p:nvPr/>
-        </p:nvPicPr>
-        <p:blipFill>
-          <a:blip r:embed="rId2">
-            <a:extLst>
-              <a:ext uri="{28A0092B-C50C-407E-A947-70E740481C1C}">
-                <a14:useLocalDpi xmlns:a14="http://schemas.microsoft.com/office/drawing/2010/main" val="0"/>
-              </a:ext>
-            </a:extLst>
-          </a:blip>
-          <a:stretch>
-            <a:fillRect/>
-          </a:stretch>
-        </p:blipFill>
-        <p:spPr>
-          <a:xfrm>
-            <a:off x="2729948" y="878784"/>
-            <a:ext cx="6308035" cy="5979216"/>
-          </a:xfrm>
-          <a:prstGeom prst="rect">
-            <a:avLst/>
-          </a:prstGeom>
-        </p:spPr>
-      </p:pic>
-      <p:sp>
-        <p:nvSpPr>
-          <p:cNvPr id="8" name="CuadroTexto 7">
-            <a:extLst>
-              <a:ext uri="{FF2B5EF4-FFF2-40B4-BE49-F238E27FC236}">
-                <a16:creationId xmlns:a16="http://schemas.microsoft.com/office/drawing/2014/main" id="{544DCF23-8F28-4123-BF1C-57B567B703D4}"/>
-              </a:ext>
-            </a:extLst>
-          </p:cNvPr>
-          <p:cNvSpPr txBox="1"/>
-          <p:nvPr/>
-        </p:nvSpPr>
-        <p:spPr>
-          <a:xfrm>
-            <a:off x="9037983" y="3511935"/>
-            <a:ext cx="2928730" cy="646331"/>
-          </a:xfrm>
-          <a:prstGeom prst="rect">
-            <a:avLst/>
-          </a:prstGeom>
-          <a:noFill/>
-        </p:spPr>
-        <p:txBody>
-          <a:bodyPr wrap="square" rtlCol="0">
-            <a:spAutoFit/>
-          </a:bodyPr>
-          <a:lstStyle/>
-          <a:p>
-            <a:r>
-              <a:rPr lang="es-ES" dirty="0"/>
-              <a:t>Administrador- Registrar Habitación</a:t>
-            </a:r>
-          </a:p>
-        </p:txBody>
-      </p:sp>
-      <p:sp>
-        <p:nvSpPr>
-          <p:cNvPr id="5" name="Rectángulo: esquinas diagonales cortadas 4">
-            <a:extLst>
-              <a:ext uri="{FF2B5EF4-FFF2-40B4-BE49-F238E27FC236}">
-                <a16:creationId xmlns:a16="http://schemas.microsoft.com/office/drawing/2014/main" id="{E151581C-B2E1-4719-BECC-1EA5685B5735}"/>
-              </a:ext>
-            </a:extLst>
-          </p:cNvPr>
-          <p:cNvSpPr/>
-          <p:nvPr/>
-        </p:nvSpPr>
-        <p:spPr>
-          <a:xfrm>
-            <a:off x="106017" y="3114591"/>
-            <a:ext cx="2345633" cy="2225025"/>
-          </a:xfrm>
-          <a:prstGeom prst="snip2DiagRect">
-            <a:avLst/>
-          </a:prstGeom>
-          <a:solidFill>
-            <a:schemeClr val="accent4">
-              <a:lumMod val="60000"/>
-              <a:lumOff val="40000"/>
-            </a:schemeClr>
-          </a:solidFill>
-        </p:spPr>
-        <p:style>
-          <a:lnRef idx="2">
-            <a:schemeClr val="accent1">
-              <a:shade val="50000"/>
-            </a:schemeClr>
-          </a:lnRef>
-          <a:fillRef idx="1">
-            <a:schemeClr val="accent1"/>
-          </a:fillRef>
-          <a:effectRef idx="0">
-            <a:schemeClr val="accent1"/>
-          </a:effectRef>
-          <a:fontRef idx="minor">
-            <a:schemeClr val="lt1"/>
-          </a:fontRef>
-        </p:style>
-        <p:txBody>
-          <a:bodyPr rtlCol="0" anchor="ctr"/>
-          <a:lstStyle/>
-          <a:p>
-            <a:pPr algn="ctr"/>
-            <a:endParaRPr lang="es-ES"/>
-          </a:p>
-        </p:txBody>
-      </p:sp>
-      <p:sp>
-        <p:nvSpPr>
-          <p:cNvPr id="9" name="Título 3">
-            <a:extLst>
-              <a:ext uri="{FF2B5EF4-FFF2-40B4-BE49-F238E27FC236}">
-                <a16:creationId xmlns:a16="http://schemas.microsoft.com/office/drawing/2014/main" id="{15D8C790-34B6-4A9B-81BD-3543989FDCA9}"/>
-              </a:ext>
-            </a:extLst>
-          </p:cNvPr>
-          <p:cNvSpPr txBox="1">
-            <a:spLocks/>
-          </p:cNvSpPr>
-          <p:nvPr/>
-        </p:nvSpPr>
-        <p:spPr>
-          <a:xfrm>
-            <a:off x="106017" y="3481168"/>
-            <a:ext cx="2623931" cy="1281660"/>
-          </a:xfrm>
-          <a:prstGeom prst="rect">
-            <a:avLst/>
-          </a:prstGeom>
-        </p:spPr>
-        <p:txBody>
-          <a:bodyPr vert="horz" lIns="91440" tIns="45720" rIns="91440" bIns="45720" rtlCol="0" anchor="ctr">
-            <a:noAutofit/>
-          </a:bodyPr>
-          <a:lstStyle>
-            <a:lvl1pPr algn="l" defTabSz="914400" rtl="0" eaLnBrk="1" latinLnBrk="0" hangingPunct="1">
-              <a:lnSpc>
-                <a:spcPct val="90000"/>
-              </a:lnSpc>
-              <a:spcBef>
-                <a:spcPct val="0"/>
-              </a:spcBef>
-              <a:buNone/>
-              <a:defRPr sz="4400" kern="1200">
-                <a:solidFill>
-                  <a:schemeClr val="tx1"/>
-                </a:solidFill>
-                <a:latin typeface="+mj-lt"/>
-                <a:ea typeface="+mj-ea"/>
-                <a:cs typeface="+mj-cs"/>
-              </a:defRPr>
-            </a:lvl1pPr>
-          </a:lstStyle>
-          <a:p>
-            <a:r>
-              <a:rPr lang="es-CL" sz="3200"/>
-              <a:t>Diagrama de Actividad</a:t>
-            </a:r>
-            <a:endParaRPr lang="es-CL" sz="3200" dirty="0"/>
-          </a:p>
-        </p:txBody>
-      </p:sp>
-    </p:spTree>
-    <p:extLst>
-      <p:ext uri="{BB962C8B-B14F-4D97-AF65-F5344CB8AC3E}">
-        <p14:creationId xmlns:p14="http://schemas.microsoft.com/office/powerpoint/2010/main" val="3573124493"/>
       </p:ext>
     </p:extLst>
   </p:cSld>
